--- a/06082021/presentation.pptx
+++ b/06082021/presentation.pptx
@@ -2,11 +2,20 @@
 <file path=ppt/presentation.xml><?xml version="1.0" encoding="utf-8"?>
 <p:presentation xmlns:a="http://schemas.openxmlformats.org/drawingml/2006/main" xmlns:r="http://schemas.openxmlformats.org/officeDocument/2006/relationships" xmlns:p="http://schemas.openxmlformats.org/presentationml/2006/main" saveSubsetFonts="1" autoCompressPictures="0">
   <p:sldMasterIdLst>
-    <p:sldMasterId id="2147483648" r:id="rId1"/>
+    <p:sldMasterId id="2147483732" r:id="rId1"/>
   </p:sldMasterIdLst>
+  <p:notesMasterIdLst>
+    <p:notesMasterId r:id="rId10"/>
+  </p:notesMasterIdLst>
   <p:sldIdLst>
     <p:sldId id="256" r:id="rId2"/>
-    <p:sldId id="257" r:id="rId3"/>
+    <p:sldId id="258" r:id="rId3"/>
+    <p:sldId id="259" r:id="rId4"/>
+    <p:sldId id="260" r:id="rId5"/>
+    <p:sldId id="263" r:id="rId6"/>
+    <p:sldId id="261" r:id="rId7"/>
+    <p:sldId id="264" r:id="rId8"/>
+    <p:sldId id="262" r:id="rId9"/>
   </p:sldIdLst>
   <p:sldSz cx="12192000" cy="6858000"/>
   <p:notesSz cx="6858000" cy="9144000"/>
@@ -105,7 +114,457 @@
       </a:defRPr>
     </a:lvl9pPr>
   </p:defaultTextStyle>
+  <p:extLst>
+    <p:ext uri="{EFAFB233-063F-42B5-8137-9DF3F51BA10A}">
+      <p15:sldGuideLst xmlns:p15="http://schemas.microsoft.com/office/powerpoint/2012/main"/>
+    </p:ext>
+  </p:extLst>
 </p:presentation>
+</file>
+
+<file path=ppt/commentAuthors.xml><?xml version="1.0" encoding="utf-8"?>
+<p:cmAuthorLst xmlns:a="http://schemas.openxmlformats.org/drawingml/2006/main" xmlns:r="http://schemas.openxmlformats.org/officeDocument/2006/relationships" xmlns:p="http://schemas.openxmlformats.org/presentationml/2006/main">
+  <p:cmAuthor id="1" name="charles stolz" initials="cs" lastIdx="3" clrIdx="0">
+    <p:extLst>
+      <p:ext uri="{19B8F6BF-5375-455C-9EA6-DF929625EA0E}">
+        <p15:presenceInfo xmlns:p15="http://schemas.microsoft.com/office/powerpoint/2012/main" userId="b55528d62d19cdc7" providerId="Windows Live"/>
+      </p:ext>
+    </p:extLst>
+  </p:cmAuthor>
+</p:cmAuthorLst>
+</file>
+
+<file path=ppt/notesMasters/notesMaster1.xml><?xml version="1.0" encoding="utf-8"?>
+<p:notesMaster xmlns:a="http://schemas.openxmlformats.org/drawingml/2006/main" xmlns:r="http://schemas.openxmlformats.org/officeDocument/2006/relationships" xmlns:p="http://schemas.openxmlformats.org/presentationml/2006/main">
+  <p:cSld>
+    <p:bg>
+      <p:bgRef idx="1001">
+        <a:schemeClr val="bg1"/>
+      </p:bgRef>
+    </p:bg>
+    <p:spTree>
+      <p:nvGrpSpPr>
+        <p:cNvPr id="1" name=""/>
+        <p:cNvGrpSpPr/>
+        <p:nvPr/>
+      </p:nvGrpSpPr>
+      <p:grpSpPr>
+        <a:xfrm>
+          <a:off x="0" y="0"/>
+          <a:ext cx="0" cy="0"/>
+          <a:chOff x="0" y="0"/>
+          <a:chExt cx="0" cy="0"/>
+        </a:xfrm>
+      </p:grpSpPr>
+      <p:sp>
+        <p:nvSpPr>
+          <p:cNvPr id="2" name="Header Placeholder 1"/>
+          <p:cNvSpPr>
+            <a:spLocks noGrp="1"/>
+          </p:cNvSpPr>
+          <p:nvPr>
+            <p:ph type="hdr" sz="quarter"/>
+          </p:nvPr>
+        </p:nvSpPr>
+        <p:spPr>
+          <a:xfrm>
+            <a:off x="0" y="0"/>
+            <a:ext cx="2971800" cy="458788"/>
+          </a:xfrm>
+          <a:prstGeom prst="rect">
+            <a:avLst/>
+          </a:prstGeom>
+        </p:spPr>
+        <p:txBody>
+          <a:bodyPr vert="horz" lIns="91440" tIns="45720" rIns="91440" bIns="45720" rtlCol="0"/>
+          <a:lstStyle>
+            <a:lvl1pPr algn="l">
+              <a:defRPr sz="1200"/>
+            </a:lvl1pPr>
+          </a:lstStyle>
+          <a:p>
+            <a:endParaRPr lang="en-US"/>
+          </a:p>
+        </p:txBody>
+      </p:sp>
+      <p:sp>
+        <p:nvSpPr>
+          <p:cNvPr id="3" name="Date Placeholder 2"/>
+          <p:cNvSpPr>
+            <a:spLocks noGrp="1"/>
+          </p:cNvSpPr>
+          <p:nvPr>
+            <p:ph type="dt" idx="1"/>
+          </p:nvPr>
+        </p:nvSpPr>
+        <p:spPr>
+          <a:xfrm>
+            <a:off x="3884613" y="0"/>
+            <a:ext cx="2971800" cy="458788"/>
+          </a:xfrm>
+          <a:prstGeom prst="rect">
+            <a:avLst/>
+          </a:prstGeom>
+        </p:spPr>
+        <p:txBody>
+          <a:bodyPr vert="horz" lIns="91440" tIns="45720" rIns="91440" bIns="45720" rtlCol="0"/>
+          <a:lstStyle>
+            <a:lvl1pPr algn="r">
+              <a:defRPr sz="1200"/>
+            </a:lvl1pPr>
+          </a:lstStyle>
+          <a:p>
+            <a:fld id="{8926DBCC-1643-724D-8F5F-DEAC19C6CBD7}" type="datetimeFigureOut">
+              <a:rPr lang="en-US" smtClean="0"/>
+              <a:t>5/23/21</a:t>
+            </a:fld>
+            <a:endParaRPr lang="en-US"/>
+          </a:p>
+        </p:txBody>
+      </p:sp>
+      <p:sp>
+        <p:nvSpPr>
+          <p:cNvPr id="4" name="Slide Image Placeholder 3"/>
+          <p:cNvSpPr>
+            <a:spLocks noGrp="1" noRot="1" noChangeAspect="1"/>
+          </p:cNvSpPr>
+          <p:nvPr>
+            <p:ph type="sldImg" idx="2"/>
+          </p:nvPr>
+        </p:nvSpPr>
+        <p:spPr>
+          <a:xfrm>
+            <a:off x="685800" y="1143000"/>
+            <a:ext cx="5486400" cy="3086100"/>
+          </a:xfrm>
+          <a:prstGeom prst="rect">
+            <a:avLst/>
+          </a:prstGeom>
+          <a:noFill/>
+          <a:ln w="12700">
+            <a:solidFill>
+              <a:prstClr val="black"/>
+            </a:solidFill>
+          </a:ln>
+        </p:spPr>
+        <p:txBody>
+          <a:bodyPr vert="horz" lIns="91440" tIns="45720" rIns="91440" bIns="45720" rtlCol="0" anchor="ctr"/>
+          <a:lstStyle/>
+          <a:p>
+            <a:endParaRPr lang="en-US"/>
+          </a:p>
+        </p:txBody>
+      </p:sp>
+      <p:sp>
+        <p:nvSpPr>
+          <p:cNvPr id="5" name="Notes Placeholder 4"/>
+          <p:cNvSpPr>
+            <a:spLocks noGrp="1"/>
+          </p:cNvSpPr>
+          <p:nvPr>
+            <p:ph type="body" sz="quarter" idx="3"/>
+          </p:nvPr>
+        </p:nvSpPr>
+        <p:spPr>
+          <a:xfrm>
+            <a:off x="685800" y="4400550"/>
+            <a:ext cx="5486400" cy="3600450"/>
+          </a:xfrm>
+          <a:prstGeom prst="rect">
+            <a:avLst/>
+          </a:prstGeom>
+        </p:spPr>
+        <p:txBody>
+          <a:bodyPr vert="horz" lIns="91440" tIns="45720" rIns="91440" bIns="45720" rtlCol="0"/>
+          <a:lstStyle/>
+          <a:p>
+            <a:pPr lvl="0"/>
+            <a:r>
+              <a:rPr lang="en-US"/>
+              <a:t>Click to edit Master text styles</a:t>
+            </a:r>
+          </a:p>
+          <a:p>
+            <a:pPr lvl="1"/>
+            <a:r>
+              <a:rPr lang="en-US"/>
+              <a:t>Second level</a:t>
+            </a:r>
+          </a:p>
+          <a:p>
+            <a:pPr lvl="2"/>
+            <a:r>
+              <a:rPr lang="en-US"/>
+              <a:t>Third level</a:t>
+            </a:r>
+          </a:p>
+          <a:p>
+            <a:pPr lvl="3"/>
+            <a:r>
+              <a:rPr lang="en-US"/>
+              <a:t>Fourth level</a:t>
+            </a:r>
+          </a:p>
+          <a:p>
+            <a:pPr lvl="4"/>
+            <a:r>
+              <a:rPr lang="en-US"/>
+              <a:t>Fifth level</a:t>
+            </a:r>
+          </a:p>
+        </p:txBody>
+      </p:sp>
+      <p:sp>
+        <p:nvSpPr>
+          <p:cNvPr id="6" name="Footer Placeholder 5"/>
+          <p:cNvSpPr>
+            <a:spLocks noGrp="1"/>
+          </p:cNvSpPr>
+          <p:nvPr>
+            <p:ph type="ftr" sz="quarter" idx="4"/>
+          </p:nvPr>
+        </p:nvSpPr>
+        <p:spPr>
+          <a:xfrm>
+            <a:off x="0" y="8685213"/>
+            <a:ext cx="2971800" cy="458787"/>
+          </a:xfrm>
+          <a:prstGeom prst="rect">
+            <a:avLst/>
+          </a:prstGeom>
+        </p:spPr>
+        <p:txBody>
+          <a:bodyPr vert="horz" lIns="91440" tIns="45720" rIns="91440" bIns="45720" rtlCol="0" anchor="b"/>
+          <a:lstStyle>
+            <a:lvl1pPr algn="l">
+              <a:defRPr sz="1200"/>
+            </a:lvl1pPr>
+          </a:lstStyle>
+          <a:p>
+            <a:endParaRPr lang="en-US"/>
+          </a:p>
+        </p:txBody>
+      </p:sp>
+      <p:sp>
+        <p:nvSpPr>
+          <p:cNvPr id="7" name="Slide Number Placeholder 6"/>
+          <p:cNvSpPr>
+            <a:spLocks noGrp="1"/>
+          </p:cNvSpPr>
+          <p:nvPr>
+            <p:ph type="sldNum" sz="quarter" idx="5"/>
+          </p:nvPr>
+        </p:nvSpPr>
+        <p:spPr>
+          <a:xfrm>
+            <a:off x="3884613" y="8685213"/>
+            <a:ext cx="2971800" cy="458787"/>
+          </a:xfrm>
+          <a:prstGeom prst="rect">
+            <a:avLst/>
+          </a:prstGeom>
+        </p:spPr>
+        <p:txBody>
+          <a:bodyPr vert="horz" lIns="91440" tIns="45720" rIns="91440" bIns="45720" rtlCol="0" anchor="b"/>
+          <a:lstStyle>
+            <a:lvl1pPr algn="r">
+              <a:defRPr sz="1200"/>
+            </a:lvl1pPr>
+          </a:lstStyle>
+          <a:p>
+            <a:fld id="{2EB591AC-068A-9642-9CCC-E5735FC3C70A}" type="slidenum">
+              <a:rPr lang="en-US" smtClean="0"/>
+              <a:t>‹#›</a:t>
+            </a:fld>
+            <a:endParaRPr lang="en-US"/>
+          </a:p>
+        </p:txBody>
+      </p:sp>
+    </p:spTree>
+    <p:extLst>
+      <p:ext uri="{BB962C8B-B14F-4D97-AF65-F5344CB8AC3E}">
+        <p14:creationId xmlns:p14="http://schemas.microsoft.com/office/powerpoint/2010/main" val="1317817022"/>
+      </p:ext>
+    </p:extLst>
+  </p:cSld>
+  <p:clrMap bg1="lt1" tx1="dk1" bg2="lt2" tx2="dk2" accent1="accent1" accent2="accent2" accent3="accent3" accent4="accent4" accent5="accent5" accent6="accent6" hlink="hlink" folHlink="folHlink"/>
+  <p:notesStyle>
+    <a:lvl1pPr marL="0" algn="l" defTabSz="914400" rtl="0" eaLnBrk="1" latinLnBrk="0" hangingPunct="1">
+      <a:defRPr sz="1200" kern="1200">
+        <a:solidFill>
+          <a:schemeClr val="tx1"/>
+        </a:solidFill>
+        <a:latin typeface="+mn-lt"/>
+        <a:ea typeface="+mn-ea"/>
+        <a:cs typeface="+mn-cs"/>
+      </a:defRPr>
+    </a:lvl1pPr>
+    <a:lvl2pPr marL="457200" algn="l" defTabSz="914400" rtl="0" eaLnBrk="1" latinLnBrk="0" hangingPunct="1">
+      <a:defRPr sz="1200" kern="1200">
+        <a:solidFill>
+          <a:schemeClr val="tx1"/>
+        </a:solidFill>
+        <a:latin typeface="+mn-lt"/>
+        <a:ea typeface="+mn-ea"/>
+        <a:cs typeface="+mn-cs"/>
+      </a:defRPr>
+    </a:lvl2pPr>
+    <a:lvl3pPr marL="914400" algn="l" defTabSz="914400" rtl="0" eaLnBrk="1" latinLnBrk="0" hangingPunct="1">
+      <a:defRPr sz="1200" kern="1200">
+        <a:solidFill>
+          <a:schemeClr val="tx1"/>
+        </a:solidFill>
+        <a:latin typeface="+mn-lt"/>
+        <a:ea typeface="+mn-ea"/>
+        <a:cs typeface="+mn-cs"/>
+      </a:defRPr>
+    </a:lvl3pPr>
+    <a:lvl4pPr marL="1371600" algn="l" defTabSz="914400" rtl="0" eaLnBrk="1" latinLnBrk="0" hangingPunct="1">
+      <a:defRPr sz="1200" kern="1200">
+        <a:solidFill>
+          <a:schemeClr val="tx1"/>
+        </a:solidFill>
+        <a:latin typeface="+mn-lt"/>
+        <a:ea typeface="+mn-ea"/>
+        <a:cs typeface="+mn-cs"/>
+      </a:defRPr>
+    </a:lvl4pPr>
+    <a:lvl5pPr marL="1828800" algn="l" defTabSz="914400" rtl="0" eaLnBrk="1" latinLnBrk="0" hangingPunct="1">
+      <a:defRPr sz="1200" kern="1200">
+        <a:solidFill>
+          <a:schemeClr val="tx1"/>
+        </a:solidFill>
+        <a:latin typeface="+mn-lt"/>
+        <a:ea typeface="+mn-ea"/>
+        <a:cs typeface="+mn-cs"/>
+      </a:defRPr>
+    </a:lvl5pPr>
+    <a:lvl6pPr marL="2286000" algn="l" defTabSz="914400" rtl="0" eaLnBrk="1" latinLnBrk="0" hangingPunct="1">
+      <a:defRPr sz="1200" kern="1200">
+        <a:solidFill>
+          <a:schemeClr val="tx1"/>
+        </a:solidFill>
+        <a:latin typeface="+mn-lt"/>
+        <a:ea typeface="+mn-ea"/>
+        <a:cs typeface="+mn-cs"/>
+      </a:defRPr>
+    </a:lvl6pPr>
+    <a:lvl7pPr marL="2743200" algn="l" defTabSz="914400" rtl="0" eaLnBrk="1" latinLnBrk="0" hangingPunct="1">
+      <a:defRPr sz="1200" kern="1200">
+        <a:solidFill>
+          <a:schemeClr val="tx1"/>
+        </a:solidFill>
+        <a:latin typeface="+mn-lt"/>
+        <a:ea typeface="+mn-ea"/>
+        <a:cs typeface="+mn-cs"/>
+      </a:defRPr>
+    </a:lvl7pPr>
+    <a:lvl8pPr marL="3200400" algn="l" defTabSz="914400" rtl="0" eaLnBrk="1" latinLnBrk="0" hangingPunct="1">
+      <a:defRPr sz="1200" kern="1200">
+        <a:solidFill>
+          <a:schemeClr val="tx1"/>
+        </a:solidFill>
+        <a:latin typeface="+mn-lt"/>
+        <a:ea typeface="+mn-ea"/>
+        <a:cs typeface="+mn-cs"/>
+      </a:defRPr>
+    </a:lvl8pPr>
+    <a:lvl9pPr marL="3657600" algn="l" defTabSz="914400" rtl="0" eaLnBrk="1" latinLnBrk="0" hangingPunct="1">
+      <a:defRPr sz="1200" kern="1200">
+        <a:solidFill>
+          <a:schemeClr val="tx1"/>
+        </a:solidFill>
+        <a:latin typeface="+mn-lt"/>
+        <a:ea typeface="+mn-ea"/>
+        <a:cs typeface="+mn-cs"/>
+      </a:defRPr>
+    </a:lvl9pPr>
+  </p:notesStyle>
+</p:notesMaster>
+</file>
+
+<file path=ppt/notesSlides/notesSlide1.xml><?xml version="1.0" encoding="utf-8"?>
+<p:notes xmlns:a="http://schemas.openxmlformats.org/drawingml/2006/main" xmlns:r="http://schemas.openxmlformats.org/officeDocument/2006/relationships" xmlns:p="http://schemas.openxmlformats.org/presentationml/2006/main">
+  <p:cSld>
+    <p:spTree>
+      <p:nvGrpSpPr>
+        <p:cNvPr id="1" name=""/>
+        <p:cNvGrpSpPr/>
+        <p:nvPr/>
+      </p:nvGrpSpPr>
+      <p:grpSpPr>
+        <a:xfrm>
+          <a:off x="0" y="0"/>
+          <a:ext cx="0" cy="0"/>
+          <a:chOff x="0" y="0"/>
+          <a:chExt cx="0" cy="0"/>
+        </a:xfrm>
+      </p:grpSpPr>
+      <p:sp>
+        <p:nvSpPr>
+          <p:cNvPr id="2" name="Slide Image Placeholder 1"/>
+          <p:cNvSpPr>
+            <a:spLocks noGrp="1" noRot="1" noChangeAspect="1"/>
+          </p:cNvSpPr>
+          <p:nvPr>
+            <p:ph type="sldImg"/>
+          </p:nvPr>
+        </p:nvSpPr>
+        <p:spPr/>
+      </p:sp>
+      <p:sp>
+        <p:nvSpPr>
+          <p:cNvPr id="3" name="Notes Placeholder 2"/>
+          <p:cNvSpPr>
+            <a:spLocks noGrp="1"/>
+          </p:cNvSpPr>
+          <p:nvPr>
+            <p:ph type="body" idx="1"/>
+          </p:nvPr>
+        </p:nvSpPr>
+        <p:spPr/>
+        <p:txBody>
+          <a:bodyPr/>
+          <a:lstStyle/>
+          <a:p>
+            <a:endParaRPr lang="en-US" dirty="0"/>
+          </a:p>
+        </p:txBody>
+      </p:sp>
+      <p:sp>
+        <p:nvSpPr>
+          <p:cNvPr id="4" name="Slide Number Placeholder 3"/>
+          <p:cNvSpPr>
+            <a:spLocks noGrp="1"/>
+          </p:cNvSpPr>
+          <p:nvPr>
+            <p:ph type="sldNum" sz="quarter" idx="5"/>
+          </p:nvPr>
+        </p:nvSpPr>
+        <p:spPr/>
+        <p:txBody>
+          <a:bodyPr/>
+          <a:lstStyle/>
+          <a:p>
+            <a:fld id="{2EB591AC-068A-9642-9CCC-E5735FC3C70A}" type="slidenum">
+              <a:rPr lang="en-US" smtClean="0"/>
+              <a:t>3</a:t>
+            </a:fld>
+            <a:endParaRPr lang="en-US"/>
+          </a:p>
+        </p:txBody>
+      </p:sp>
+    </p:spTree>
+    <p:extLst>
+      <p:ext uri="{BB962C8B-B14F-4D97-AF65-F5344CB8AC3E}">
+        <p14:creationId xmlns:p14="http://schemas.microsoft.com/office/powerpoint/2010/main" val="2953029674"/>
+      </p:ext>
+    </p:extLst>
+  </p:cSld>
+  <p:clrMapOvr>
+    <a:masterClrMapping/>
+  </p:clrMapOvr>
+</p:notes>
 </file>
 
 <file path=ppt/slideLayouts/slideLayout1.xml><?xml version="1.0" encoding="utf-8"?>
@@ -130,7 +589,7 @@
           <p:cNvPr id="2" name="Title 1">
             <a:extLst>
               <a:ext uri="{FF2B5EF4-FFF2-40B4-BE49-F238E27FC236}">
-                <a16:creationId xmlns:a16="http://schemas.microsoft.com/office/drawing/2014/main" id="{AFF2055B-CD33-9F41-8CD3-48FAFF9956BB}"/>
+                <a16:creationId xmlns:a16="http://schemas.microsoft.com/office/drawing/2014/main" id="{915FFA35-54D4-0149-88CC-C37E4F1C5686}"/>
               </a:ext>
             </a:extLst>
           </p:cNvPr>
@@ -167,7 +626,7 @@
           <p:cNvPr id="3" name="Subtitle 2">
             <a:extLst>
               <a:ext uri="{FF2B5EF4-FFF2-40B4-BE49-F238E27FC236}">
-                <a16:creationId xmlns:a16="http://schemas.microsoft.com/office/drawing/2014/main" id="{DE2DE035-A783-9842-AEEC-2D2718BFE2AD}"/>
+                <a16:creationId xmlns:a16="http://schemas.microsoft.com/office/drawing/2014/main" id="{27F01A61-24A0-BD46-97BC-3AC6586956AB}"/>
               </a:ext>
             </a:extLst>
           </p:cNvPr>
@@ -237,7 +696,7 @@
           <p:cNvPr id="4" name="Date Placeholder 3">
             <a:extLst>
               <a:ext uri="{FF2B5EF4-FFF2-40B4-BE49-F238E27FC236}">
-                <a16:creationId xmlns:a16="http://schemas.microsoft.com/office/drawing/2014/main" id="{E650B42D-B379-1445-ABE3-1FA30D2F4566}"/>
+                <a16:creationId xmlns:a16="http://schemas.microsoft.com/office/drawing/2014/main" id="{5D242257-7A0B-9B4E-8B6B-C84684BB5CAF}"/>
               </a:ext>
             </a:extLst>
           </p:cNvPr>
@@ -266,7 +725,7 @@
           <p:cNvPr id="5" name="Footer Placeholder 4">
             <a:extLst>
               <a:ext uri="{FF2B5EF4-FFF2-40B4-BE49-F238E27FC236}">
-                <a16:creationId xmlns:a16="http://schemas.microsoft.com/office/drawing/2014/main" id="{09611937-AB6C-C946-BDAA-B248E56E4DF2}"/>
+                <a16:creationId xmlns:a16="http://schemas.microsoft.com/office/drawing/2014/main" id="{84777461-04B6-9C48-9F97-4C5E159B486B}"/>
               </a:ext>
             </a:extLst>
           </p:cNvPr>
@@ -291,7 +750,7 @@
           <p:cNvPr id="6" name="Slide Number Placeholder 5">
             <a:extLst>
               <a:ext uri="{FF2B5EF4-FFF2-40B4-BE49-F238E27FC236}">
-                <a16:creationId xmlns:a16="http://schemas.microsoft.com/office/drawing/2014/main" id="{EA21C2D0-BF8D-4448-A1A0-2448577990F5}"/>
+                <a16:creationId xmlns:a16="http://schemas.microsoft.com/office/drawing/2014/main" id="{EAA13381-7870-A84E-90EB-E6ACD7CF64F5}"/>
               </a:ext>
             </a:extLst>
           </p:cNvPr>
@@ -318,7 +777,7 @@
     </p:spTree>
     <p:extLst>
       <p:ext uri="{BB962C8B-B14F-4D97-AF65-F5344CB8AC3E}">
-        <p14:creationId xmlns:p14="http://schemas.microsoft.com/office/powerpoint/2010/main" val="4277992880"/>
+        <p14:creationId xmlns:p14="http://schemas.microsoft.com/office/powerpoint/2010/main" val="2537392540"/>
       </p:ext>
     </p:extLst>
   </p:cSld>
@@ -350,7 +809,7 @@
           <p:cNvPr id="2" name="Title 1">
             <a:extLst>
               <a:ext uri="{FF2B5EF4-FFF2-40B4-BE49-F238E27FC236}">
-                <a16:creationId xmlns:a16="http://schemas.microsoft.com/office/drawing/2014/main" id="{2662394E-C2DA-D447-A1EC-46D61CC769CF}"/>
+                <a16:creationId xmlns:a16="http://schemas.microsoft.com/office/drawing/2014/main" id="{A255AAA4-317E-AC41-830F-5483E7D9616F}"/>
               </a:ext>
             </a:extLst>
           </p:cNvPr>
@@ -378,7 +837,7 @@
           <p:cNvPr id="3" name="Vertical Text Placeholder 2">
             <a:extLst>
               <a:ext uri="{FF2B5EF4-FFF2-40B4-BE49-F238E27FC236}">
-                <a16:creationId xmlns:a16="http://schemas.microsoft.com/office/drawing/2014/main" id="{7FE97C90-0EAB-734B-AA5D-D5025EE262C1}"/>
+                <a16:creationId xmlns:a16="http://schemas.microsoft.com/office/drawing/2014/main" id="{7D49B207-2990-5C43-8931-E915E23EEADD}"/>
               </a:ext>
             </a:extLst>
           </p:cNvPr>
@@ -435,7 +894,7 @@
           <p:cNvPr id="4" name="Date Placeholder 3">
             <a:extLst>
               <a:ext uri="{FF2B5EF4-FFF2-40B4-BE49-F238E27FC236}">
-                <a16:creationId xmlns:a16="http://schemas.microsoft.com/office/drawing/2014/main" id="{24DECDCA-6098-CB4E-95F6-C9BC94FA2A3E}"/>
+                <a16:creationId xmlns:a16="http://schemas.microsoft.com/office/drawing/2014/main" id="{307105AB-9569-9641-8F0A-AD3D5433FCDE}"/>
               </a:ext>
             </a:extLst>
           </p:cNvPr>
@@ -464,7 +923,7 @@
           <p:cNvPr id="5" name="Footer Placeholder 4">
             <a:extLst>
               <a:ext uri="{FF2B5EF4-FFF2-40B4-BE49-F238E27FC236}">
-                <a16:creationId xmlns:a16="http://schemas.microsoft.com/office/drawing/2014/main" id="{5CD06954-3D47-4149-B934-B1B23FB9E80C}"/>
+                <a16:creationId xmlns:a16="http://schemas.microsoft.com/office/drawing/2014/main" id="{5D504E60-FA50-A147-B7EA-1AF4AFC1F472}"/>
               </a:ext>
             </a:extLst>
           </p:cNvPr>
@@ -489,7 +948,7 @@
           <p:cNvPr id="6" name="Slide Number Placeholder 5">
             <a:extLst>
               <a:ext uri="{FF2B5EF4-FFF2-40B4-BE49-F238E27FC236}">
-                <a16:creationId xmlns:a16="http://schemas.microsoft.com/office/drawing/2014/main" id="{D11CA0E5-85C1-1E48-B546-14E9EA12B60C}"/>
+                <a16:creationId xmlns:a16="http://schemas.microsoft.com/office/drawing/2014/main" id="{8041CD3F-DC9D-6F4D-964E-F1DCC781962D}"/>
               </a:ext>
             </a:extLst>
           </p:cNvPr>
@@ -516,7 +975,7 @@
     </p:spTree>
     <p:extLst>
       <p:ext uri="{BB962C8B-B14F-4D97-AF65-F5344CB8AC3E}">
-        <p14:creationId xmlns:p14="http://schemas.microsoft.com/office/powerpoint/2010/main" val="3616224028"/>
+        <p14:creationId xmlns:p14="http://schemas.microsoft.com/office/powerpoint/2010/main" val="2975669515"/>
       </p:ext>
     </p:extLst>
   </p:cSld>
@@ -548,7 +1007,7 @@
           <p:cNvPr id="2" name="Vertical Title 1">
             <a:extLst>
               <a:ext uri="{FF2B5EF4-FFF2-40B4-BE49-F238E27FC236}">
-                <a16:creationId xmlns:a16="http://schemas.microsoft.com/office/drawing/2014/main" id="{204B8D7F-1B2F-BC45-9C77-96E1FEF1A349}"/>
+                <a16:creationId xmlns:a16="http://schemas.microsoft.com/office/drawing/2014/main" id="{0168C8F5-9A56-0148-A8ED-3CFF0F0B7B1F}"/>
               </a:ext>
             </a:extLst>
           </p:cNvPr>
@@ -581,7 +1040,7 @@
           <p:cNvPr id="3" name="Vertical Text Placeholder 2">
             <a:extLst>
               <a:ext uri="{FF2B5EF4-FFF2-40B4-BE49-F238E27FC236}">
-                <a16:creationId xmlns:a16="http://schemas.microsoft.com/office/drawing/2014/main" id="{1F167233-242A-4D46-A9C9-41ADD7357983}"/>
+                <a16:creationId xmlns:a16="http://schemas.microsoft.com/office/drawing/2014/main" id="{20939E6F-A19A-C34B-B37D-C7B3349BBDA7}"/>
               </a:ext>
             </a:extLst>
           </p:cNvPr>
@@ -643,7 +1102,7 @@
           <p:cNvPr id="4" name="Date Placeholder 3">
             <a:extLst>
               <a:ext uri="{FF2B5EF4-FFF2-40B4-BE49-F238E27FC236}">
-                <a16:creationId xmlns:a16="http://schemas.microsoft.com/office/drawing/2014/main" id="{5B9387A1-C5D4-E446-B123-80497D78F861}"/>
+                <a16:creationId xmlns:a16="http://schemas.microsoft.com/office/drawing/2014/main" id="{9086F8C6-2BEC-B543-BF3C-D60CF485983E}"/>
               </a:ext>
             </a:extLst>
           </p:cNvPr>
@@ -672,7 +1131,7 @@
           <p:cNvPr id="5" name="Footer Placeholder 4">
             <a:extLst>
               <a:ext uri="{FF2B5EF4-FFF2-40B4-BE49-F238E27FC236}">
-                <a16:creationId xmlns:a16="http://schemas.microsoft.com/office/drawing/2014/main" id="{0F0CAC5A-1E6D-D84E-BD2C-9C917DB2CBB7}"/>
+                <a16:creationId xmlns:a16="http://schemas.microsoft.com/office/drawing/2014/main" id="{DDCCCDDC-E77C-7342-B664-97F81B39D75F}"/>
               </a:ext>
             </a:extLst>
           </p:cNvPr>
@@ -697,7 +1156,7 @@
           <p:cNvPr id="6" name="Slide Number Placeholder 5">
             <a:extLst>
               <a:ext uri="{FF2B5EF4-FFF2-40B4-BE49-F238E27FC236}">
-                <a16:creationId xmlns:a16="http://schemas.microsoft.com/office/drawing/2014/main" id="{44E438F0-AA43-E147-98BD-0384B8809467}"/>
+                <a16:creationId xmlns:a16="http://schemas.microsoft.com/office/drawing/2014/main" id="{FCB3B539-1740-6E40-930B-A91AEFB0649E}"/>
               </a:ext>
             </a:extLst>
           </p:cNvPr>
@@ -724,7 +1183,7 @@
     </p:spTree>
     <p:extLst>
       <p:ext uri="{BB962C8B-B14F-4D97-AF65-F5344CB8AC3E}">
-        <p14:creationId xmlns:p14="http://schemas.microsoft.com/office/powerpoint/2010/main" val="2188520038"/>
+        <p14:creationId xmlns:p14="http://schemas.microsoft.com/office/powerpoint/2010/main" val="1622855035"/>
       </p:ext>
     </p:extLst>
   </p:cSld>
@@ -756,7 +1215,7 @@
           <p:cNvPr id="2" name="Title 1">
             <a:extLst>
               <a:ext uri="{FF2B5EF4-FFF2-40B4-BE49-F238E27FC236}">
-                <a16:creationId xmlns:a16="http://schemas.microsoft.com/office/drawing/2014/main" id="{D687C925-05D9-8E48-B99C-4506BDE23138}"/>
+                <a16:creationId xmlns:a16="http://schemas.microsoft.com/office/drawing/2014/main" id="{E305A0CE-644A-6249-BB92-CEE62748B494}"/>
               </a:ext>
             </a:extLst>
           </p:cNvPr>
@@ -784,7 +1243,7 @@
           <p:cNvPr id="3" name="Content Placeholder 2">
             <a:extLst>
               <a:ext uri="{FF2B5EF4-FFF2-40B4-BE49-F238E27FC236}">
-                <a16:creationId xmlns:a16="http://schemas.microsoft.com/office/drawing/2014/main" id="{51295B6A-CACB-C347-A8C8-FFD62F72E285}"/>
+                <a16:creationId xmlns:a16="http://schemas.microsoft.com/office/drawing/2014/main" id="{19412930-BC64-464C-ADD5-68B4CE8B1967}"/>
               </a:ext>
             </a:extLst>
           </p:cNvPr>
@@ -841,7 +1300,7 @@
           <p:cNvPr id="4" name="Date Placeholder 3">
             <a:extLst>
               <a:ext uri="{FF2B5EF4-FFF2-40B4-BE49-F238E27FC236}">
-                <a16:creationId xmlns:a16="http://schemas.microsoft.com/office/drawing/2014/main" id="{4EBE34F1-B933-3F4B-BB65-F43B04E9A034}"/>
+                <a16:creationId xmlns:a16="http://schemas.microsoft.com/office/drawing/2014/main" id="{108CA46A-2DBD-A144-96F8-790DD89928D7}"/>
               </a:ext>
             </a:extLst>
           </p:cNvPr>
@@ -870,7 +1329,7 @@
           <p:cNvPr id="5" name="Footer Placeholder 4">
             <a:extLst>
               <a:ext uri="{FF2B5EF4-FFF2-40B4-BE49-F238E27FC236}">
-                <a16:creationId xmlns:a16="http://schemas.microsoft.com/office/drawing/2014/main" id="{F434448D-43E2-2147-9162-8D4333D0C8DE}"/>
+                <a16:creationId xmlns:a16="http://schemas.microsoft.com/office/drawing/2014/main" id="{FDFFB577-F569-1042-B09F-46B9824D5315}"/>
               </a:ext>
             </a:extLst>
           </p:cNvPr>
@@ -895,7 +1354,7 @@
           <p:cNvPr id="6" name="Slide Number Placeholder 5">
             <a:extLst>
               <a:ext uri="{FF2B5EF4-FFF2-40B4-BE49-F238E27FC236}">
-                <a16:creationId xmlns:a16="http://schemas.microsoft.com/office/drawing/2014/main" id="{18FBBE01-1D48-034A-84EE-D7BAC8F9DB14}"/>
+                <a16:creationId xmlns:a16="http://schemas.microsoft.com/office/drawing/2014/main" id="{DAB76260-F52F-DA4B-8C5D-80F709048F5C}"/>
               </a:ext>
             </a:extLst>
           </p:cNvPr>
@@ -922,7 +1381,7 @@
     </p:spTree>
     <p:extLst>
       <p:ext uri="{BB962C8B-B14F-4D97-AF65-F5344CB8AC3E}">
-        <p14:creationId xmlns:p14="http://schemas.microsoft.com/office/powerpoint/2010/main" val="2551885880"/>
+        <p14:creationId xmlns:p14="http://schemas.microsoft.com/office/powerpoint/2010/main" val="360532466"/>
       </p:ext>
     </p:extLst>
   </p:cSld>
@@ -954,7 +1413,7 @@
           <p:cNvPr id="2" name="Title 1">
             <a:extLst>
               <a:ext uri="{FF2B5EF4-FFF2-40B4-BE49-F238E27FC236}">
-                <a16:creationId xmlns:a16="http://schemas.microsoft.com/office/drawing/2014/main" id="{CD7A76BE-8B02-7D44-8CF9-74839CF757DF}"/>
+                <a16:creationId xmlns:a16="http://schemas.microsoft.com/office/drawing/2014/main" id="{BBD729D8-01C8-264A-BE00-B413E1FE6D6C}"/>
               </a:ext>
             </a:extLst>
           </p:cNvPr>
@@ -991,7 +1450,7 @@
           <p:cNvPr id="3" name="Text Placeholder 2">
             <a:extLst>
               <a:ext uri="{FF2B5EF4-FFF2-40B4-BE49-F238E27FC236}">
-                <a16:creationId xmlns:a16="http://schemas.microsoft.com/office/drawing/2014/main" id="{D895274C-80F6-D544-A39D-473E189B9D93}"/>
+                <a16:creationId xmlns:a16="http://schemas.microsoft.com/office/drawing/2014/main" id="{00249FA0-8165-5B43-8F05-7E33A670C97D}"/>
               </a:ext>
             </a:extLst>
           </p:cNvPr>
@@ -1116,7 +1575,7 @@
           <p:cNvPr id="4" name="Date Placeholder 3">
             <a:extLst>
               <a:ext uri="{FF2B5EF4-FFF2-40B4-BE49-F238E27FC236}">
-                <a16:creationId xmlns:a16="http://schemas.microsoft.com/office/drawing/2014/main" id="{7DA50739-3744-6041-B48A-0E5B52DA1D9B}"/>
+                <a16:creationId xmlns:a16="http://schemas.microsoft.com/office/drawing/2014/main" id="{AB3C3834-F258-F64D-8FCC-C9CF0C260107}"/>
               </a:ext>
             </a:extLst>
           </p:cNvPr>
@@ -1145,7 +1604,7 @@
           <p:cNvPr id="5" name="Footer Placeholder 4">
             <a:extLst>
               <a:ext uri="{FF2B5EF4-FFF2-40B4-BE49-F238E27FC236}">
-                <a16:creationId xmlns:a16="http://schemas.microsoft.com/office/drawing/2014/main" id="{42F72608-5986-144F-94A6-A01BBFB4F05D}"/>
+                <a16:creationId xmlns:a16="http://schemas.microsoft.com/office/drawing/2014/main" id="{D6378FF9-0B83-DF47-863D-C9799CF7E1D6}"/>
               </a:ext>
             </a:extLst>
           </p:cNvPr>
@@ -1170,7 +1629,7 @@
           <p:cNvPr id="6" name="Slide Number Placeholder 5">
             <a:extLst>
               <a:ext uri="{FF2B5EF4-FFF2-40B4-BE49-F238E27FC236}">
-                <a16:creationId xmlns:a16="http://schemas.microsoft.com/office/drawing/2014/main" id="{B67ECC01-1684-C241-806D-3F538781CCAA}"/>
+                <a16:creationId xmlns:a16="http://schemas.microsoft.com/office/drawing/2014/main" id="{CC41D915-19C3-DC45-9077-38C0D529F415}"/>
               </a:ext>
             </a:extLst>
           </p:cNvPr>
@@ -1197,7 +1656,7 @@
     </p:spTree>
     <p:extLst>
       <p:ext uri="{BB962C8B-B14F-4D97-AF65-F5344CB8AC3E}">
-        <p14:creationId xmlns:p14="http://schemas.microsoft.com/office/powerpoint/2010/main" val="3026143730"/>
+        <p14:creationId xmlns:p14="http://schemas.microsoft.com/office/powerpoint/2010/main" val="325131360"/>
       </p:ext>
     </p:extLst>
   </p:cSld>
@@ -1229,7 +1688,7 @@
           <p:cNvPr id="2" name="Title 1">
             <a:extLst>
               <a:ext uri="{FF2B5EF4-FFF2-40B4-BE49-F238E27FC236}">
-                <a16:creationId xmlns:a16="http://schemas.microsoft.com/office/drawing/2014/main" id="{F63672A5-B699-6D44-9E89-2B908E32CA0F}"/>
+                <a16:creationId xmlns:a16="http://schemas.microsoft.com/office/drawing/2014/main" id="{ABAE0728-569D-6342-B351-5A5CB2D4FBE0}"/>
               </a:ext>
             </a:extLst>
           </p:cNvPr>
@@ -1257,7 +1716,7 @@
           <p:cNvPr id="3" name="Content Placeholder 2">
             <a:extLst>
               <a:ext uri="{FF2B5EF4-FFF2-40B4-BE49-F238E27FC236}">
-                <a16:creationId xmlns:a16="http://schemas.microsoft.com/office/drawing/2014/main" id="{BAD40328-E611-8A49-9ADE-788E05988103}"/>
+                <a16:creationId xmlns:a16="http://schemas.microsoft.com/office/drawing/2014/main" id="{27B29EEA-0EEC-3E4D-8245-CCE7F34E848A}"/>
               </a:ext>
             </a:extLst>
           </p:cNvPr>
@@ -1319,7 +1778,7 @@
           <p:cNvPr id="4" name="Content Placeholder 3">
             <a:extLst>
               <a:ext uri="{FF2B5EF4-FFF2-40B4-BE49-F238E27FC236}">
-                <a16:creationId xmlns:a16="http://schemas.microsoft.com/office/drawing/2014/main" id="{6EDC08FE-49E5-714D-8001-440320C46D09}"/>
+                <a16:creationId xmlns:a16="http://schemas.microsoft.com/office/drawing/2014/main" id="{070A3147-3B60-0944-B064-4084689B379C}"/>
               </a:ext>
             </a:extLst>
           </p:cNvPr>
@@ -1381,7 +1840,7 @@
           <p:cNvPr id="5" name="Date Placeholder 4">
             <a:extLst>
               <a:ext uri="{FF2B5EF4-FFF2-40B4-BE49-F238E27FC236}">
-                <a16:creationId xmlns:a16="http://schemas.microsoft.com/office/drawing/2014/main" id="{379C5679-CD28-7E43-8798-6A20B332F5A8}"/>
+                <a16:creationId xmlns:a16="http://schemas.microsoft.com/office/drawing/2014/main" id="{2D966C06-5593-6B45-A409-DAAB678BB92B}"/>
               </a:ext>
             </a:extLst>
           </p:cNvPr>
@@ -1410,7 +1869,7 @@
           <p:cNvPr id="6" name="Footer Placeholder 5">
             <a:extLst>
               <a:ext uri="{FF2B5EF4-FFF2-40B4-BE49-F238E27FC236}">
-                <a16:creationId xmlns:a16="http://schemas.microsoft.com/office/drawing/2014/main" id="{2F9713B8-A9E9-9740-9293-E98CB8D0B967}"/>
+                <a16:creationId xmlns:a16="http://schemas.microsoft.com/office/drawing/2014/main" id="{8897177C-F6AE-2349-AF8B-056A44B1C0B2}"/>
               </a:ext>
             </a:extLst>
           </p:cNvPr>
@@ -1435,7 +1894,7 @@
           <p:cNvPr id="7" name="Slide Number Placeholder 6">
             <a:extLst>
               <a:ext uri="{FF2B5EF4-FFF2-40B4-BE49-F238E27FC236}">
-                <a16:creationId xmlns:a16="http://schemas.microsoft.com/office/drawing/2014/main" id="{931B48C5-0B7F-9549-BD76-9F4F369B0C8F}"/>
+                <a16:creationId xmlns:a16="http://schemas.microsoft.com/office/drawing/2014/main" id="{31C96C6B-4309-6842-9919-297F5679045E}"/>
               </a:ext>
             </a:extLst>
           </p:cNvPr>
@@ -1462,7 +1921,7 @@
     </p:spTree>
     <p:extLst>
       <p:ext uri="{BB962C8B-B14F-4D97-AF65-F5344CB8AC3E}">
-        <p14:creationId xmlns:p14="http://schemas.microsoft.com/office/powerpoint/2010/main" val="2822692139"/>
+        <p14:creationId xmlns:p14="http://schemas.microsoft.com/office/powerpoint/2010/main" val="2910725176"/>
       </p:ext>
     </p:extLst>
   </p:cSld>
@@ -1494,7 +1953,7 @@
           <p:cNvPr id="2" name="Title 1">
             <a:extLst>
               <a:ext uri="{FF2B5EF4-FFF2-40B4-BE49-F238E27FC236}">
-                <a16:creationId xmlns:a16="http://schemas.microsoft.com/office/drawing/2014/main" id="{14DB1CEC-80CC-DE49-9248-7EC7B559069E}"/>
+                <a16:creationId xmlns:a16="http://schemas.microsoft.com/office/drawing/2014/main" id="{0DFA0863-819B-E242-B917-7CDE26267CA1}"/>
               </a:ext>
             </a:extLst>
           </p:cNvPr>
@@ -1527,7 +1986,7 @@
           <p:cNvPr id="3" name="Text Placeholder 2">
             <a:extLst>
               <a:ext uri="{FF2B5EF4-FFF2-40B4-BE49-F238E27FC236}">
-                <a16:creationId xmlns:a16="http://schemas.microsoft.com/office/drawing/2014/main" id="{CBA3B641-3454-F84C-8D08-33493F107894}"/>
+                <a16:creationId xmlns:a16="http://schemas.microsoft.com/office/drawing/2014/main" id="{2903DF50-1BAA-FA4A-A1E2-A5F7C3DB30ED}"/>
               </a:ext>
             </a:extLst>
           </p:cNvPr>
@@ -1598,7 +2057,7 @@
           <p:cNvPr id="4" name="Content Placeholder 3">
             <a:extLst>
               <a:ext uri="{FF2B5EF4-FFF2-40B4-BE49-F238E27FC236}">
-                <a16:creationId xmlns:a16="http://schemas.microsoft.com/office/drawing/2014/main" id="{0BF6FBE3-6C2E-7F4D-AE44-D3E18AF14829}"/>
+                <a16:creationId xmlns:a16="http://schemas.microsoft.com/office/drawing/2014/main" id="{FA35B3F0-E140-074F-9A95-52D3E7ED1985}"/>
               </a:ext>
             </a:extLst>
           </p:cNvPr>
@@ -1660,7 +2119,7 @@
           <p:cNvPr id="5" name="Text Placeholder 4">
             <a:extLst>
               <a:ext uri="{FF2B5EF4-FFF2-40B4-BE49-F238E27FC236}">
-                <a16:creationId xmlns:a16="http://schemas.microsoft.com/office/drawing/2014/main" id="{31C60C57-AEFD-EA44-9142-A8FE4753EF3F}"/>
+                <a16:creationId xmlns:a16="http://schemas.microsoft.com/office/drawing/2014/main" id="{33A60D33-BEEE-854A-ABE1-ED11196C4B20}"/>
               </a:ext>
             </a:extLst>
           </p:cNvPr>
@@ -1731,7 +2190,7 @@
           <p:cNvPr id="6" name="Content Placeholder 5">
             <a:extLst>
               <a:ext uri="{FF2B5EF4-FFF2-40B4-BE49-F238E27FC236}">
-                <a16:creationId xmlns:a16="http://schemas.microsoft.com/office/drawing/2014/main" id="{D0CEA5F4-6D51-CF44-9A95-C2D9EB2791E5}"/>
+                <a16:creationId xmlns:a16="http://schemas.microsoft.com/office/drawing/2014/main" id="{7C3A2E30-87D6-FF48-98FD-63CD8BBC88FC}"/>
               </a:ext>
             </a:extLst>
           </p:cNvPr>
@@ -1793,7 +2252,7 @@
           <p:cNvPr id="7" name="Date Placeholder 6">
             <a:extLst>
               <a:ext uri="{FF2B5EF4-FFF2-40B4-BE49-F238E27FC236}">
-                <a16:creationId xmlns:a16="http://schemas.microsoft.com/office/drawing/2014/main" id="{F35E7677-8DC1-F14E-85DD-EC482071CE1A}"/>
+                <a16:creationId xmlns:a16="http://schemas.microsoft.com/office/drawing/2014/main" id="{014C9FCE-070C-224B-96BF-7B36998C02CB}"/>
               </a:ext>
             </a:extLst>
           </p:cNvPr>
@@ -1822,7 +2281,7 @@
           <p:cNvPr id="8" name="Footer Placeholder 7">
             <a:extLst>
               <a:ext uri="{FF2B5EF4-FFF2-40B4-BE49-F238E27FC236}">
-                <a16:creationId xmlns:a16="http://schemas.microsoft.com/office/drawing/2014/main" id="{10D5B57E-6146-2847-9354-5BC278E70F83}"/>
+                <a16:creationId xmlns:a16="http://schemas.microsoft.com/office/drawing/2014/main" id="{611FFC42-A1AA-3A4E-9E3F-3B8D0F8DA5CE}"/>
               </a:ext>
             </a:extLst>
           </p:cNvPr>
@@ -1847,7 +2306,7 @@
           <p:cNvPr id="9" name="Slide Number Placeholder 8">
             <a:extLst>
               <a:ext uri="{FF2B5EF4-FFF2-40B4-BE49-F238E27FC236}">
-                <a16:creationId xmlns:a16="http://schemas.microsoft.com/office/drawing/2014/main" id="{BA60564D-61D5-8B4B-9E13-2C97E26C7F24}"/>
+                <a16:creationId xmlns:a16="http://schemas.microsoft.com/office/drawing/2014/main" id="{CB5FAF98-A899-ED4D-9A29-3FD7884E1D0F}"/>
               </a:ext>
             </a:extLst>
           </p:cNvPr>
@@ -1874,7 +2333,7 @@
     </p:spTree>
     <p:extLst>
       <p:ext uri="{BB962C8B-B14F-4D97-AF65-F5344CB8AC3E}">
-        <p14:creationId xmlns:p14="http://schemas.microsoft.com/office/powerpoint/2010/main" val="627602880"/>
+        <p14:creationId xmlns:p14="http://schemas.microsoft.com/office/powerpoint/2010/main" val="2919216777"/>
       </p:ext>
     </p:extLst>
   </p:cSld>
@@ -1906,7 +2365,7 @@
           <p:cNvPr id="2" name="Title 1">
             <a:extLst>
               <a:ext uri="{FF2B5EF4-FFF2-40B4-BE49-F238E27FC236}">
-                <a16:creationId xmlns:a16="http://schemas.microsoft.com/office/drawing/2014/main" id="{FA351304-342E-DC44-9095-BD70536765B2}"/>
+                <a16:creationId xmlns:a16="http://schemas.microsoft.com/office/drawing/2014/main" id="{6F402F4B-4F5A-A24C-8862-92A4D323BB62}"/>
               </a:ext>
             </a:extLst>
           </p:cNvPr>
@@ -1934,7 +2393,7 @@
           <p:cNvPr id="3" name="Date Placeholder 2">
             <a:extLst>
               <a:ext uri="{FF2B5EF4-FFF2-40B4-BE49-F238E27FC236}">
-                <a16:creationId xmlns:a16="http://schemas.microsoft.com/office/drawing/2014/main" id="{15AE0428-4664-0748-8ED3-588881518425}"/>
+                <a16:creationId xmlns:a16="http://schemas.microsoft.com/office/drawing/2014/main" id="{304F36BB-1184-8440-8CEE-07303BEEAD5F}"/>
               </a:ext>
             </a:extLst>
           </p:cNvPr>
@@ -1963,7 +2422,7 @@
           <p:cNvPr id="4" name="Footer Placeholder 3">
             <a:extLst>
               <a:ext uri="{FF2B5EF4-FFF2-40B4-BE49-F238E27FC236}">
-                <a16:creationId xmlns:a16="http://schemas.microsoft.com/office/drawing/2014/main" id="{7FB9EE64-03F6-9D4C-93EC-AF9432E2C089}"/>
+                <a16:creationId xmlns:a16="http://schemas.microsoft.com/office/drawing/2014/main" id="{0F04EA1B-8D7D-C04B-9CB4-5C48510A28F3}"/>
               </a:ext>
             </a:extLst>
           </p:cNvPr>
@@ -1988,7 +2447,7 @@
           <p:cNvPr id="5" name="Slide Number Placeholder 4">
             <a:extLst>
               <a:ext uri="{FF2B5EF4-FFF2-40B4-BE49-F238E27FC236}">
-                <a16:creationId xmlns:a16="http://schemas.microsoft.com/office/drawing/2014/main" id="{DFDA2DF9-F209-9341-A532-15B7AB26A0D7}"/>
+                <a16:creationId xmlns:a16="http://schemas.microsoft.com/office/drawing/2014/main" id="{C9475027-DE38-284E-910E-A0C20D6D8F6D}"/>
               </a:ext>
             </a:extLst>
           </p:cNvPr>
@@ -2015,7 +2474,7 @@
     </p:spTree>
     <p:extLst>
       <p:ext uri="{BB962C8B-B14F-4D97-AF65-F5344CB8AC3E}">
-        <p14:creationId xmlns:p14="http://schemas.microsoft.com/office/powerpoint/2010/main" val="3090830610"/>
+        <p14:creationId xmlns:p14="http://schemas.microsoft.com/office/powerpoint/2010/main" val="3611466372"/>
       </p:ext>
     </p:extLst>
   </p:cSld>
@@ -2047,7 +2506,7 @@
           <p:cNvPr id="2" name="Date Placeholder 1">
             <a:extLst>
               <a:ext uri="{FF2B5EF4-FFF2-40B4-BE49-F238E27FC236}">
-                <a16:creationId xmlns:a16="http://schemas.microsoft.com/office/drawing/2014/main" id="{0EA0622B-3500-424C-AC09-B3AF24C9B9D5}"/>
+                <a16:creationId xmlns:a16="http://schemas.microsoft.com/office/drawing/2014/main" id="{85266558-C279-BA4D-A789-E2DE50F18B3B}"/>
               </a:ext>
             </a:extLst>
           </p:cNvPr>
@@ -2076,7 +2535,7 @@
           <p:cNvPr id="3" name="Footer Placeholder 2">
             <a:extLst>
               <a:ext uri="{FF2B5EF4-FFF2-40B4-BE49-F238E27FC236}">
-                <a16:creationId xmlns:a16="http://schemas.microsoft.com/office/drawing/2014/main" id="{172E8518-7B62-1F4E-B29B-96C46A7F122E}"/>
+                <a16:creationId xmlns:a16="http://schemas.microsoft.com/office/drawing/2014/main" id="{4E293E52-3AD2-B343-9589-065C1518E055}"/>
               </a:ext>
             </a:extLst>
           </p:cNvPr>
@@ -2101,7 +2560,7 @@
           <p:cNvPr id="4" name="Slide Number Placeholder 3">
             <a:extLst>
               <a:ext uri="{FF2B5EF4-FFF2-40B4-BE49-F238E27FC236}">
-                <a16:creationId xmlns:a16="http://schemas.microsoft.com/office/drawing/2014/main" id="{9DFB4A24-34E3-4D45-9089-3D80F3E66BAD}"/>
+                <a16:creationId xmlns:a16="http://schemas.microsoft.com/office/drawing/2014/main" id="{1CEB80CA-579D-B442-A3E3-351853089903}"/>
               </a:ext>
             </a:extLst>
           </p:cNvPr>
@@ -2128,7 +2587,7 @@
     </p:spTree>
     <p:extLst>
       <p:ext uri="{BB962C8B-B14F-4D97-AF65-F5344CB8AC3E}">
-        <p14:creationId xmlns:p14="http://schemas.microsoft.com/office/powerpoint/2010/main" val="3965160852"/>
+        <p14:creationId xmlns:p14="http://schemas.microsoft.com/office/powerpoint/2010/main" val="349988197"/>
       </p:ext>
     </p:extLst>
   </p:cSld>
@@ -2160,7 +2619,7 @@
           <p:cNvPr id="2" name="Title 1">
             <a:extLst>
               <a:ext uri="{FF2B5EF4-FFF2-40B4-BE49-F238E27FC236}">
-                <a16:creationId xmlns:a16="http://schemas.microsoft.com/office/drawing/2014/main" id="{D1517B54-C2DA-9840-98E7-DC90450C7B22}"/>
+                <a16:creationId xmlns:a16="http://schemas.microsoft.com/office/drawing/2014/main" id="{024AD7E4-14B2-DC43-90B6-8B7AC294DC36}"/>
               </a:ext>
             </a:extLst>
           </p:cNvPr>
@@ -2197,7 +2656,7 @@
           <p:cNvPr id="3" name="Content Placeholder 2">
             <a:extLst>
               <a:ext uri="{FF2B5EF4-FFF2-40B4-BE49-F238E27FC236}">
-                <a16:creationId xmlns:a16="http://schemas.microsoft.com/office/drawing/2014/main" id="{00CB8244-A1CC-CA4F-850D-1CC011CEA72E}"/>
+                <a16:creationId xmlns:a16="http://schemas.microsoft.com/office/drawing/2014/main" id="{292D08F9-3744-7540-A5A9-9C42C423B18E}"/>
               </a:ext>
             </a:extLst>
           </p:cNvPr>
@@ -2287,7 +2746,7 @@
           <p:cNvPr id="4" name="Text Placeholder 3">
             <a:extLst>
               <a:ext uri="{FF2B5EF4-FFF2-40B4-BE49-F238E27FC236}">
-                <a16:creationId xmlns:a16="http://schemas.microsoft.com/office/drawing/2014/main" id="{ABBC4512-47C0-4143-ADCC-1E41A93C857C}"/>
+                <a16:creationId xmlns:a16="http://schemas.microsoft.com/office/drawing/2014/main" id="{355C5C6C-C818-A24B-9BA2-90E16228F961}"/>
               </a:ext>
             </a:extLst>
           </p:cNvPr>
@@ -2358,7 +2817,7 @@
           <p:cNvPr id="5" name="Date Placeholder 4">
             <a:extLst>
               <a:ext uri="{FF2B5EF4-FFF2-40B4-BE49-F238E27FC236}">
-                <a16:creationId xmlns:a16="http://schemas.microsoft.com/office/drawing/2014/main" id="{C788E1D3-60ED-C64E-97BF-2B8C3EFA5082}"/>
+                <a16:creationId xmlns:a16="http://schemas.microsoft.com/office/drawing/2014/main" id="{C5068926-6500-0240-BD79-9D548562BD8B}"/>
               </a:ext>
             </a:extLst>
           </p:cNvPr>
@@ -2387,7 +2846,7 @@
           <p:cNvPr id="6" name="Footer Placeholder 5">
             <a:extLst>
               <a:ext uri="{FF2B5EF4-FFF2-40B4-BE49-F238E27FC236}">
-                <a16:creationId xmlns:a16="http://schemas.microsoft.com/office/drawing/2014/main" id="{E48F0A80-63DE-784F-90A5-E409F3F90A6F}"/>
+                <a16:creationId xmlns:a16="http://schemas.microsoft.com/office/drawing/2014/main" id="{87394546-D011-1744-B7D0-9C9D6B075BC1}"/>
               </a:ext>
             </a:extLst>
           </p:cNvPr>
@@ -2412,7 +2871,7 @@
           <p:cNvPr id="7" name="Slide Number Placeholder 6">
             <a:extLst>
               <a:ext uri="{FF2B5EF4-FFF2-40B4-BE49-F238E27FC236}">
-                <a16:creationId xmlns:a16="http://schemas.microsoft.com/office/drawing/2014/main" id="{14A90B9E-5BAB-AB4B-847F-BD0493B7E6B5}"/>
+                <a16:creationId xmlns:a16="http://schemas.microsoft.com/office/drawing/2014/main" id="{23DC71BB-3402-C344-8D31-E36157F1A343}"/>
               </a:ext>
             </a:extLst>
           </p:cNvPr>
@@ -2439,7 +2898,7 @@
     </p:spTree>
     <p:extLst>
       <p:ext uri="{BB962C8B-B14F-4D97-AF65-F5344CB8AC3E}">
-        <p14:creationId xmlns:p14="http://schemas.microsoft.com/office/powerpoint/2010/main" val="1654063331"/>
+        <p14:creationId xmlns:p14="http://schemas.microsoft.com/office/powerpoint/2010/main" val="33836745"/>
       </p:ext>
     </p:extLst>
   </p:cSld>
@@ -2471,7 +2930,7 @@
           <p:cNvPr id="2" name="Title 1">
             <a:extLst>
               <a:ext uri="{FF2B5EF4-FFF2-40B4-BE49-F238E27FC236}">
-                <a16:creationId xmlns:a16="http://schemas.microsoft.com/office/drawing/2014/main" id="{87EC9DF1-4FA5-0E47-94F1-C025B7627E8A}"/>
+                <a16:creationId xmlns:a16="http://schemas.microsoft.com/office/drawing/2014/main" id="{2D98715F-292A-9C47-8538-59631150BB5F}"/>
               </a:ext>
             </a:extLst>
           </p:cNvPr>
@@ -2508,7 +2967,7 @@
           <p:cNvPr id="3" name="Picture Placeholder 2">
             <a:extLst>
               <a:ext uri="{FF2B5EF4-FFF2-40B4-BE49-F238E27FC236}">
-                <a16:creationId xmlns:a16="http://schemas.microsoft.com/office/drawing/2014/main" id="{C0E4D109-DF51-1241-96AB-5145B7E7B507}"/>
+                <a16:creationId xmlns:a16="http://schemas.microsoft.com/office/drawing/2014/main" id="{63CB6F97-F631-6D43-9312-1ECEF691F7B8}"/>
               </a:ext>
             </a:extLst>
           </p:cNvPr>
@@ -2575,7 +3034,7 @@
           <p:cNvPr id="4" name="Text Placeholder 3">
             <a:extLst>
               <a:ext uri="{FF2B5EF4-FFF2-40B4-BE49-F238E27FC236}">
-                <a16:creationId xmlns:a16="http://schemas.microsoft.com/office/drawing/2014/main" id="{8E88ECCD-0280-7646-B496-A65FBA344778}"/>
+                <a16:creationId xmlns:a16="http://schemas.microsoft.com/office/drawing/2014/main" id="{3B24B160-62B8-4243-868F-52F45BAEF37A}"/>
               </a:ext>
             </a:extLst>
           </p:cNvPr>
@@ -2646,7 +3105,7 @@
           <p:cNvPr id="5" name="Date Placeholder 4">
             <a:extLst>
               <a:ext uri="{FF2B5EF4-FFF2-40B4-BE49-F238E27FC236}">
-                <a16:creationId xmlns:a16="http://schemas.microsoft.com/office/drawing/2014/main" id="{3C1909DB-73F8-C247-B9A0-4DB1F75A64BF}"/>
+                <a16:creationId xmlns:a16="http://schemas.microsoft.com/office/drawing/2014/main" id="{F96F56D5-3CEA-0B4A-A5F4-592D0F5C024F}"/>
               </a:ext>
             </a:extLst>
           </p:cNvPr>
@@ -2675,7 +3134,7 @@
           <p:cNvPr id="6" name="Footer Placeholder 5">
             <a:extLst>
               <a:ext uri="{FF2B5EF4-FFF2-40B4-BE49-F238E27FC236}">
-                <a16:creationId xmlns:a16="http://schemas.microsoft.com/office/drawing/2014/main" id="{615C740F-871F-8E43-8BAF-6F433A4D2A96}"/>
+                <a16:creationId xmlns:a16="http://schemas.microsoft.com/office/drawing/2014/main" id="{14A86B55-44D1-8A44-81BF-7389873DB368}"/>
               </a:ext>
             </a:extLst>
           </p:cNvPr>
@@ -2700,7 +3159,7 @@
           <p:cNvPr id="7" name="Slide Number Placeholder 6">
             <a:extLst>
               <a:ext uri="{FF2B5EF4-FFF2-40B4-BE49-F238E27FC236}">
-                <a16:creationId xmlns:a16="http://schemas.microsoft.com/office/drawing/2014/main" id="{00FA4963-FE98-7047-A4F2-7A5862145C5B}"/>
+                <a16:creationId xmlns:a16="http://schemas.microsoft.com/office/drawing/2014/main" id="{E4DBE17F-8F90-AC4F-A85D-677D53EF794A}"/>
               </a:ext>
             </a:extLst>
           </p:cNvPr>
@@ -2727,7 +3186,7 @@
     </p:spTree>
     <p:extLst>
       <p:ext uri="{BB962C8B-B14F-4D97-AF65-F5344CB8AC3E}">
-        <p14:creationId xmlns:p14="http://schemas.microsoft.com/office/powerpoint/2010/main" val="2960850247"/>
+        <p14:creationId xmlns:p14="http://schemas.microsoft.com/office/powerpoint/2010/main" val="811158499"/>
       </p:ext>
     </p:extLst>
   </p:cSld>
@@ -2764,7 +3223,7 @@
           <p:cNvPr id="2" name="Title Placeholder 1">
             <a:extLst>
               <a:ext uri="{FF2B5EF4-FFF2-40B4-BE49-F238E27FC236}">
-                <a16:creationId xmlns:a16="http://schemas.microsoft.com/office/drawing/2014/main" id="{8F0B571D-CDF2-E344-BC09-360E4916C8C8}"/>
+                <a16:creationId xmlns:a16="http://schemas.microsoft.com/office/drawing/2014/main" id="{88CA48A7-2E19-904B-832C-33865B542C51}"/>
               </a:ext>
             </a:extLst>
           </p:cNvPr>
@@ -2802,7 +3261,7 @@
           <p:cNvPr id="3" name="Text Placeholder 2">
             <a:extLst>
               <a:ext uri="{FF2B5EF4-FFF2-40B4-BE49-F238E27FC236}">
-                <a16:creationId xmlns:a16="http://schemas.microsoft.com/office/drawing/2014/main" id="{A9484566-44E4-0B4F-8C50-0E09E88BFB73}"/>
+                <a16:creationId xmlns:a16="http://schemas.microsoft.com/office/drawing/2014/main" id="{05CBCB41-1C66-AE42-AE9B-7BA37031E2B1}"/>
               </a:ext>
             </a:extLst>
           </p:cNvPr>
@@ -2869,7 +3328,7 @@
           <p:cNvPr id="4" name="Date Placeholder 3">
             <a:extLst>
               <a:ext uri="{FF2B5EF4-FFF2-40B4-BE49-F238E27FC236}">
-                <a16:creationId xmlns:a16="http://schemas.microsoft.com/office/drawing/2014/main" id="{6B8FCFB6-520E-9345-8FB6-0F9315C3B157}"/>
+                <a16:creationId xmlns:a16="http://schemas.microsoft.com/office/drawing/2014/main" id="{139918CD-7C99-5A43-8143-4F056B4EEB7F}"/>
               </a:ext>
             </a:extLst>
           </p:cNvPr>
@@ -2916,7 +3375,7 @@
           <p:cNvPr id="5" name="Footer Placeholder 4">
             <a:extLst>
               <a:ext uri="{FF2B5EF4-FFF2-40B4-BE49-F238E27FC236}">
-                <a16:creationId xmlns:a16="http://schemas.microsoft.com/office/drawing/2014/main" id="{8C160AD0-BE30-324D-BA8A-8669FA424CB3}"/>
+                <a16:creationId xmlns:a16="http://schemas.microsoft.com/office/drawing/2014/main" id="{78A86A89-604A-B64F-B9B1-1A5377896054}"/>
               </a:ext>
             </a:extLst>
           </p:cNvPr>
@@ -2959,7 +3418,7 @@
           <p:cNvPr id="6" name="Slide Number Placeholder 5">
             <a:extLst>
               <a:ext uri="{FF2B5EF4-FFF2-40B4-BE49-F238E27FC236}">
-                <a16:creationId xmlns:a16="http://schemas.microsoft.com/office/drawing/2014/main" id="{C6EA99BC-CF2F-A14C-979D-A25C424CCF10}"/>
+                <a16:creationId xmlns:a16="http://schemas.microsoft.com/office/drawing/2014/main" id="{42B5C81A-1035-F54B-80C6-E842A0B3E01A}"/>
               </a:ext>
             </a:extLst>
           </p:cNvPr>
@@ -3004,23 +3463,23 @@
     </p:spTree>
     <p:extLst>
       <p:ext uri="{BB962C8B-B14F-4D97-AF65-F5344CB8AC3E}">
-        <p14:creationId xmlns:p14="http://schemas.microsoft.com/office/powerpoint/2010/main" val="1422338221"/>
+        <p14:creationId xmlns:p14="http://schemas.microsoft.com/office/powerpoint/2010/main" val="3540136488"/>
       </p:ext>
     </p:extLst>
   </p:cSld>
   <p:clrMap bg1="lt1" tx1="dk1" bg2="lt2" tx2="dk2" accent1="accent1" accent2="accent2" accent3="accent3" accent4="accent4" accent5="accent5" accent6="accent6" hlink="hlink" folHlink="folHlink"/>
   <p:sldLayoutIdLst>
-    <p:sldLayoutId id="2147483649" r:id="rId1"/>
-    <p:sldLayoutId id="2147483650" r:id="rId2"/>
-    <p:sldLayoutId id="2147483651" r:id="rId3"/>
-    <p:sldLayoutId id="2147483652" r:id="rId4"/>
-    <p:sldLayoutId id="2147483653" r:id="rId5"/>
-    <p:sldLayoutId id="2147483654" r:id="rId6"/>
-    <p:sldLayoutId id="2147483655" r:id="rId7"/>
-    <p:sldLayoutId id="2147483656" r:id="rId8"/>
-    <p:sldLayoutId id="2147483657" r:id="rId9"/>
-    <p:sldLayoutId id="2147483658" r:id="rId10"/>
-    <p:sldLayoutId id="2147483659" r:id="rId11"/>
+    <p:sldLayoutId id="2147483733" r:id="rId1"/>
+    <p:sldLayoutId id="2147483734" r:id="rId2"/>
+    <p:sldLayoutId id="2147483735" r:id="rId3"/>
+    <p:sldLayoutId id="2147483736" r:id="rId4"/>
+    <p:sldLayoutId id="2147483737" r:id="rId5"/>
+    <p:sldLayoutId id="2147483738" r:id="rId6"/>
+    <p:sldLayoutId id="2147483739" r:id="rId7"/>
+    <p:sldLayoutId id="2147483740" r:id="rId8"/>
+    <p:sldLayoutId id="2147483741" r:id="rId9"/>
+    <p:sldLayoutId id="2147483742" r:id="rId10"/>
+    <p:sldLayoutId id="2147483743" r:id="rId11"/>
   </p:sldLayoutIdLst>
   <p:txStyles>
     <p:titleStyle>
@@ -3330,12 +3789,12 @@
           <a:chExt cx="0" cy="0"/>
         </a:xfrm>
       </p:grpSpPr>
-      <p:sp useBgFill="1">
+      <p:sp>
         <p:nvSpPr>
           <p:cNvPr id="8" name="Rectangle 7">
             <a:extLst>
               <a:ext uri="{FF2B5EF4-FFF2-40B4-BE49-F238E27FC236}">
-                <a16:creationId xmlns:a16="http://schemas.microsoft.com/office/drawing/2014/main" id="{4E1BEB12-92AF-4445-98AD-4C7756E7C93B}"/>
+                <a16:creationId xmlns:a16="http://schemas.microsoft.com/office/drawing/2014/main" id="{EFA9B6C6-A247-48A8-9A1C-1E36FA9456B5}"/>
               </a:ext>
               <a:ext uri="{C183D7F6-B498-43B3-948B-1728B52AA6E4}">
                 <adec:decorative xmlns:adec="http://schemas.microsoft.com/office/drawing/2017/decorative" val="1"/>
@@ -3355,12 +3814,24 @@
         </p:nvSpPr>
         <p:spPr>
           <a:xfrm>
-            <a:off x="3048" y="0"/>
-            <a:ext cx="12188952" cy="6858000"/>
+            <a:off x="0" y="0"/>
+            <a:ext cx="12192000" cy="6858000"/>
           </a:xfrm>
           <a:prstGeom prst="rect">
             <a:avLst/>
           </a:prstGeom>
+          <a:gradFill flip="none" rotWithShape="1">
+            <a:gsLst>
+              <a:gs pos="0">
+                <a:schemeClr val="accent1"/>
+              </a:gs>
+              <a:gs pos="100000">
+                <a:schemeClr val="accent2"/>
+              </a:gs>
+            </a:gsLst>
+            <a:lin ang="2700000" scaled="1"/>
+            <a:tileRect/>
+          </a:gradFill>
           <a:ln>
             <a:noFill/>
           </a:ln>
@@ -3386,16 +3857,100 @@
           <a:lstStyle/>
           <a:p>
             <a:pPr algn="ctr"/>
-            <a:endParaRPr lang="en-US"/>
-          </a:p>
-        </p:txBody>
-      </p:sp>
-      <p:sp>
-        <p:nvSpPr>
-          <p:cNvPr id="10" name="Rectangle 9">
-            <a:extLst>
-              <a:ext uri="{FF2B5EF4-FFF2-40B4-BE49-F238E27FC236}">
-                <a16:creationId xmlns:a16="http://schemas.microsoft.com/office/drawing/2014/main" id="{D0522C2C-7B5C-48A7-A969-03941E5D2E76}"/>
+            <a:endParaRPr lang="en-US">
+              <a:solidFill>
+                <a:srgbClr val="FFFFFF"/>
+              </a:solidFill>
+            </a:endParaRPr>
+          </a:p>
+        </p:txBody>
+      </p:sp>
+      <p:sp>
+        <p:nvSpPr>
+          <p:cNvPr id="2" name="Title 1">
+            <a:extLst>
+              <a:ext uri="{FF2B5EF4-FFF2-40B4-BE49-F238E27FC236}">
+                <a16:creationId xmlns:a16="http://schemas.microsoft.com/office/drawing/2014/main" id="{80A7F008-CA0F-604D-8DB3-A181389B0FE7}"/>
+              </a:ext>
+            </a:extLst>
+          </p:cNvPr>
+          <p:cNvSpPr>
+            <a:spLocks noGrp="1"/>
+          </p:cNvSpPr>
+          <p:nvPr>
+            <p:ph type="ctrTitle"/>
+          </p:nvPr>
+        </p:nvSpPr>
+        <p:spPr>
+          <a:xfrm>
+            <a:off x="1301261" y="590062"/>
+            <a:ext cx="5409655" cy="2838938"/>
+          </a:xfrm>
+        </p:spPr>
+        <p:txBody>
+          <a:bodyPr>
+            <a:normAutofit/>
+          </a:bodyPr>
+          <a:lstStyle/>
+          <a:p>
+            <a:pPr algn="l"/>
+            <a:r>
+              <a:rPr lang="en-US" sz="5600">
+                <a:solidFill>
+                  <a:srgbClr val="FFFFFF"/>
+                </a:solidFill>
+              </a:rPr>
+              <a:t>Middle Georgia AWS Meetup</a:t>
+            </a:r>
+          </a:p>
+        </p:txBody>
+      </p:sp>
+      <p:sp>
+        <p:nvSpPr>
+          <p:cNvPr id="3" name="Subtitle 2">
+            <a:extLst>
+              <a:ext uri="{FF2B5EF4-FFF2-40B4-BE49-F238E27FC236}">
+                <a16:creationId xmlns:a16="http://schemas.microsoft.com/office/drawing/2014/main" id="{593EAFA1-B2FF-D848-962E-E9C7186E9DEB}"/>
+              </a:ext>
+            </a:extLst>
+          </p:cNvPr>
+          <p:cNvSpPr>
+            <a:spLocks noGrp="1"/>
+          </p:cNvSpPr>
+          <p:nvPr>
+            <p:ph type="subTitle" idx="1"/>
+          </p:nvPr>
+        </p:nvSpPr>
+        <p:spPr>
+          <a:xfrm>
+            <a:off x="5642044" y="4698614"/>
+            <a:ext cx="5088650" cy="1198120"/>
+          </a:xfrm>
+        </p:spPr>
+        <p:txBody>
+          <a:bodyPr>
+            <a:normAutofit/>
+          </a:bodyPr>
+          <a:lstStyle/>
+          <a:p>
+            <a:pPr algn="r"/>
+            <a:r>
+              <a:rPr lang="en-US" sz="2000">
+                <a:solidFill>
+                  <a:srgbClr val="FFFFFF"/>
+                </a:solidFill>
+              </a:rPr>
+              <a:t>06-08-2021</a:t>
+            </a:r>
+          </a:p>
+        </p:txBody>
+      </p:sp>
+      <p:sp>
+        <p:nvSpPr>
+          <p:cNvPr id="10" name="Graphic 13">
+            <a:extLst>
+              <a:ext uri="{FF2B5EF4-FFF2-40B4-BE49-F238E27FC236}">
+                <a16:creationId xmlns:a16="http://schemas.microsoft.com/office/drawing/2014/main" id="{C5CB530E-515E-412C-9DF1-5F8FFBD6F383}"/>
               </a:ext>
               <a:ext uri="{C183D7F6-B498-43B3-948B-1728B52AA6E4}">
                 <adec:decorative xmlns:adec="http://schemas.microsoft.com/office/drawing/2017/decorative" val="1"/>
@@ -3415,95 +3970,46 @@
         </p:nvSpPr>
         <p:spPr>
           <a:xfrm>
-            <a:off x="0" y="0"/>
-            <a:ext cx="12192000" cy="6858000"/>
-          </a:xfrm>
-          <a:prstGeom prst="rect">
-            <a:avLst/>
-          </a:prstGeom>
-          <a:solidFill>
-            <a:schemeClr val="accent2"/>
-          </a:solidFill>
-          <a:ln>
-            <a:noFill/>
-          </a:ln>
-        </p:spPr>
-        <p:style>
-          <a:lnRef idx="2">
-            <a:schemeClr val="accent1">
-              <a:shade val="50000"/>
-            </a:schemeClr>
-          </a:lnRef>
-          <a:fillRef idx="1">
-            <a:schemeClr val="accent1"/>
-          </a:fillRef>
-          <a:effectRef idx="0">
-            <a:schemeClr val="accent1"/>
-          </a:effectRef>
-          <a:fontRef idx="minor">
-            <a:schemeClr val="lt1"/>
-          </a:fontRef>
-        </p:style>
-        <p:txBody>
-          <a:bodyPr rtlCol="0" anchor="ctr"/>
-          <a:lstStyle/>
-          <a:p>
-            <a:pPr algn="ctr"/>
-            <a:endParaRPr lang="en-US">
-              <a:solidFill>
-                <a:schemeClr val="tx1"/>
-              </a:solidFill>
-            </a:endParaRPr>
-          </a:p>
-        </p:txBody>
-      </p:sp>
-      <p:sp>
-        <p:nvSpPr>
-          <p:cNvPr id="12" name="Freeform 13">
-            <a:extLst>
-              <a:ext uri="{FF2B5EF4-FFF2-40B4-BE49-F238E27FC236}">
-                <a16:creationId xmlns:a16="http://schemas.microsoft.com/office/drawing/2014/main" id="{9C682A1A-5B2D-4111-BBD6-620165633E5B}"/>
-              </a:ext>
-              <a:ext uri="{C183D7F6-B498-43B3-948B-1728B52AA6E4}">
-                <adec:decorative xmlns:adec="http://schemas.microsoft.com/office/drawing/2017/decorative" val="1"/>
-              </a:ext>
-            </a:extLst>
-          </p:cNvPr>
-          <p:cNvSpPr>
-            <a:spLocks noGrp="1" noRot="1" noChangeAspect="1" noMove="1" noResize="1" noEditPoints="1" noAdjustHandles="1" noChangeArrowheads="1" noChangeShapeType="1" noTextEdit="1"/>
-          </p:cNvSpPr>
-          <p:nvPr>
-            <p:extLst>
-              <p:ext uri="{386F3935-93C4-4BCD-93E2-E3B085C9AB24}">
-                <p16:designElem xmlns:p16="http://schemas.microsoft.com/office/powerpoint/2015/main" val="1"/>
-              </p:ext>
-            </p:extLst>
-          </p:nvPr>
-        </p:nvSpPr>
-        <p:spPr>
-          <a:xfrm>
-            <a:off x="2769476" y="220196"/>
-            <a:ext cx="9422524" cy="6637806"/>
+            <a:off x="6817602" y="2744546"/>
+            <a:ext cx="139038" cy="139038"/>
           </a:xfrm>
           <a:custGeom>
             <a:avLst/>
             <a:gdLst>
-              <a:gd name="connsiteX0" fmla="*/ 4929467 w 8191500"/>
-              <a:gd name="connsiteY0" fmla="*/ 0 h 5770597"/>
-              <a:gd name="connsiteX1" fmla="*/ 8065066 w 8191500"/>
-              <a:gd name="connsiteY1" fmla="*/ 1118513 h 5770597"/>
-              <a:gd name="connsiteX2" fmla="*/ 8191500 w 8191500"/>
-              <a:gd name="connsiteY2" fmla="*/ 1227339 h 5770597"/>
-              <a:gd name="connsiteX3" fmla="*/ 8191500 w 8191500"/>
-              <a:gd name="connsiteY3" fmla="*/ 5770597 h 5770597"/>
-              <a:gd name="connsiteX4" fmla="*/ 79523 w 8191500"/>
-              <a:gd name="connsiteY4" fmla="*/ 5770597 h 5770597"/>
-              <a:gd name="connsiteX5" fmla="*/ 56799 w 8191500"/>
-              <a:gd name="connsiteY5" fmla="*/ 5644158 h 5770597"/>
-              <a:gd name="connsiteX6" fmla="*/ 0 w 8191500"/>
-              <a:gd name="connsiteY6" fmla="*/ 4898209 h 5770597"/>
-              <a:gd name="connsiteX7" fmla="*/ 4929467 w 8191500"/>
-              <a:gd name="connsiteY7" fmla="*/ 0 h 5770597"/>
+              <a:gd name="connsiteX0" fmla="*/ 129601 w 139038"/>
+              <a:gd name="connsiteY0" fmla="*/ 60082 h 139038"/>
+              <a:gd name="connsiteX1" fmla="*/ 78956 w 139038"/>
+              <a:gd name="connsiteY1" fmla="*/ 60082 h 139038"/>
+              <a:gd name="connsiteX2" fmla="*/ 78956 w 139038"/>
+              <a:gd name="connsiteY2" fmla="*/ 9437 h 139038"/>
+              <a:gd name="connsiteX3" fmla="*/ 69519 w 139038"/>
+              <a:gd name="connsiteY3" fmla="*/ 0 h 139038"/>
+              <a:gd name="connsiteX4" fmla="*/ 60082 w 139038"/>
+              <a:gd name="connsiteY4" fmla="*/ 9437 h 139038"/>
+              <a:gd name="connsiteX5" fmla="*/ 60082 w 139038"/>
+              <a:gd name="connsiteY5" fmla="*/ 60082 h 139038"/>
+              <a:gd name="connsiteX6" fmla="*/ 9437 w 139038"/>
+              <a:gd name="connsiteY6" fmla="*/ 60082 h 139038"/>
+              <a:gd name="connsiteX7" fmla="*/ 0 w 139038"/>
+              <a:gd name="connsiteY7" fmla="*/ 69519 h 139038"/>
+              <a:gd name="connsiteX8" fmla="*/ 9437 w 139038"/>
+              <a:gd name="connsiteY8" fmla="*/ 78956 h 139038"/>
+              <a:gd name="connsiteX9" fmla="*/ 60082 w 139038"/>
+              <a:gd name="connsiteY9" fmla="*/ 78956 h 139038"/>
+              <a:gd name="connsiteX10" fmla="*/ 60082 w 139038"/>
+              <a:gd name="connsiteY10" fmla="*/ 129601 h 139038"/>
+              <a:gd name="connsiteX11" fmla="*/ 69519 w 139038"/>
+              <a:gd name="connsiteY11" fmla="*/ 139038 h 139038"/>
+              <a:gd name="connsiteX12" fmla="*/ 78956 w 139038"/>
+              <a:gd name="connsiteY12" fmla="*/ 129601 h 139038"/>
+              <a:gd name="connsiteX13" fmla="*/ 78956 w 139038"/>
+              <a:gd name="connsiteY13" fmla="*/ 78956 h 139038"/>
+              <a:gd name="connsiteX14" fmla="*/ 129601 w 139038"/>
+              <a:gd name="connsiteY14" fmla="*/ 78956 h 139038"/>
+              <a:gd name="connsiteX15" fmla="*/ 139038 w 139038"/>
+              <a:gd name="connsiteY15" fmla="*/ 69519 h 139038"/>
+              <a:gd name="connsiteX16" fmla="*/ 129601 w 139038"/>
+              <a:gd name="connsiteY16" fmla="*/ 60082 h 139038"/>
             </a:gdLst>
             <a:ahLst/>
             <a:cxnLst>
@@ -3531,113 +4037,135 @@
               <a:cxn ang="0">
                 <a:pos x="connsiteX7" y="connsiteY7"/>
               </a:cxn>
+              <a:cxn ang="0">
+                <a:pos x="connsiteX8" y="connsiteY8"/>
+              </a:cxn>
+              <a:cxn ang="0">
+                <a:pos x="connsiteX9" y="connsiteY9"/>
+              </a:cxn>
+              <a:cxn ang="0">
+                <a:pos x="connsiteX10" y="connsiteY10"/>
+              </a:cxn>
+              <a:cxn ang="0">
+                <a:pos x="connsiteX11" y="connsiteY11"/>
+              </a:cxn>
+              <a:cxn ang="0">
+                <a:pos x="connsiteX12" y="connsiteY12"/>
+              </a:cxn>
+              <a:cxn ang="0">
+                <a:pos x="connsiteX13" y="connsiteY13"/>
+              </a:cxn>
+              <a:cxn ang="0">
+                <a:pos x="connsiteX14" y="connsiteY14"/>
+              </a:cxn>
+              <a:cxn ang="0">
+                <a:pos x="connsiteX15" y="connsiteY15"/>
+              </a:cxn>
+              <a:cxn ang="0">
+                <a:pos x="connsiteX16" y="connsiteY16"/>
+              </a:cxn>
             </a:cxnLst>
             <a:rect l="l" t="t" r="r" b="b"/>
             <a:pathLst>
-              <a:path w="8191500" h="5770597">
+              <a:path w="139038" h="139038">
                 <a:moveTo>
-                  <a:pt x="4929467" y="0"/>
+                  <a:pt x="129601" y="60082"/>
                 </a:moveTo>
+                <a:lnTo>
+                  <a:pt x="78956" y="60082"/>
+                </a:lnTo>
+                <a:lnTo>
+                  <a:pt x="78956" y="9437"/>
+                </a:lnTo>
                 <a:cubicBezTo>
-                  <a:pt x="6120547" y="0"/>
-                  <a:pt x="7212963" y="419755"/>
-                  <a:pt x="8065066" y="1118513"/>
+                  <a:pt x="78956" y="4225"/>
+                  <a:pt x="74731" y="0"/>
+                  <a:pt x="69519" y="0"/>
+                </a:cubicBezTo>
+                <a:cubicBezTo>
+                  <a:pt x="64307" y="0"/>
+                  <a:pt x="60082" y="4225"/>
+                  <a:pt x="60082" y="9437"/>
                 </a:cubicBezTo>
                 <a:lnTo>
-                  <a:pt x="8191500" y="1227339"/>
+                  <a:pt x="60082" y="60082"/>
                 </a:lnTo>
                 <a:lnTo>
-                  <a:pt x="8191500" y="5770597"/>
+                  <a:pt x="9437" y="60082"/>
+                </a:lnTo>
+                <a:cubicBezTo>
+                  <a:pt x="4225" y="60082"/>
+                  <a:pt x="0" y="64307"/>
+                  <a:pt x="0" y="69519"/>
+                </a:cubicBezTo>
+                <a:cubicBezTo>
+                  <a:pt x="0" y="74731"/>
+                  <a:pt x="4225" y="78956"/>
+                  <a:pt x="9437" y="78956"/>
+                </a:cubicBezTo>
+                <a:lnTo>
+                  <a:pt x="60082" y="78956"/>
                 </a:lnTo>
                 <a:lnTo>
-                  <a:pt x="79523" y="5770597"/>
+                  <a:pt x="60082" y="129601"/>
+                </a:lnTo>
+                <a:cubicBezTo>
+                  <a:pt x="60082" y="134813"/>
+                  <a:pt x="64307" y="139038"/>
+                  <a:pt x="69519" y="139038"/>
+                </a:cubicBezTo>
+                <a:cubicBezTo>
+                  <a:pt x="74731" y="139038"/>
+                  <a:pt x="78956" y="134813"/>
+                  <a:pt x="78956" y="129601"/>
+                </a:cubicBezTo>
+                <a:lnTo>
+                  <a:pt x="78956" y="78956"/>
                 </a:lnTo>
                 <a:lnTo>
-                  <a:pt x="56799" y="5644158"/>
+                  <a:pt x="129601" y="78956"/>
                 </a:lnTo>
                 <a:cubicBezTo>
-                  <a:pt x="19398" y="5400934"/>
-                  <a:pt x="0" y="5151822"/>
-                  <a:pt x="0" y="4898209"/>
+                  <a:pt x="134813" y="78956"/>
+                  <a:pt x="139038" y="74731"/>
+                  <a:pt x="139038" y="69519"/>
                 </a:cubicBezTo>
                 <a:cubicBezTo>
-                  <a:pt x="0" y="2193003"/>
-                  <a:pt x="2206998" y="0"/>
-                  <a:pt x="4929467" y="0"/>
+                  <a:pt x="139038" y="64307"/>
+                  <a:pt x="134813" y="60082"/>
+                  <a:pt x="129601" y="60082"/>
                 </a:cubicBezTo>
                 <a:close/>
               </a:path>
             </a:pathLst>
           </a:custGeom>
           <a:solidFill>
-            <a:schemeClr val="bg1"/>
+            <a:srgbClr val="FFFFFF"/>
           </a:solidFill>
-          <a:ln>
+          <a:ln w="603" cap="flat">
             <a:noFill/>
+            <a:prstDash val="solid"/>
+            <a:miter/>
           </a:ln>
         </p:spPr>
-        <p:style>
-          <a:lnRef idx="2">
-            <a:schemeClr val="accent1">
-              <a:shade val="50000"/>
-            </a:schemeClr>
-          </a:lnRef>
-          <a:fillRef idx="1">
-            <a:schemeClr val="accent1"/>
-          </a:fillRef>
-          <a:effectRef idx="0">
-            <a:schemeClr val="accent1"/>
-          </a:effectRef>
-          <a:fontRef idx="minor">
-            <a:schemeClr val="lt1"/>
-          </a:fontRef>
-        </p:style>
-        <p:txBody>
-          <a:bodyPr wrap="square" rtlCol="0" anchor="ctr">
-            <a:noAutofit/>
-          </a:bodyPr>
+        <p:txBody>
+          <a:bodyPr rtlCol="0" anchor="ctr"/>
           <a:lstStyle/>
           <a:p>
-            <a:pPr marL="0" marR="0" lvl="0" indent="0" algn="ctr" defTabSz="914400" rtl="0" eaLnBrk="1" fontAlgn="auto" latinLnBrk="0" hangingPunct="1">
-              <a:lnSpc>
-                <a:spcPct val="100000"/>
-              </a:lnSpc>
-              <a:spcBef>
-                <a:spcPts val="0"/>
-              </a:spcBef>
-              <a:spcAft>
-                <a:spcPts val="0"/>
-              </a:spcAft>
-              <a:buClrTx/>
-              <a:buSzTx/>
-              <a:buFontTx/>
-              <a:buNone/>
-              <a:tabLst/>
-              <a:defRPr/>
-            </a:pPr>
-            <a:endParaRPr kumimoji="0" lang="en-US" sz="1800" b="0" i="0" u="none" strike="noStrike" kern="1200" cap="none" spc="0" normalizeH="0" baseline="0" noProof="0">
-              <a:ln>
-                <a:noFill/>
-              </a:ln>
+            <a:endParaRPr lang="en-US">
               <a:solidFill>
                 <a:srgbClr val="FFFFFF"/>
               </a:solidFill>
-              <a:effectLst/>
-              <a:uLnTx/>
-              <a:uFillTx/>
-              <a:latin typeface="Calibri" panose="020F0502020204030204"/>
-              <a:ea typeface="+mn-ea"/>
-              <a:cs typeface="+mn-cs"/>
             </a:endParaRPr>
           </a:p>
         </p:txBody>
       </p:sp>
       <p:sp>
         <p:nvSpPr>
-          <p:cNvPr id="14" name="Oval 13">
-            <a:extLst>
-              <a:ext uri="{FF2B5EF4-FFF2-40B4-BE49-F238E27FC236}">
-                <a16:creationId xmlns:a16="http://schemas.microsoft.com/office/drawing/2014/main" id="{D6EE29F2-D77F-4BD0-A20B-334D316A1C9D}"/>
+          <p:cNvPr id="12" name="Graphic 12">
+            <a:extLst>
+              <a:ext uri="{FF2B5EF4-FFF2-40B4-BE49-F238E27FC236}">
+                <a16:creationId xmlns:a16="http://schemas.microsoft.com/office/drawing/2014/main" id="{712D4376-A578-4FF1-94FC-245E7A6A489F}"/>
               </a:ext>
               <a:ext uri="{C183D7F6-B498-43B3-948B-1728B52AA6E4}">
                 <adec:decorative xmlns:adec="http://schemas.microsoft.com/office/drawing/2017/decorative" val="1"/>
@@ -3657,79 +4185,98 @@
         </p:nvSpPr>
         <p:spPr>
           <a:xfrm>
-            <a:off x="2209800" y="2099696"/>
-            <a:ext cx="1942241" cy="1889551"/>
+            <a:off x="7176380" y="2973840"/>
+            <a:ext cx="91138" cy="91138"/>
           </a:xfrm>
-          <a:prstGeom prst="ellipse">
+          <a:custGeom>
             <a:avLst/>
-          </a:prstGeom>
+            <a:gdLst>
+              <a:gd name="connsiteX0" fmla="*/ 91138 w 91138"/>
+              <a:gd name="connsiteY0" fmla="*/ 45569 h 91138"/>
+              <a:gd name="connsiteX1" fmla="*/ 45569 w 91138"/>
+              <a:gd name="connsiteY1" fmla="*/ 91138 h 91138"/>
+              <a:gd name="connsiteX2" fmla="*/ 0 w 91138"/>
+              <a:gd name="connsiteY2" fmla="*/ 45569 h 91138"/>
+              <a:gd name="connsiteX3" fmla="*/ 45569 w 91138"/>
+              <a:gd name="connsiteY3" fmla="*/ 0 h 91138"/>
+              <a:gd name="connsiteX4" fmla="*/ 91138 w 91138"/>
+              <a:gd name="connsiteY4" fmla="*/ 45569 h 91138"/>
+            </a:gdLst>
+            <a:ahLst/>
+            <a:cxnLst>
+              <a:cxn ang="0">
+                <a:pos x="connsiteX0" y="connsiteY0"/>
+              </a:cxn>
+              <a:cxn ang="0">
+                <a:pos x="connsiteX1" y="connsiteY1"/>
+              </a:cxn>
+              <a:cxn ang="0">
+                <a:pos x="connsiteX2" y="connsiteY2"/>
+              </a:cxn>
+              <a:cxn ang="0">
+                <a:pos x="connsiteX3" y="connsiteY3"/>
+              </a:cxn>
+              <a:cxn ang="0">
+                <a:pos x="connsiteX4" y="connsiteY4"/>
+              </a:cxn>
+            </a:cxnLst>
+            <a:rect l="l" t="t" r="r" b="b"/>
+            <a:pathLst>
+              <a:path w="91138" h="91138">
+                <a:moveTo>
+                  <a:pt x="91138" y="45569"/>
+                </a:moveTo>
+                <a:cubicBezTo>
+                  <a:pt x="91138" y="70736"/>
+                  <a:pt x="70736" y="91138"/>
+                  <a:pt x="45569" y="91138"/>
+                </a:cubicBezTo>
+                <a:cubicBezTo>
+                  <a:pt x="20402" y="91138"/>
+                  <a:pt x="0" y="70736"/>
+                  <a:pt x="0" y="45569"/>
+                </a:cubicBezTo>
+                <a:cubicBezTo>
+                  <a:pt x="0" y="20402"/>
+                  <a:pt x="20402" y="0"/>
+                  <a:pt x="45569" y="0"/>
+                </a:cubicBezTo>
+                <a:cubicBezTo>
+                  <a:pt x="70736" y="0"/>
+                  <a:pt x="91138" y="20402"/>
+                  <a:pt x="91138" y="45569"/>
+                </a:cubicBezTo>
+                <a:close/>
+              </a:path>
+            </a:pathLst>
+          </a:custGeom>
           <a:solidFill>
-            <a:schemeClr val="accent4"/>
+            <a:srgbClr val="FFFFFF"/>
           </a:solidFill>
-          <a:ln>
+          <a:ln w="422" cap="flat">
             <a:noFill/>
+            <a:prstDash val="solid"/>
+            <a:miter/>
           </a:ln>
         </p:spPr>
-        <p:style>
-          <a:lnRef idx="2">
-            <a:schemeClr val="accent1">
-              <a:shade val="50000"/>
-            </a:schemeClr>
-          </a:lnRef>
-          <a:fillRef idx="1">
-            <a:schemeClr val="accent1"/>
-          </a:fillRef>
-          <a:effectRef idx="0">
-            <a:schemeClr val="accent1"/>
-          </a:effectRef>
-          <a:fontRef idx="minor">
-            <a:schemeClr val="lt1"/>
-          </a:fontRef>
-        </p:style>
         <p:txBody>
           <a:bodyPr rtlCol="0" anchor="ctr"/>
           <a:lstStyle/>
           <a:p>
-            <a:pPr marL="0" marR="0" lvl="0" indent="0" algn="ctr" defTabSz="914400" rtl="0" eaLnBrk="1" fontAlgn="auto" latinLnBrk="0" hangingPunct="1">
-              <a:lnSpc>
-                <a:spcPct val="100000"/>
-              </a:lnSpc>
-              <a:spcBef>
-                <a:spcPts val="0"/>
-              </a:spcBef>
-              <a:spcAft>
-                <a:spcPts val="0"/>
-              </a:spcAft>
-              <a:buClrTx/>
-              <a:buSzTx/>
-              <a:buFontTx/>
-              <a:buNone/>
-              <a:tabLst/>
-              <a:defRPr/>
-            </a:pPr>
-            <a:endParaRPr kumimoji="0" lang="en-US" sz="1800" b="0" i="0" u="none" strike="noStrike" kern="1200" cap="none" spc="0" normalizeH="0" baseline="0" noProof="0">
-              <a:ln>
-                <a:noFill/>
-              </a:ln>
+            <a:endParaRPr lang="en-US">
               <a:solidFill>
                 <a:srgbClr val="FFFFFF"/>
               </a:solidFill>
-              <a:effectLst/>
-              <a:uLnTx/>
-              <a:uFillTx/>
-              <a:latin typeface="Calibri" panose="020F0502020204030204"/>
-              <a:ea typeface="+mn-ea"/>
-              <a:cs typeface="+mn-cs"/>
             </a:endParaRPr>
           </a:p>
         </p:txBody>
       </p:sp>
       <p:sp>
         <p:nvSpPr>
-          <p:cNvPr id="16" name="Arc 15">
-            <a:extLst>
-              <a:ext uri="{FF2B5EF4-FFF2-40B4-BE49-F238E27FC236}">
-                <a16:creationId xmlns:a16="http://schemas.microsoft.com/office/drawing/2014/main" id="{22D09ED2-868F-42C6-866E-F92E0CEF314F}"/>
+          <p:cNvPr id="14" name="Graphic 15">
+            <a:extLst>
+              <a:ext uri="{FF2B5EF4-FFF2-40B4-BE49-F238E27FC236}">
+                <a16:creationId xmlns:a16="http://schemas.microsoft.com/office/drawing/2014/main" id="{AEA7509D-F04F-40CB-A0B3-EEF16499CC9F}"/>
               </a:ext>
               <a:ext uri="{C183D7F6-B498-43B3-948B-1728B52AA6E4}">
                 <adec:decorative xmlns:adec="http://schemas.microsoft.com/office/drawing/2017/decorative" val="1"/>
@@ -3748,22 +4295,177 @@
           </p:nvPr>
         </p:nvSpPr>
         <p:spPr>
-          <a:xfrm rot="18520172">
-            <a:off x="1613162" y="1492572"/>
-            <a:ext cx="2987899" cy="2987899"/>
+          <a:xfrm>
+            <a:off x="6802062" y="3198265"/>
+            <a:ext cx="127713" cy="127713"/>
           </a:xfrm>
-          <a:prstGeom prst="arc">
-            <a:avLst>
-              <a:gd name="adj1" fmla="val 14455503"/>
-              <a:gd name="adj2" fmla="val 227775"/>
-            </a:avLst>
+          <a:custGeom>
+            <a:avLst/>
+            <a:gdLst>
+              <a:gd name="connsiteX0" fmla="*/ 63857 w 127713"/>
+              <a:gd name="connsiteY0" fmla="*/ 18874 h 127713"/>
+              <a:gd name="connsiteX1" fmla="*/ 108839 w 127713"/>
+              <a:gd name="connsiteY1" fmla="*/ 63857 h 127713"/>
+              <a:gd name="connsiteX2" fmla="*/ 63857 w 127713"/>
+              <a:gd name="connsiteY2" fmla="*/ 108839 h 127713"/>
+              <a:gd name="connsiteX3" fmla="*/ 18874 w 127713"/>
+              <a:gd name="connsiteY3" fmla="*/ 63857 h 127713"/>
+              <a:gd name="connsiteX4" fmla="*/ 63857 w 127713"/>
+              <a:gd name="connsiteY4" fmla="*/ 18874 h 127713"/>
+              <a:gd name="connsiteX5" fmla="*/ 63857 w 127713"/>
+              <a:gd name="connsiteY5" fmla="*/ 0 h 127713"/>
+              <a:gd name="connsiteX6" fmla="*/ 0 w 127713"/>
+              <a:gd name="connsiteY6" fmla="*/ 63857 h 127713"/>
+              <a:gd name="connsiteX7" fmla="*/ 63857 w 127713"/>
+              <a:gd name="connsiteY7" fmla="*/ 127713 h 127713"/>
+              <a:gd name="connsiteX8" fmla="*/ 127713 w 127713"/>
+              <a:gd name="connsiteY8" fmla="*/ 63857 h 127713"/>
+              <a:gd name="connsiteX9" fmla="*/ 63857 w 127713"/>
+              <a:gd name="connsiteY9" fmla="*/ 0 h 127713"/>
+            </a:gdLst>
+            <a:ahLst/>
+            <a:cxnLst>
+              <a:cxn ang="0">
+                <a:pos x="connsiteX0" y="connsiteY0"/>
+              </a:cxn>
+              <a:cxn ang="0">
+                <a:pos x="connsiteX1" y="connsiteY1"/>
+              </a:cxn>
+              <a:cxn ang="0">
+                <a:pos x="connsiteX2" y="connsiteY2"/>
+              </a:cxn>
+              <a:cxn ang="0">
+                <a:pos x="connsiteX3" y="connsiteY3"/>
+              </a:cxn>
+              <a:cxn ang="0">
+                <a:pos x="connsiteX4" y="connsiteY4"/>
+              </a:cxn>
+              <a:cxn ang="0">
+                <a:pos x="connsiteX5" y="connsiteY5"/>
+              </a:cxn>
+              <a:cxn ang="0">
+                <a:pos x="connsiteX6" y="connsiteY6"/>
+              </a:cxn>
+              <a:cxn ang="0">
+                <a:pos x="connsiteX7" y="connsiteY7"/>
+              </a:cxn>
+              <a:cxn ang="0">
+                <a:pos x="connsiteX8" y="connsiteY8"/>
+              </a:cxn>
+              <a:cxn ang="0">
+                <a:pos x="connsiteX9" y="connsiteY9"/>
+              </a:cxn>
+            </a:cxnLst>
+            <a:rect l="l" t="t" r="r" b="b"/>
+            <a:pathLst>
+              <a:path w="127713" h="127713">
+                <a:moveTo>
+                  <a:pt x="63857" y="18874"/>
+                </a:moveTo>
+                <a:cubicBezTo>
+                  <a:pt x="88700" y="18874"/>
+                  <a:pt x="108839" y="39013"/>
+                  <a:pt x="108839" y="63857"/>
+                </a:cubicBezTo>
+                <a:cubicBezTo>
+                  <a:pt x="108839" y="88700"/>
+                  <a:pt x="88700" y="108839"/>
+                  <a:pt x="63857" y="108839"/>
+                </a:cubicBezTo>
+                <a:cubicBezTo>
+                  <a:pt x="39013" y="108839"/>
+                  <a:pt x="18874" y="88700"/>
+                  <a:pt x="18874" y="63857"/>
+                </a:cubicBezTo>
+                <a:cubicBezTo>
+                  <a:pt x="18898" y="39023"/>
+                  <a:pt x="39023" y="18898"/>
+                  <a:pt x="63857" y="18874"/>
+                </a:cubicBezTo>
+                <a:moveTo>
+                  <a:pt x="63857" y="0"/>
+                </a:moveTo>
+                <a:cubicBezTo>
+                  <a:pt x="28590" y="0"/>
+                  <a:pt x="0" y="28590"/>
+                  <a:pt x="0" y="63857"/>
+                </a:cubicBezTo>
+                <a:cubicBezTo>
+                  <a:pt x="0" y="99124"/>
+                  <a:pt x="28590" y="127713"/>
+                  <a:pt x="63857" y="127713"/>
+                </a:cubicBezTo>
+                <a:cubicBezTo>
+                  <a:pt x="99124" y="127713"/>
+                  <a:pt x="127713" y="99124"/>
+                  <a:pt x="127713" y="63857"/>
+                </a:cubicBezTo>
+                <a:cubicBezTo>
+                  <a:pt x="127713" y="28590"/>
+                  <a:pt x="99124" y="0"/>
+                  <a:pt x="63857" y="0"/>
+                </a:cubicBezTo>
+                <a:close/>
+              </a:path>
+            </a:pathLst>
+          </a:custGeom>
+          <a:solidFill>
+            <a:srgbClr val="FFFFFF"/>
+          </a:solidFill>
+          <a:ln w="610" cap="flat">
+            <a:noFill/>
+            <a:prstDash val="solid"/>
+            <a:miter/>
+          </a:ln>
+        </p:spPr>
+        <p:txBody>
+          <a:bodyPr rtlCol="0" anchor="ctr"/>
+          <a:lstStyle/>
+          <a:p>
+            <a:endParaRPr lang="en-US">
+              <a:solidFill>
+                <a:srgbClr val="FFFFFF"/>
+              </a:solidFill>
+            </a:endParaRPr>
+          </a:p>
+        </p:txBody>
+      </p:sp>
+      <p:cxnSp>
+        <p:nvCxnSpPr>
+          <p:cNvPr id="16" name="Straight Connector 15">
+            <a:extLst>
+              <a:ext uri="{FF2B5EF4-FFF2-40B4-BE49-F238E27FC236}">
+                <a16:creationId xmlns:a16="http://schemas.microsoft.com/office/drawing/2014/main" id="{56020367-4FD5-4596-8E10-C5F095CD8DBF}"/>
+              </a:ext>
+              <a:ext uri="{C183D7F6-B498-43B3-948B-1728B52AA6E4}">
+                <adec:decorative xmlns:adec="http://schemas.microsoft.com/office/drawing/2017/decorative" val="1"/>
+              </a:ext>
+            </a:extLst>
+          </p:cNvPr>
+          <p:cNvCxnSpPr>
+            <a:cxnSpLocks noGrp="1" noRot="1" noChangeAspect="1" noMove="1" noResize="1" noEditPoints="1" noAdjustHandles="1" noChangeArrowheads="1" noChangeShapeType="1"/>
+          </p:cNvCxnSpPr>
+          <p:nvPr>
+            <p:extLst>
+              <p:ext uri="{386F3935-93C4-4BCD-93E2-E3B085C9AB24}">
+                <p16:designElem xmlns:p16="http://schemas.microsoft.com/office/powerpoint/2015/main" val="1"/>
+              </p:ext>
+            </p:extLst>
+          </p:nvPr>
+        </p:nvCxnSpPr>
+        <p:spPr>
+          <a:xfrm>
+            <a:off x="1301262" y="3496322"/>
+            <a:ext cx="0" cy="3352800"/>
+          </a:xfrm>
+          <a:prstGeom prst="line">
+            <a:avLst/>
           </a:prstGeom>
-          <a:ln w="127000" cap="rnd">
+          <a:ln w="25400" cap="sq">
             <a:solidFill>
-              <a:schemeClr val="accent4"/>
+              <a:srgbClr val="FFFFFF"/>
             </a:solidFill>
-            <a:prstDash val="dash"/>
-            <a:miter lim="800000"/>
+            <a:bevel/>
           </a:ln>
         </p:spPr>
         <p:style>
@@ -3780,118 +4482,7 @@
             <a:schemeClr val="tx1"/>
           </a:fontRef>
         </p:style>
-        <p:txBody>
-          <a:bodyPr rtlCol="0" anchor="ctr"/>
-          <a:lstStyle/>
-          <a:p>
-            <a:pPr marL="0" marR="0" lvl="0" indent="0" algn="ctr" defTabSz="914400" rtl="0" eaLnBrk="1" fontAlgn="auto" latinLnBrk="0" hangingPunct="1">
-              <a:lnSpc>
-                <a:spcPct val="100000"/>
-              </a:lnSpc>
-              <a:spcBef>
-                <a:spcPts val="0"/>
-              </a:spcBef>
-              <a:spcAft>
-                <a:spcPts val="0"/>
-              </a:spcAft>
-              <a:buClrTx/>
-              <a:buSzTx/>
-              <a:buFontTx/>
-              <a:buNone/>
-              <a:tabLst/>
-              <a:defRPr/>
-            </a:pPr>
-            <a:endParaRPr kumimoji="0" lang="en-US" sz="1800" b="0" i="0" u="none" strike="noStrike" kern="1200" cap="none" spc="0" normalizeH="0" baseline="0" noProof="0">
-              <a:ln>
-                <a:noFill/>
-              </a:ln>
-              <a:solidFill>
-                <a:srgbClr val="000000"/>
-              </a:solidFill>
-              <a:effectLst/>
-              <a:uLnTx/>
-              <a:uFillTx/>
-              <a:latin typeface="Calibri" panose="020F0502020204030204"/>
-              <a:ea typeface="+mn-ea"/>
-              <a:cs typeface="+mn-cs"/>
-            </a:endParaRPr>
-          </a:p>
-        </p:txBody>
-      </p:sp>
-      <p:sp>
-        <p:nvSpPr>
-          <p:cNvPr id="2" name="Title 1">
-            <a:extLst>
-              <a:ext uri="{FF2B5EF4-FFF2-40B4-BE49-F238E27FC236}">
-                <a16:creationId xmlns:a16="http://schemas.microsoft.com/office/drawing/2014/main" id="{80A7F008-CA0F-604D-8DB3-A181389B0FE7}"/>
-              </a:ext>
-            </a:extLst>
-          </p:cNvPr>
-          <p:cNvSpPr>
-            <a:spLocks noGrp="1"/>
-          </p:cNvSpPr>
-          <p:nvPr>
-            <p:ph type="ctrTitle"/>
-          </p:nvPr>
-        </p:nvSpPr>
-        <p:spPr>
-          <a:xfrm>
-            <a:off x="4038600" y="1939159"/>
-            <a:ext cx="7644627" cy="2751086"/>
-          </a:xfrm>
-        </p:spPr>
-        <p:txBody>
-          <a:bodyPr>
-            <a:normAutofit/>
-          </a:bodyPr>
-          <a:lstStyle/>
-          <a:p>
-            <a:pPr algn="r"/>
-            <a:r>
-              <a:rPr lang="en-US" dirty="0"/>
-              <a:t>Middle Georgia AWS Meetup</a:t>
-            </a:r>
-            <a:endParaRPr lang="en-US"/>
-          </a:p>
-        </p:txBody>
-      </p:sp>
-      <p:sp>
-        <p:nvSpPr>
-          <p:cNvPr id="3" name="Subtitle 2">
-            <a:extLst>
-              <a:ext uri="{FF2B5EF4-FFF2-40B4-BE49-F238E27FC236}">
-                <a16:creationId xmlns:a16="http://schemas.microsoft.com/office/drawing/2014/main" id="{593EAFA1-B2FF-D848-962E-E9C7186E9DEB}"/>
-              </a:ext>
-            </a:extLst>
-          </p:cNvPr>
-          <p:cNvSpPr>
-            <a:spLocks noGrp="1"/>
-          </p:cNvSpPr>
-          <p:nvPr>
-            <p:ph type="subTitle" idx="1"/>
-          </p:nvPr>
-        </p:nvSpPr>
-        <p:spPr>
-          <a:xfrm>
-            <a:off x="4038600" y="4782320"/>
-            <a:ext cx="7644627" cy="1329443"/>
-          </a:xfrm>
-        </p:spPr>
-        <p:txBody>
-          <a:bodyPr>
-            <a:normAutofit/>
-          </a:bodyPr>
-          <a:lstStyle/>
-          <a:p>
-            <a:pPr algn="r"/>
-            <a:r>
-              <a:rPr lang="en-US" dirty="0"/>
-              <a:t>06-08-2021</a:t>
-            </a:r>
-            <a:endParaRPr lang="en-US"/>
-          </a:p>
-        </p:txBody>
-      </p:sp>
+      </p:cxnSp>
     </p:spTree>
     <p:extLst>
       <p:ext uri="{BB962C8B-B14F-4D97-AF65-F5344CB8AC3E}">
@@ -3902,6 +4493,145 @@
   <p:clrMapOvr>
     <a:masterClrMapping/>
   </p:clrMapOvr>
+  <p:timing>
+    <p:tnLst>
+      <p:par>
+        <p:cTn id="1" dur="indefinite" restart="never" nodeType="tmRoot">
+          <p:childTnLst>
+            <p:seq concurrent="1" nextAc="seek">
+              <p:cTn id="2" dur="indefinite" nodeType="mainSeq">
+                <p:childTnLst>
+                  <p:par>
+                    <p:cTn id="3" fill="hold">
+                      <p:stCondLst>
+                        <p:cond delay="indefinite"/>
+                        <p:cond evt="onBegin" delay="0">
+                          <p:tn val="2"/>
+                        </p:cond>
+                      </p:stCondLst>
+                      <p:childTnLst>
+                        <p:par>
+                          <p:cTn id="4" fill="hold">
+                            <p:stCondLst>
+                              <p:cond delay="0"/>
+                            </p:stCondLst>
+                            <p:childTnLst>
+                              <p:par>
+                                <p:cTn id="5" presetID="10" presetClass="entr" presetSubtype="0" fill="hold" grpId="0" nodeType="withEffect">
+                                  <p:stCondLst>
+                                    <p:cond delay="1000"/>
+                                  </p:stCondLst>
+                                  <p:iterate type="wd">
+                                    <p:tmPct val="15000"/>
+                                  </p:iterate>
+                                  <p:childTnLst>
+                                    <p:set>
+                                      <p:cBhvr>
+                                        <p:cTn id="6" dur="1" fill="hold">
+                                          <p:stCondLst>
+                                            <p:cond delay="0"/>
+                                          </p:stCondLst>
+                                        </p:cTn>
+                                        <p:tgtEl>
+                                          <p:spTgt spid="3">
+                                            <p:txEl>
+                                              <p:pRg st="0" end="0"/>
+                                            </p:txEl>
+                                          </p:spTgt>
+                                        </p:tgtEl>
+                                        <p:attrNameLst>
+                                          <p:attrName>style.visibility</p:attrName>
+                                        </p:attrNameLst>
+                                      </p:cBhvr>
+                                      <p:to>
+                                        <p:strVal val="visible"/>
+                                      </p:to>
+                                    </p:set>
+                                    <p:animEffect transition="in" filter="fade">
+                                      <p:cBhvr>
+                                        <p:cTn id="7" dur="1000"/>
+                                        <p:tgtEl>
+                                          <p:spTgt spid="3">
+                                            <p:txEl>
+                                              <p:pRg st="0" end="0"/>
+                                            </p:txEl>
+                                          </p:spTgt>
+                                        </p:tgtEl>
+                                      </p:cBhvr>
+                                    </p:animEffect>
+                                  </p:childTnLst>
+                                </p:cTn>
+                              </p:par>
+                              <p:par>
+                                <p:cTn id="8" presetID="10" presetClass="entr" presetSubtype="0" fill="hold" grpId="0" nodeType="withEffect">
+                                  <p:stCondLst>
+                                    <p:cond delay="500"/>
+                                  </p:stCondLst>
+                                  <p:iterate type="wd">
+                                    <p:tmPct val="15000"/>
+                                  </p:iterate>
+                                  <p:childTnLst>
+                                    <p:set>
+                                      <p:cBhvr>
+                                        <p:cTn id="9" dur="1" fill="hold">
+                                          <p:stCondLst>
+                                            <p:cond delay="0"/>
+                                          </p:stCondLst>
+                                        </p:cTn>
+                                        <p:tgtEl>
+                                          <p:spTgt spid="2"/>
+                                        </p:tgtEl>
+                                        <p:attrNameLst>
+                                          <p:attrName>style.visibility</p:attrName>
+                                        </p:attrNameLst>
+                                      </p:cBhvr>
+                                      <p:to>
+                                        <p:strVal val="visible"/>
+                                      </p:to>
+                                    </p:set>
+                                    <p:animEffect transition="in" filter="fade">
+                                      <p:cBhvr>
+                                        <p:cTn id="10" dur="1000"/>
+                                        <p:tgtEl>
+                                          <p:spTgt spid="2"/>
+                                        </p:tgtEl>
+                                      </p:cBhvr>
+                                    </p:animEffect>
+                                  </p:childTnLst>
+                                </p:cTn>
+                              </p:par>
+                            </p:childTnLst>
+                          </p:cTn>
+                        </p:par>
+                      </p:childTnLst>
+                    </p:cTn>
+                  </p:par>
+                </p:childTnLst>
+              </p:cTn>
+              <p:prevCondLst>
+                <p:cond evt="onPrev" delay="0">
+                  <p:tgtEl>
+                    <p:sldTgt/>
+                  </p:tgtEl>
+                </p:cond>
+              </p:prevCondLst>
+              <p:nextCondLst>
+                <p:cond evt="onNext" delay="0">
+                  <p:tgtEl>
+                    <p:sldTgt/>
+                  </p:tgtEl>
+                </p:cond>
+              </p:nextCondLst>
+            </p:seq>
+          </p:childTnLst>
+        </p:cTn>
+      </p:par>
+    </p:tnLst>
+    <p:bldLst>
+      <p:bldP spid="2" grpId="0" animBg="1"/>
+      <p:bldP spid="3" grpId="0" build="p"/>
+    </p:bldLst>
+  </p:timing>
 </p:sld>
 </file>
 
@@ -3932,10 +4662,10 @@
       </p:grpSpPr>
       <p:sp useBgFill="1">
         <p:nvSpPr>
-          <p:cNvPr id="17" name="Rectangle 16">
-            <a:extLst>
-              <a:ext uri="{FF2B5EF4-FFF2-40B4-BE49-F238E27FC236}">
-                <a16:creationId xmlns:a16="http://schemas.microsoft.com/office/drawing/2014/main" id="{907EF6B7-1338-4443-8C46-6A318D952DFD}"/>
+          <p:cNvPr id="7" name="Rectangle 7">
+            <a:extLst>
+              <a:ext uri="{FF2B5EF4-FFF2-40B4-BE49-F238E27FC236}">
+                <a16:creationId xmlns:a16="http://schemas.microsoft.com/office/drawing/2014/main" id="{429917F3-0560-4C6F-B265-458B218C4B87}"/>
               </a:ext>
               <a:ext uri="{C183D7F6-B498-43B3-948B-1728B52AA6E4}">
                 <adec:decorative xmlns:adec="http://schemas.microsoft.com/office/drawing/2017/decorative" val="1"/>
@@ -3955,8 +4685,8 @@
         </p:nvSpPr>
         <p:spPr>
           <a:xfrm>
-            <a:off x="3048" y="0"/>
-            <a:ext cx="12188952" cy="6858000"/>
+            <a:off x="0" y="1"/>
+            <a:ext cx="12192000" cy="6857999"/>
           </a:xfrm>
           <a:prstGeom prst="rect">
             <a:avLst/>
@@ -3992,19 +4722,54 @@
       </p:sp>
       <p:sp>
         <p:nvSpPr>
-          <p:cNvPr id="19" name="Freeform: Shape 18">
-            <a:extLst>
-              <a:ext uri="{FF2B5EF4-FFF2-40B4-BE49-F238E27FC236}">
-                <a16:creationId xmlns:a16="http://schemas.microsoft.com/office/drawing/2014/main" id="{DAAE4CDD-124C-4DCF-9584-B6033B545DD5}"/>
+          <p:cNvPr id="2" name="Title 1">
+            <a:extLst>
+              <a:ext uri="{FF2B5EF4-FFF2-40B4-BE49-F238E27FC236}">
+                <a16:creationId xmlns:a16="http://schemas.microsoft.com/office/drawing/2014/main" id="{864B5079-9440-9847-903F-FAD5DEC53ECB}"/>
+              </a:ext>
+            </a:extLst>
+          </p:cNvPr>
+          <p:cNvSpPr>
+            <a:spLocks noGrp="1"/>
+          </p:cNvSpPr>
+          <p:nvPr>
+            <p:ph type="title"/>
+          </p:nvPr>
+        </p:nvSpPr>
+        <p:spPr>
+          <a:xfrm>
+            <a:off x="1271588" y="662400"/>
+            <a:ext cx="10055721" cy="1325563"/>
+          </a:xfrm>
+        </p:spPr>
+        <p:txBody>
+          <a:bodyPr anchor="t">
+            <a:normAutofit/>
+          </a:bodyPr>
+          <a:lstStyle/>
+          <a:p>
+            <a:r>
+              <a:rPr lang="en-US" sz="3600" b="1" dirty="0"/>
+              <a:t>Install SDK</a:t>
+            </a:r>
+          </a:p>
+        </p:txBody>
+      </p:sp>
+      <p:grpSp>
+        <p:nvGrpSpPr>
+          <p:cNvPr id="9" name="Group 9">
+            <a:extLst>
+              <a:ext uri="{FF2B5EF4-FFF2-40B4-BE49-F238E27FC236}">
+                <a16:creationId xmlns:a16="http://schemas.microsoft.com/office/drawing/2014/main" id="{AA39BAE7-7EB8-4E22-BCBB-F00F514DB7EA}"/>
               </a:ext>
               <a:ext uri="{C183D7F6-B498-43B3-948B-1728B52AA6E4}">
                 <adec:decorative xmlns:adec="http://schemas.microsoft.com/office/drawing/2017/decorative" val="1"/>
               </a:ext>
             </a:extLst>
           </p:cNvPr>
-          <p:cNvSpPr>
-            <a:spLocks noGrp="1" noRot="1" noChangeAspect="1" noMove="1" noResize="1" noEditPoints="1" noAdjustHandles="1" noChangeArrowheads="1" noChangeShapeType="1" noTextEdit="1"/>
-          </p:cNvSpPr>
+          <p:cNvGrpSpPr>
+            <a:grpSpLocks noGrp="1" noUngrp="1" noRot="1" noChangeAspect="1" noMove="1" noResize="1"/>
+          </p:cNvGrpSpPr>
           <p:nvPr>
             <p:extLst>
               <p:ext uri="{386F3935-93C4-4BCD-93E2-E3B085C9AB24}">
@@ -4012,89 +4777,1206 @@
               </p:ext>
             </p:extLst>
           </p:nvPr>
+        </p:nvGrpSpPr>
+        <p:grpSpPr>
+          <a:xfrm>
+            <a:off x="0" y="0"/>
+            <a:ext cx="885825" cy="6858000"/>
+            <a:chOff x="0" y="0"/>
+            <a:chExt cx="885825" cy="6858000"/>
+          </a:xfrm>
+        </p:grpSpPr>
+        <p:sp>
+          <p:nvSpPr>
+            <p:cNvPr id="11" name="Freeform 6">
+              <a:extLst>
+                <a:ext uri="{FF2B5EF4-FFF2-40B4-BE49-F238E27FC236}">
+                  <a16:creationId xmlns:a16="http://schemas.microsoft.com/office/drawing/2014/main" id="{CE476A00-9FF6-4B98-9E5C-7A22D8F59C4A}"/>
+                </a:ext>
+                <a:ext uri="{C183D7F6-B498-43B3-948B-1728B52AA6E4}">
+                  <adec:decorative xmlns:adec="http://schemas.microsoft.com/office/drawing/2017/decorative" val="1"/>
+                </a:ext>
+              </a:extLst>
+            </p:cNvPr>
+            <p:cNvSpPr/>
+            <p:nvPr>
+              <p:extLst>
+                <p:ext uri="{386F3935-93C4-4BCD-93E2-E3B085C9AB24}">
+                  <p16:designElem xmlns:p16="http://schemas.microsoft.com/office/powerpoint/2015/main" val="1"/>
+                </p:ext>
+              </p:extLst>
+            </p:nvPr>
+          </p:nvSpPr>
+          <p:spPr bwMode="auto">
+            <a:xfrm>
+              <a:off x="0" y="0"/>
+              <a:ext cx="885825" cy="6858000"/>
+            </a:xfrm>
+            <a:custGeom>
+              <a:avLst/>
+              <a:gdLst/>
+              <a:ahLst/>
+              <a:cxnLst/>
+              <a:rect l="0" t="0" r="r" b="b"/>
+              <a:pathLst>
+                <a:path w="558" h="4320">
+                  <a:moveTo>
+                    <a:pt x="0" y="0"/>
+                  </a:moveTo>
+                  <a:lnTo>
+                    <a:pt x="447" y="0"/>
+                  </a:lnTo>
+                  <a:lnTo>
+                    <a:pt x="448" y="43"/>
+                  </a:lnTo>
+                  <a:lnTo>
+                    <a:pt x="453" y="81"/>
+                  </a:lnTo>
+                  <a:lnTo>
+                    <a:pt x="460" y="114"/>
+                  </a:lnTo>
+                  <a:lnTo>
+                    <a:pt x="469" y="143"/>
+                  </a:lnTo>
+                  <a:lnTo>
+                    <a:pt x="479" y="169"/>
+                  </a:lnTo>
+                  <a:lnTo>
+                    <a:pt x="491" y="192"/>
+                  </a:lnTo>
+                  <a:lnTo>
+                    <a:pt x="503" y="216"/>
+                  </a:lnTo>
+                  <a:lnTo>
+                    <a:pt x="515" y="240"/>
+                  </a:lnTo>
+                  <a:lnTo>
+                    <a:pt x="525" y="263"/>
+                  </a:lnTo>
+                  <a:lnTo>
+                    <a:pt x="535" y="289"/>
+                  </a:lnTo>
+                  <a:lnTo>
+                    <a:pt x="545" y="318"/>
+                  </a:lnTo>
+                  <a:lnTo>
+                    <a:pt x="552" y="351"/>
+                  </a:lnTo>
+                  <a:lnTo>
+                    <a:pt x="556" y="389"/>
+                  </a:lnTo>
+                  <a:lnTo>
+                    <a:pt x="558" y="432"/>
+                  </a:lnTo>
+                  <a:lnTo>
+                    <a:pt x="556" y="475"/>
+                  </a:lnTo>
+                  <a:lnTo>
+                    <a:pt x="552" y="513"/>
+                  </a:lnTo>
+                  <a:lnTo>
+                    <a:pt x="545" y="546"/>
+                  </a:lnTo>
+                  <a:lnTo>
+                    <a:pt x="535" y="575"/>
+                  </a:lnTo>
+                  <a:lnTo>
+                    <a:pt x="525" y="601"/>
+                  </a:lnTo>
+                  <a:lnTo>
+                    <a:pt x="515" y="624"/>
+                  </a:lnTo>
+                  <a:lnTo>
+                    <a:pt x="503" y="648"/>
+                  </a:lnTo>
+                  <a:lnTo>
+                    <a:pt x="491" y="672"/>
+                  </a:lnTo>
+                  <a:lnTo>
+                    <a:pt x="479" y="695"/>
+                  </a:lnTo>
+                  <a:lnTo>
+                    <a:pt x="469" y="721"/>
+                  </a:lnTo>
+                  <a:lnTo>
+                    <a:pt x="460" y="750"/>
+                  </a:lnTo>
+                  <a:lnTo>
+                    <a:pt x="453" y="783"/>
+                  </a:lnTo>
+                  <a:lnTo>
+                    <a:pt x="448" y="821"/>
+                  </a:lnTo>
+                  <a:lnTo>
+                    <a:pt x="447" y="864"/>
+                  </a:lnTo>
+                  <a:lnTo>
+                    <a:pt x="448" y="907"/>
+                  </a:lnTo>
+                  <a:lnTo>
+                    <a:pt x="453" y="945"/>
+                  </a:lnTo>
+                  <a:lnTo>
+                    <a:pt x="460" y="978"/>
+                  </a:lnTo>
+                  <a:lnTo>
+                    <a:pt x="469" y="1007"/>
+                  </a:lnTo>
+                  <a:lnTo>
+                    <a:pt x="479" y="1033"/>
+                  </a:lnTo>
+                  <a:lnTo>
+                    <a:pt x="491" y="1056"/>
+                  </a:lnTo>
+                  <a:lnTo>
+                    <a:pt x="503" y="1080"/>
+                  </a:lnTo>
+                  <a:lnTo>
+                    <a:pt x="515" y="1104"/>
+                  </a:lnTo>
+                  <a:lnTo>
+                    <a:pt x="525" y="1127"/>
+                  </a:lnTo>
+                  <a:lnTo>
+                    <a:pt x="535" y="1153"/>
+                  </a:lnTo>
+                  <a:lnTo>
+                    <a:pt x="545" y="1182"/>
+                  </a:lnTo>
+                  <a:lnTo>
+                    <a:pt x="552" y="1215"/>
+                  </a:lnTo>
+                  <a:lnTo>
+                    <a:pt x="556" y="1253"/>
+                  </a:lnTo>
+                  <a:lnTo>
+                    <a:pt x="558" y="1296"/>
+                  </a:lnTo>
+                  <a:lnTo>
+                    <a:pt x="556" y="1339"/>
+                  </a:lnTo>
+                  <a:lnTo>
+                    <a:pt x="552" y="1377"/>
+                  </a:lnTo>
+                  <a:lnTo>
+                    <a:pt x="545" y="1410"/>
+                  </a:lnTo>
+                  <a:lnTo>
+                    <a:pt x="535" y="1439"/>
+                  </a:lnTo>
+                  <a:lnTo>
+                    <a:pt x="525" y="1465"/>
+                  </a:lnTo>
+                  <a:lnTo>
+                    <a:pt x="515" y="1488"/>
+                  </a:lnTo>
+                  <a:lnTo>
+                    <a:pt x="503" y="1512"/>
+                  </a:lnTo>
+                  <a:lnTo>
+                    <a:pt x="491" y="1536"/>
+                  </a:lnTo>
+                  <a:lnTo>
+                    <a:pt x="479" y="1559"/>
+                  </a:lnTo>
+                  <a:lnTo>
+                    <a:pt x="469" y="1585"/>
+                  </a:lnTo>
+                  <a:lnTo>
+                    <a:pt x="460" y="1614"/>
+                  </a:lnTo>
+                  <a:lnTo>
+                    <a:pt x="453" y="1647"/>
+                  </a:lnTo>
+                  <a:lnTo>
+                    <a:pt x="448" y="1685"/>
+                  </a:lnTo>
+                  <a:lnTo>
+                    <a:pt x="447" y="1728"/>
+                  </a:lnTo>
+                  <a:lnTo>
+                    <a:pt x="448" y="1771"/>
+                  </a:lnTo>
+                  <a:lnTo>
+                    <a:pt x="453" y="1809"/>
+                  </a:lnTo>
+                  <a:lnTo>
+                    <a:pt x="460" y="1842"/>
+                  </a:lnTo>
+                  <a:lnTo>
+                    <a:pt x="469" y="1871"/>
+                  </a:lnTo>
+                  <a:lnTo>
+                    <a:pt x="479" y="1897"/>
+                  </a:lnTo>
+                  <a:lnTo>
+                    <a:pt x="491" y="1920"/>
+                  </a:lnTo>
+                  <a:lnTo>
+                    <a:pt x="503" y="1944"/>
+                  </a:lnTo>
+                  <a:lnTo>
+                    <a:pt x="515" y="1968"/>
+                  </a:lnTo>
+                  <a:lnTo>
+                    <a:pt x="525" y="1991"/>
+                  </a:lnTo>
+                  <a:lnTo>
+                    <a:pt x="535" y="2017"/>
+                  </a:lnTo>
+                  <a:lnTo>
+                    <a:pt x="545" y="2046"/>
+                  </a:lnTo>
+                  <a:lnTo>
+                    <a:pt x="552" y="2079"/>
+                  </a:lnTo>
+                  <a:lnTo>
+                    <a:pt x="556" y="2117"/>
+                  </a:lnTo>
+                  <a:lnTo>
+                    <a:pt x="558" y="2159"/>
+                  </a:lnTo>
+                  <a:lnTo>
+                    <a:pt x="556" y="2203"/>
+                  </a:lnTo>
+                  <a:lnTo>
+                    <a:pt x="552" y="2241"/>
+                  </a:lnTo>
+                  <a:lnTo>
+                    <a:pt x="545" y="2274"/>
+                  </a:lnTo>
+                  <a:lnTo>
+                    <a:pt x="535" y="2303"/>
+                  </a:lnTo>
+                  <a:lnTo>
+                    <a:pt x="525" y="2329"/>
+                  </a:lnTo>
+                  <a:lnTo>
+                    <a:pt x="515" y="2352"/>
+                  </a:lnTo>
+                  <a:lnTo>
+                    <a:pt x="503" y="2376"/>
+                  </a:lnTo>
+                  <a:lnTo>
+                    <a:pt x="491" y="2400"/>
+                  </a:lnTo>
+                  <a:lnTo>
+                    <a:pt x="479" y="2423"/>
+                  </a:lnTo>
+                  <a:lnTo>
+                    <a:pt x="469" y="2449"/>
+                  </a:lnTo>
+                  <a:lnTo>
+                    <a:pt x="460" y="2478"/>
+                  </a:lnTo>
+                  <a:lnTo>
+                    <a:pt x="453" y="2511"/>
+                  </a:lnTo>
+                  <a:lnTo>
+                    <a:pt x="448" y="2549"/>
+                  </a:lnTo>
+                  <a:lnTo>
+                    <a:pt x="447" y="2592"/>
+                  </a:lnTo>
+                  <a:lnTo>
+                    <a:pt x="448" y="2635"/>
+                  </a:lnTo>
+                  <a:lnTo>
+                    <a:pt x="453" y="2673"/>
+                  </a:lnTo>
+                  <a:lnTo>
+                    <a:pt x="460" y="2706"/>
+                  </a:lnTo>
+                  <a:lnTo>
+                    <a:pt x="469" y="2735"/>
+                  </a:lnTo>
+                  <a:lnTo>
+                    <a:pt x="479" y="2761"/>
+                  </a:lnTo>
+                  <a:lnTo>
+                    <a:pt x="491" y="2784"/>
+                  </a:lnTo>
+                  <a:lnTo>
+                    <a:pt x="515" y="2832"/>
+                  </a:lnTo>
+                  <a:lnTo>
+                    <a:pt x="525" y="2855"/>
+                  </a:lnTo>
+                  <a:lnTo>
+                    <a:pt x="535" y="2881"/>
+                  </a:lnTo>
+                  <a:lnTo>
+                    <a:pt x="545" y="2910"/>
+                  </a:lnTo>
+                  <a:lnTo>
+                    <a:pt x="552" y="2943"/>
+                  </a:lnTo>
+                  <a:lnTo>
+                    <a:pt x="556" y="2981"/>
+                  </a:lnTo>
+                  <a:lnTo>
+                    <a:pt x="558" y="3024"/>
+                  </a:lnTo>
+                  <a:lnTo>
+                    <a:pt x="556" y="3067"/>
+                  </a:lnTo>
+                  <a:lnTo>
+                    <a:pt x="552" y="3105"/>
+                  </a:lnTo>
+                  <a:lnTo>
+                    <a:pt x="545" y="3138"/>
+                  </a:lnTo>
+                  <a:lnTo>
+                    <a:pt x="535" y="3167"/>
+                  </a:lnTo>
+                  <a:lnTo>
+                    <a:pt x="525" y="3193"/>
+                  </a:lnTo>
+                  <a:lnTo>
+                    <a:pt x="515" y="3216"/>
+                  </a:lnTo>
+                  <a:lnTo>
+                    <a:pt x="503" y="3240"/>
+                  </a:lnTo>
+                  <a:lnTo>
+                    <a:pt x="491" y="3264"/>
+                  </a:lnTo>
+                  <a:lnTo>
+                    <a:pt x="479" y="3287"/>
+                  </a:lnTo>
+                  <a:lnTo>
+                    <a:pt x="469" y="3313"/>
+                  </a:lnTo>
+                  <a:lnTo>
+                    <a:pt x="460" y="3342"/>
+                  </a:lnTo>
+                  <a:lnTo>
+                    <a:pt x="453" y="3375"/>
+                  </a:lnTo>
+                  <a:lnTo>
+                    <a:pt x="448" y="3413"/>
+                  </a:lnTo>
+                  <a:lnTo>
+                    <a:pt x="447" y="3456"/>
+                  </a:lnTo>
+                  <a:lnTo>
+                    <a:pt x="448" y="3499"/>
+                  </a:lnTo>
+                  <a:lnTo>
+                    <a:pt x="453" y="3537"/>
+                  </a:lnTo>
+                  <a:lnTo>
+                    <a:pt x="460" y="3570"/>
+                  </a:lnTo>
+                  <a:lnTo>
+                    <a:pt x="469" y="3599"/>
+                  </a:lnTo>
+                  <a:lnTo>
+                    <a:pt x="479" y="3625"/>
+                  </a:lnTo>
+                  <a:lnTo>
+                    <a:pt x="491" y="3648"/>
+                  </a:lnTo>
+                  <a:lnTo>
+                    <a:pt x="503" y="3672"/>
+                  </a:lnTo>
+                  <a:lnTo>
+                    <a:pt x="515" y="3696"/>
+                  </a:lnTo>
+                  <a:lnTo>
+                    <a:pt x="525" y="3719"/>
+                  </a:lnTo>
+                  <a:lnTo>
+                    <a:pt x="535" y="3745"/>
+                  </a:lnTo>
+                  <a:lnTo>
+                    <a:pt x="545" y="3774"/>
+                  </a:lnTo>
+                  <a:lnTo>
+                    <a:pt x="552" y="3807"/>
+                  </a:lnTo>
+                  <a:lnTo>
+                    <a:pt x="556" y="3845"/>
+                  </a:lnTo>
+                  <a:lnTo>
+                    <a:pt x="558" y="3888"/>
+                  </a:lnTo>
+                  <a:lnTo>
+                    <a:pt x="556" y="3931"/>
+                  </a:lnTo>
+                  <a:lnTo>
+                    <a:pt x="552" y="3969"/>
+                  </a:lnTo>
+                  <a:lnTo>
+                    <a:pt x="545" y="4002"/>
+                  </a:lnTo>
+                  <a:lnTo>
+                    <a:pt x="535" y="4031"/>
+                  </a:lnTo>
+                  <a:lnTo>
+                    <a:pt x="525" y="4057"/>
+                  </a:lnTo>
+                  <a:lnTo>
+                    <a:pt x="515" y="4080"/>
+                  </a:lnTo>
+                  <a:lnTo>
+                    <a:pt x="503" y="4104"/>
+                  </a:lnTo>
+                  <a:lnTo>
+                    <a:pt x="491" y="4128"/>
+                  </a:lnTo>
+                  <a:lnTo>
+                    <a:pt x="479" y="4151"/>
+                  </a:lnTo>
+                  <a:lnTo>
+                    <a:pt x="469" y="4177"/>
+                  </a:lnTo>
+                  <a:lnTo>
+                    <a:pt x="460" y="4206"/>
+                  </a:lnTo>
+                  <a:lnTo>
+                    <a:pt x="453" y="4239"/>
+                  </a:lnTo>
+                  <a:lnTo>
+                    <a:pt x="448" y="4277"/>
+                  </a:lnTo>
+                  <a:lnTo>
+                    <a:pt x="447" y="4320"/>
+                  </a:lnTo>
+                  <a:lnTo>
+                    <a:pt x="0" y="4320"/>
+                  </a:lnTo>
+                  <a:lnTo>
+                    <a:pt x="0" y="0"/>
+                  </a:lnTo>
+                  <a:close/>
+                </a:path>
+              </a:pathLst>
+            </a:custGeom>
+            <a:solidFill>
+              <a:srgbClr val="FFFFFF"/>
+            </a:solidFill>
+            <a:ln w="0">
+              <a:noFill/>
+              <a:prstDash val="solid"/>
+              <a:round/>
+              <a:headEnd/>
+              <a:tailEnd/>
+            </a:ln>
+          </p:spPr>
+        </p:sp>
+        <p:sp>
+          <p:nvSpPr>
+            <p:cNvPr id="12" name="Freeform 6">
+              <a:extLst>
+                <a:ext uri="{FF2B5EF4-FFF2-40B4-BE49-F238E27FC236}">
+                  <a16:creationId xmlns:a16="http://schemas.microsoft.com/office/drawing/2014/main" id="{8F0632CB-5E59-4727-9C88-4537512D563B}"/>
+                </a:ext>
+                <a:ext uri="{C183D7F6-B498-43B3-948B-1728B52AA6E4}">
+                  <adec:decorative xmlns:adec="http://schemas.microsoft.com/office/drawing/2017/decorative" val="1"/>
+                </a:ext>
+              </a:extLst>
+            </p:cNvPr>
+            <p:cNvSpPr/>
+            <p:nvPr>
+              <p:extLst>
+                <p:ext uri="{386F3935-93C4-4BCD-93E2-E3B085C9AB24}">
+                  <p16:designElem xmlns:p16="http://schemas.microsoft.com/office/powerpoint/2015/main" val="1"/>
+                </p:ext>
+              </p:extLst>
+            </p:nvPr>
+          </p:nvSpPr>
+          <p:spPr bwMode="auto">
+            <a:xfrm>
+              <a:off x="0" y="0"/>
+              <a:ext cx="885825" cy="6858000"/>
+            </a:xfrm>
+            <a:custGeom>
+              <a:avLst/>
+              <a:gdLst/>
+              <a:ahLst/>
+              <a:cxnLst/>
+              <a:rect l="0" t="0" r="r" b="b"/>
+              <a:pathLst>
+                <a:path w="558" h="4320">
+                  <a:moveTo>
+                    <a:pt x="0" y="0"/>
+                  </a:moveTo>
+                  <a:lnTo>
+                    <a:pt x="447" y="0"/>
+                  </a:lnTo>
+                  <a:lnTo>
+                    <a:pt x="448" y="43"/>
+                  </a:lnTo>
+                  <a:lnTo>
+                    <a:pt x="453" y="81"/>
+                  </a:lnTo>
+                  <a:lnTo>
+                    <a:pt x="460" y="114"/>
+                  </a:lnTo>
+                  <a:lnTo>
+                    <a:pt x="469" y="143"/>
+                  </a:lnTo>
+                  <a:lnTo>
+                    <a:pt x="479" y="169"/>
+                  </a:lnTo>
+                  <a:lnTo>
+                    <a:pt x="491" y="192"/>
+                  </a:lnTo>
+                  <a:lnTo>
+                    <a:pt x="503" y="216"/>
+                  </a:lnTo>
+                  <a:lnTo>
+                    <a:pt x="515" y="240"/>
+                  </a:lnTo>
+                  <a:lnTo>
+                    <a:pt x="525" y="263"/>
+                  </a:lnTo>
+                  <a:lnTo>
+                    <a:pt x="535" y="289"/>
+                  </a:lnTo>
+                  <a:lnTo>
+                    <a:pt x="545" y="318"/>
+                  </a:lnTo>
+                  <a:lnTo>
+                    <a:pt x="552" y="351"/>
+                  </a:lnTo>
+                  <a:lnTo>
+                    <a:pt x="556" y="389"/>
+                  </a:lnTo>
+                  <a:lnTo>
+                    <a:pt x="558" y="432"/>
+                  </a:lnTo>
+                  <a:lnTo>
+                    <a:pt x="556" y="475"/>
+                  </a:lnTo>
+                  <a:lnTo>
+                    <a:pt x="552" y="513"/>
+                  </a:lnTo>
+                  <a:lnTo>
+                    <a:pt x="545" y="546"/>
+                  </a:lnTo>
+                  <a:lnTo>
+                    <a:pt x="535" y="575"/>
+                  </a:lnTo>
+                  <a:lnTo>
+                    <a:pt x="525" y="601"/>
+                  </a:lnTo>
+                  <a:lnTo>
+                    <a:pt x="515" y="624"/>
+                  </a:lnTo>
+                  <a:lnTo>
+                    <a:pt x="503" y="648"/>
+                  </a:lnTo>
+                  <a:lnTo>
+                    <a:pt x="491" y="672"/>
+                  </a:lnTo>
+                  <a:lnTo>
+                    <a:pt x="479" y="695"/>
+                  </a:lnTo>
+                  <a:lnTo>
+                    <a:pt x="469" y="721"/>
+                  </a:lnTo>
+                  <a:lnTo>
+                    <a:pt x="460" y="750"/>
+                  </a:lnTo>
+                  <a:lnTo>
+                    <a:pt x="453" y="783"/>
+                  </a:lnTo>
+                  <a:lnTo>
+                    <a:pt x="448" y="821"/>
+                  </a:lnTo>
+                  <a:lnTo>
+                    <a:pt x="447" y="864"/>
+                  </a:lnTo>
+                  <a:lnTo>
+                    <a:pt x="448" y="907"/>
+                  </a:lnTo>
+                  <a:lnTo>
+                    <a:pt x="453" y="945"/>
+                  </a:lnTo>
+                  <a:lnTo>
+                    <a:pt x="460" y="978"/>
+                  </a:lnTo>
+                  <a:lnTo>
+                    <a:pt x="469" y="1007"/>
+                  </a:lnTo>
+                  <a:lnTo>
+                    <a:pt x="479" y="1033"/>
+                  </a:lnTo>
+                  <a:lnTo>
+                    <a:pt x="491" y="1056"/>
+                  </a:lnTo>
+                  <a:lnTo>
+                    <a:pt x="503" y="1080"/>
+                  </a:lnTo>
+                  <a:lnTo>
+                    <a:pt x="515" y="1104"/>
+                  </a:lnTo>
+                  <a:lnTo>
+                    <a:pt x="525" y="1127"/>
+                  </a:lnTo>
+                  <a:lnTo>
+                    <a:pt x="535" y="1153"/>
+                  </a:lnTo>
+                  <a:lnTo>
+                    <a:pt x="545" y="1182"/>
+                  </a:lnTo>
+                  <a:lnTo>
+                    <a:pt x="552" y="1215"/>
+                  </a:lnTo>
+                  <a:lnTo>
+                    <a:pt x="556" y="1253"/>
+                  </a:lnTo>
+                  <a:lnTo>
+                    <a:pt x="558" y="1296"/>
+                  </a:lnTo>
+                  <a:lnTo>
+                    <a:pt x="556" y="1339"/>
+                  </a:lnTo>
+                  <a:lnTo>
+                    <a:pt x="552" y="1377"/>
+                  </a:lnTo>
+                  <a:lnTo>
+                    <a:pt x="545" y="1410"/>
+                  </a:lnTo>
+                  <a:lnTo>
+                    <a:pt x="535" y="1439"/>
+                  </a:lnTo>
+                  <a:lnTo>
+                    <a:pt x="525" y="1465"/>
+                  </a:lnTo>
+                  <a:lnTo>
+                    <a:pt x="515" y="1488"/>
+                  </a:lnTo>
+                  <a:lnTo>
+                    <a:pt x="503" y="1512"/>
+                  </a:lnTo>
+                  <a:lnTo>
+                    <a:pt x="491" y="1536"/>
+                  </a:lnTo>
+                  <a:lnTo>
+                    <a:pt x="479" y="1559"/>
+                  </a:lnTo>
+                  <a:lnTo>
+                    <a:pt x="469" y="1585"/>
+                  </a:lnTo>
+                  <a:lnTo>
+                    <a:pt x="460" y="1614"/>
+                  </a:lnTo>
+                  <a:lnTo>
+                    <a:pt x="453" y="1647"/>
+                  </a:lnTo>
+                  <a:lnTo>
+                    <a:pt x="448" y="1685"/>
+                  </a:lnTo>
+                  <a:lnTo>
+                    <a:pt x="447" y="1728"/>
+                  </a:lnTo>
+                  <a:lnTo>
+                    <a:pt x="448" y="1771"/>
+                  </a:lnTo>
+                  <a:lnTo>
+                    <a:pt x="453" y="1809"/>
+                  </a:lnTo>
+                  <a:lnTo>
+                    <a:pt x="460" y="1842"/>
+                  </a:lnTo>
+                  <a:lnTo>
+                    <a:pt x="469" y="1871"/>
+                  </a:lnTo>
+                  <a:lnTo>
+                    <a:pt x="479" y="1897"/>
+                  </a:lnTo>
+                  <a:lnTo>
+                    <a:pt x="491" y="1920"/>
+                  </a:lnTo>
+                  <a:lnTo>
+                    <a:pt x="503" y="1944"/>
+                  </a:lnTo>
+                  <a:lnTo>
+                    <a:pt x="515" y="1968"/>
+                  </a:lnTo>
+                  <a:lnTo>
+                    <a:pt x="525" y="1991"/>
+                  </a:lnTo>
+                  <a:lnTo>
+                    <a:pt x="535" y="2017"/>
+                  </a:lnTo>
+                  <a:lnTo>
+                    <a:pt x="545" y="2046"/>
+                  </a:lnTo>
+                  <a:lnTo>
+                    <a:pt x="552" y="2079"/>
+                  </a:lnTo>
+                  <a:lnTo>
+                    <a:pt x="556" y="2117"/>
+                  </a:lnTo>
+                  <a:lnTo>
+                    <a:pt x="558" y="2159"/>
+                  </a:lnTo>
+                  <a:lnTo>
+                    <a:pt x="556" y="2203"/>
+                  </a:lnTo>
+                  <a:lnTo>
+                    <a:pt x="552" y="2241"/>
+                  </a:lnTo>
+                  <a:lnTo>
+                    <a:pt x="545" y="2274"/>
+                  </a:lnTo>
+                  <a:lnTo>
+                    <a:pt x="535" y="2303"/>
+                  </a:lnTo>
+                  <a:lnTo>
+                    <a:pt x="525" y="2329"/>
+                  </a:lnTo>
+                  <a:lnTo>
+                    <a:pt x="515" y="2352"/>
+                  </a:lnTo>
+                  <a:lnTo>
+                    <a:pt x="503" y="2376"/>
+                  </a:lnTo>
+                  <a:lnTo>
+                    <a:pt x="491" y="2400"/>
+                  </a:lnTo>
+                  <a:lnTo>
+                    <a:pt x="479" y="2423"/>
+                  </a:lnTo>
+                  <a:lnTo>
+                    <a:pt x="469" y="2449"/>
+                  </a:lnTo>
+                  <a:lnTo>
+                    <a:pt x="460" y="2478"/>
+                  </a:lnTo>
+                  <a:lnTo>
+                    <a:pt x="453" y="2511"/>
+                  </a:lnTo>
+                  <a:lnTo>
+                    <a:pt x="448" y="2549"/>
+                  </a:lnTo>
+                  <a:lnTo>
+                    <a:pt x="447" y="2592"/>
+                  </a:lnTo>
+                  <a:lnTo>
+                    <a:pt x="448" y="2635"/>
+                  </a:lnTo>
+                  <a:lnTo>
+                    <a:pt x="453" y="2673"/>
+                  </a:lnTo>
+                  <a:lnTo>
+                    <a:pt x="460" y="2706"/>
+                  </a:lnTo>
+                  <a:lnTo>
+                    <a:pt x="469" y="2735"/>
+                  </a:lnTo>
+                  <a:lnTo>
+                    <a:pt x="479" y="2761"/>
+                  </a:lnTo>
+                  <a:lnTo>
+                    <a:pt x="491" y="2784"/>
+                  </a:lnTo>
+                  <a:lnTo>
+                    <a:pt x="515" y="2832"/>
+                  </a:lnTo>
+                  <a:lnTo>
+                    <a:pt x="525" y="2855"/>
+                  </a:lnTo>
+                  <a:lnTo>
+                    <a:pt x="535" y="2881"/>
+                  </a:lnTo>
+                  <a:lnTo>
+                    <a:pt x="545" y="2910"/>
+                  </a:lnTo>
+                  <a:lnTo>
+                    <a:pt x="552" y="2943"/>
+                  </a:lnTo>
+                  <a:lnTo>
+                    <a:pt x="556" y="2981"/>
+                  </a:lnTo>
+                  <a:lnTo>
+                    <a:pt x="558" y="3024"/>
+                  </a:lnTo>
+                  <a:lnTo>
+                    <a:pt x="556" y="3067"/>
+                  </a:lnTo>
+                  <a:lnTo>
+                    <a:pt x="552" y="3105"/>
+                  </a:lnTo>
+                  <a:lnTo>
+                    <a:pt x="545" y="3138"/>
+                  </a:lnTo>
+                  <a:lnTo>
+                    <a:pt x="535" y="3167"/>
+                  </a:lnTo>
+                  <a:lnTo>
+                    <a:pt x="525" y="3193"/>
+                  </a:lnTo>
+                  <a:lnTo>
+                    <a:pt x="515" y="3216"/>
+                  </a:lnTo>
+                  <a:lnTo>
+                    <a:pt x="503" y="3240"/>
+                  </a:lnTo>
+                  <a:lnTo>
+                    <a:pt x="491" y="3264"/>
+                  </a:lnTo>
+                  <a:lnTo>
+                    <a:pt x="479" y="3287"/>
+                  </a:lnTo>
+                  <a:lnTo>
+                    <a:pt x="469" y="3313"/>
+                  </a:lnTo>
+                  <a:lnTo>
+                    <a:pt x="460" y="3342"/>
+                  </a:lnTo>
+                  <a:lnTo>
+                    <a:pt x="453" y="3375"/>
+                  </a:lnTo>
+                  <a:lnTo>
+                    <a:pt x="448" y="3413"/>
+                  </a:lnTo>
+                  <a:lnTo>
+                    <a:pt x="447" y="3456"/>
+                  </a:lnTo>
+                  <a:lnTo>
+                    <a:pt x="448" y="3499"/>
+                  </a:lnTo>
+                  <a:lnTo>
+                    <a:pt x="453" y="3537"/>
+                  </a:lnTo>
+                  <a:lnTo>
+                    <a:pt x="460" y="3570"/>
+                  </a:lnTo>
+                  <a:lnTo>
+                    <a:pt x="469" y="3599"/>
+                  </a:lnTo>
+                  <a:lnTo>
+                    <a:pt x="479" y="3625"/>
+                  </a:lnTo>
+                  <a:lnTo>
+                    <a:pt x="491" y="3648"/>
+                  </a:lnTo>
+                  <a:lnTo>
+                    <a:pt x="503" y="3672"/>
+                  </a:lnTo>
+                  <a:lnTo>
+                    <a:pt x="515" y="3696"/>
+                  </a:lnTo>
+                  <a:lnTo>
+                    <a:pt x="525" y="3719"/>
+                  </a:lnTo>
+                  <a:lnTo>
+                    <a:pt x="535" y="3745"/>
+                  </a:lnTo>
+                  <a:lnTo>
+                    <a:pt x="545" y="3774"/>
+                  </a:lnTo>
+                  <a:lnTo>
+                    <a:pt x="552" y="3807"/>
+                  </a:lnTo>
+                  <a:lnTo>
+                    <a:pt x="556" y="3845"/>
+                  </a:lnTo>
+                  <a:lnTo>
+                    <a:pt x="558" y="3888"/>
+                  </a:lnTo>
+                  <a:lnTo>
+                    <a:pt x="556" y="3931"/>
+                  </a:lnTo>
+                  <a:lnTo>
+                    <a:pt x="552" y="3969"/>
+                  </a:lnTo>
+                  <a:lnTo>
+                    <a:pt x="545" y="4002"/>
+                  </a:lnTo>
+                  <a:lnTo>
+                    <a:pt x="535" y="4031"/>
+                  </a:lnTo>
+                  <a:lnTo>
+                    <a:pt x="525" y="4057"/>
+                  </a:lnTo>
+                  <a:lnTo>
+                    <a:pt x="515" y="4080"/>
+                  </a:lnTo>
+                  <a:lnTo>
+                    <a:pt x="503" y="4104"/>
+                  </a:lnTo>
+                  <a:lnTo>
+                    <a:pt x="491" y="4128"/>
+                  </a:lnTo>
+                  <a:lnTo>
+                    <a:pt x="479" y="4151"/>
+                  </a:lnTo>
+                  <a:lnTo>
+                    <a:pt x="469" y="4177"/>
+                  </a:lnTo>
+                  <a:lnTo>
+                    <a:pt x="460" y="4206"/>
+                  </a:lnTo>
+                  <a:lnTo>
+                    <a:pt x="453" y="4239"/>
+                  </a:lnTo>
+                  <a:lnTo>
+                    <a:pt x="448" y="4277"/>
+                  </a:lnTo>
+                  <a:lnTo>
+                    <a:pt x="447" y="4320"/>
+                  </a:lnTo>
+                  <a:lnTo>
+                    <a:pt x="0" y="4320"/>
+                  </a:lnTo>
+                  <a:lnTo>
+                    <a:pt x="0" y="0"/>
+                  </a:lnTo>
+                  <a:close/>
+                </a:path>
+              </a:pathLst>
+            </a:custGeom>
+            <a:solidFill>
+              <a:schemeClr val="accent1">
+                <a:lumMod val="50000"/>
+                <a:alpha val="25000"/>
+              </a:schemeClr>
+            </a:solidFill>
+            <a:ln w="0">
+              <a:noFill/>
+              <a:prstDash val="solid"/>
+              <a:round/>
+              <a:headEnd/>
+              <a:tailEnd/>
+            </a:ln>
+          </p:spPr>
+        </p:sp>
+      </p:grpSp>
+      <p:sp>
+        <p:nvSpPr>
+          <p:cNvPr id="3" name="Content Placeholder 2">
+            <a:extLst>
+              <a:ext uri="{FF2B5EF4-FFF2-40B4-BE49-F238E27FC236}">
+                <a16:creationId xmlns:a16="http://schemas.microsoft.com/office/drawing/2014/main" id="{5550F63A-FF86-B640-8528-EB1BACA537E4}"/>
+              </a:ext>
+            </a:extLst>
+          </p:cNvPr>
+          <p:cNvSpPr>
+            <a:spLocks noGrp="1"/>
+          </p:cNvSpPr>
+          <p:nvPr>
+            <p:ph idx="1"/>
+          </p:nvPr>
         </p:nvSpPr>
         <p:spPr>
           <a:xfrm>
-            <a:off x="1" y="0"/>
-            <a:ext cx="4167271" cy="6858000"/>
+            <a:off x="1251678" y="2286001"/>
+            <a:ext cx="10089112" cy="3909599"/>
           </a:xfrm>
-          <a:custGeom>
+        </p:spPr>
+        <p:txBody>
+          <a:bodyPr>
+            <a:normAutofit/>
+          </a:bodyPr>
+          <a:lstStyle/>
+          <a:p>
+            <a:r>
+              <a:rPr lang="en-US" sz="2000" b="1" dirty="0">
+                <a:solidFill>
+                  <a:schemeClr val="tx1">
+                    <a:alpha val="60000"/>
+                  </a:schemeClr>
+                </a:solidFill>
+                <a:hlinkClick r:id="rId2"/>
+              </a:rPr>
+              <a:t>https://boto3.amazonaws.com/v1/documentation/api/latest/guide/quickstart.html</a:t>
+            </a:r>
+            <a:endParaRPr lang="en-US" sz="2000" b="1" dirty="0">
+              <a:solidFill>
+                <a:schemeClr val="tx1">
+                  <a:alpha val="60000"/>
+                </a:schemeClr>
+              </a:solidFill>
+            </a:endParaRPr>
+          </a:p>
+          <a:p>
+            <a:endParaRPr lang="en-US" sz="2000" b="1" dirty="0">
+              <a:solidFill>
+                <a:schemeClr val="tx1">
+                  <a:alpha val="60000"/>
+                </a:schemeClr>
+              </a:solidFill>
+            </a:endParaRPr>
+          </a:p>
+          <a:p>
+            <a:r>
+              <a:rPr lang="en-US" sz="2000" b="1" dirty="0">
+                <a:solidFill>
+                  <a:schemeClr val="tx1">
+                    <a:alpha val="60000"/>
+                  </a:schemeClr>
+                </a:solidFill>
+              </a:rPr>
+              <a:t>pip install boto3</a:t>
+            </a:r>
+          </a:p>
+          <a:p>
+            <a:pPr marL="0" indent="0">
+              <a:buNone/>
+            </a:pPr>
+            <a:endParaRPr lang="en-US" sz="2000" b="1" dirty="0">
+              <a:solidFill>
+                <a:schemeClr val="tx1">
+                  <a:alpha val="60000"/>
+                </a:schemeClr>
+              </a:solidFill>
+            </a:endParaRPr>
+          </a:p>
+          <a:p>
+            <a:r>
+              <a:rPr lang="en-US" sz="2000" b="1" dirty="0">
+                <a:solidFill>
+                  <a:schemeClr val="tx1">
+                    <a:alpha val="60000"/>
+                  </a:schemeClr>
+                </a:solidFill>
+              </a:rPr>
+              <a:t>“aws configure” command to configure credentials file located at ~/.aws/credentials</a:t>
+            </a:r>
+          </a:p>
+          <a:p>
+            <a:endParaRPr lang="en-US" sz="2000" dirty="0">
+              <a:solidFill>
+                <a:schemeClr val="tx1">
+                  <a:alpha val="60000"/>
+                </a:schemeClr>
+              </a:solidFill>
+            </a:endParaRPr>
+          </a:p>
+          <a:p>
+            <a:endParaRPr lang="en-US" sz="2000" dirty="0">
+              <a:solidFill>
+                <a:schemeClr val="tx1">
+                  <a:alpha val="60000"/>
+                </a:schemeClr>
+              </a:solidFill>
+            </a:endParaRPr>
+          </a:p>
+          <a:p>
+            <a:endParaRPr lang="en-US" sz="2000" dirty="0">
+              <a:solidFill>
+                <a:schemeClr val="tx1">
+                  <a:alpha val="60000"/>
+                </a:schemeClr>
+              </a:solidFill>
+            </a:endParaRPr>
+          </a:p>
+          <a:p>
+            <a:pPr marL="0" indent="0">
+              <a:buNone/>
+            </a:pPr>
+            <a:endParaRPr lang="en-US" sz="2000" dirty="0">
+              <a:solidFill>
+                <a:schemeClr val="tx1">
+                  <a:alpha val="60000"/>
+                </a:schemeClr>
+              </a:solidFill>
+            </a:endParaRPr>
+          </a:p>
+          <a:p>
+            <a:endParaRPr lang="en-US" sz="2000" dirty="0">
+              <a:solidFill>
+                <a:schemeClr val="tx1">
+                  <a:alpha val="60000"/>
+                </a:schemeClr>
+              </a:solidFill>
+            </a:endParaRPr>
+          </a:p>
+          <a:p>
+            <a:endParaRPr lang="en-US" sz="2000" dirty="0">
+              <a:solidFill>
+                <a:schemeClr val="tx1">
+                  <a:alpha val="60000"/>
+                </a:schemeClr>
+              </a:solidFill>
+            </a:endParaRPr>
+          </a:p>
+          <a:p>
+            <a:endParaRPr lang="en-US" sz="2000" dirty="0">
+              <a:solidFill>
+                <a:schemeClr val="tx1">
+                  <a:alpha val="60000"/>
+                </a:schemeClr>
+              </a:solidFill>
+            </a:endParaRPr>
+          </a:p>
+        </p:txBody>
+      </p:sp>
+    </p:spTree>
+    <p:extLst>
+      <p:ext uri="{BB962C8B-B14F-4D97-AF65-F5344CB8AC3E}">
+        <p14:creationId xmlns:p14="http://schemas.microsoft.com/office/powerpoint/2010/main" val="1818479998"/>
+      </p:ext>
+    </p:extLst>
+  </p:cSld>
+  <p:clrMapOvr>
+    <a:masterClrMapping/>
+  </p:clrMapOvr>
+</p:sld>
+</file>
+
+<file path=ppt/slides/slide3.xml><?xml version="1.0" encoding="utf-8"?>
+<p:sld xmlns:a="http://schemas.openxmlformats.org/drawingml/2006/main" xmlns:r="http://schemas.openxmlformats.org/officeDocument/2006/relationships" xmlns:p="http://schemas.openxmlformats.org/presentationml/2006/main">
+  <p:cSld>
+    <p:bg>
+      <p:bgPr>
+        <a:solidFill>
+          <a:schemeClr val="bg1"/>
+        </a:solidFill>
+        <a:effectLst/>
+      </p:bgPr>
+    </p:bg>
+    <p:spTree>
+      <p:nvGrpSpPr>
+        <p:cNvPr id="1" name=""/>
+        <p:cNvGrpSpPr/>
+        <p:nvPr/>
+      </p:nvGrpSpPr>
+      <p:grpSpPr>
+        <a:xfrm>
+          <a:off x="0" y="0"/>
+          <a:ext cx="0" cy="0"/>
+          <a:chOff x="0" y="0"/>
+          <a:chExt cx="0" cy="0"/>
+        </a:xfrm>
+      </p:grpSpPr>
+      <p:sp useBgFill="1">
+        <p:nvSpPr>
+          <p:cNvPr id="5" name="Rectangle 7">
+            <a:extLst>
+              <a:ext uri="{FF2B5EF4-FFF2-40B4-BE49-F238E27FC236}">
+                <a16:creationId xmlns:a16="http://schemas.microsoft.com/office/drawing/2014/main" id="{429917F3-0560-4C6F-B265-458B218C4B87}"/>
+              </a:ext>
+              <a:ext uri="{C183D7F6-B498-43B3-948B-1728B52AA6E4}">
+                <adec:decorative xmlns:adec="http://schemas.microsoft.com/office/drawing/2017/decorative" val="1"/>
+              </a:ext>
+            </a:extLst>
+          </p:cNvPr>
+          <p:cNvSpPr>
+            <a:spLocks noGrp="1" noRot="1" noChangeAspect="1" noMove="1" noResize="1" noEditPoints="1" noAdjustHandles="1" noChangeArrowheads="1" noChangeShapeType="1" noTextEdit="1"/>
+          </p:cNvSpPr>
+          <p:nvPr>
+            <p:extLst>
+              <p:ext uri="{386F3935-93C4-4BCD-93E2-E3B085C9AB24}">
+                <p16:designElem xmlns:p16="http://schemas.microsoft.com/office/powerpoint/2015/main" val="1"/>
+              </p:ext>
+            </p:extLst>
+          </p:nvPr>
+        </p:nvSpPr>
+        <p:spPr>
+          <a:xfrm>
+            <a:off x="0" y="1"/>
+            <a:ext cx="12192000" cy="6857999"/>
+          </a:xfrm>
+          <a:prstGeom prst="rect">
             <a:avLst/>
-            <a:gdLst>
-              <a:gd name="connsiteX0" fmla="*/ 0 w 4167271"/>
-              <a:gd name="connsiteY0" fmla="*/ 0 h 6858000"/>
-              <a:gd name="connsiteX1" fmla="*/ 2259550 w 4167271"/>
-              <a:gd name="connsiteY1" fmla="*/ 0 h 6858000"/>
-              <a:gd name="connsiteX2" fmla="*/ 2387803 w 4167271"/>
-              <a:gd name="connsiteY2" fmla="*/ 82222 h 6858000"/>
-              <a:gd name="connsiteX3" fmla="*/ 4167271 w 4167271"/>
-              <a:gd name="connsiteY3" fmla="*/ 3429000 h 6858000"/>
-              <a:gd name="connsiteX4" fmla="*/ 2387803 w 4167271"/>
-              <a:gd name="connsiteY4" fmla="*/ 6775779 h 6858000"/>
-              <a:gd name="connsiteX5" fmla="*/ 2259550 w 4167271"/>
-              <a:gd name="connsiteY5" fmla="*/ 6858000 h 6858000"/>
-              <a:gd name="connsiteX6" fmla="*/ 0 w 4167271"/>
-              <a:gd name="connsiteY6" fmla="*/ 6858000 h 6858000"/>
-            </a:gdLst>
-            <a:ahLst/>
-            <a:cxnLst>
-              <a:cxn ang="0">
-                <a:pos x="connsiteX0" y="connsiteY0"/>
-              </a:cxn>
-              <a:cxn ang="0">
-                <a:pos x="connsiteX1" y="connsiteY1"/>
-              </a:cxn>
-              <a:cxn ang="0">
-                <a:pos x="connsiteX2" y="connsiteY2"/>
-              </a:cxn>
-              <a:cxn ang="0">
-                <a:pos x="connsiteX3" y="connsiteY3"/>
-              </a:cxn>
-              <a:cxn ang="0">
-                <a:pos x="connsiteX4" y="connsiteY4"/>
-              </a:cxn>
-              <a:cxn ang="0">
-                <a:pos x="connsiteX5" y="connsiteY5"/>
-              </a:cxn>
-              <a:cxn ang="0">
-                <a:pos x="connsiteX6" y="connsiteY6"/>
-              </a:cxn>
-            </a:cxnLst>
-            <a:rect l="l" t="t" r="r" b="b"/>
-            <a:pathLst>
-              <a:path w="4167271" h="6858000">
-                <a:moveTo>
-                  <a:pt x="0" y="0"/>
-                </a:moveTo>
-                <a:lnTo>
-                  <a:pt x="2259550" y="0"/>
-                </a:lnTo>
-                <a:lnTo>
-                  <a:pt x="2387803" y="82222"/>
-                </a:lnTo>
-                <a:cubicBezTo>
-                  <a:pt x="3461407" y="807534"/>
-                  <a:pt x="4167271" y="2035835"/>
-                  <a:pt x="4167271" y="3429000"/>
-                </a:cubicBezTo>
-                <a:cubicBezTo>
-                  <a:pt x="4167271" y="4822165"/>
-                  <a:pt x="3461407" y="6050467"/>
-                  <a:pt x="2387803" y="6775779"/>
-                </a:cubicBezTo>
-                <a:lnTo>
-                  <a:pt x="2259550" y="6858000"/>
-                </a:lnTo>
-                <a:lnTo>
-                  <a:pt x="0" y="6858000"/>
-                </a:lnTo>
-                <a:close/>
-              </a:path>
-            </a:pathLst>
-          </a:custGeom>
-          <a:solidFill>
-            <a:schemeClr val="accent2"/>
-          </a:solidFill>
+          </a:prstGeom>
           <a:ln>
             <a:noFill/>
           </a:ln>
@@ -4129,7 +6011,7 @@
           <p:cNvPr id="2" name="Title 1">
             <a:extLst>
               <a:ext uri="{FF2B5EF4-FFF2-40B4-BE49-F238E27FC236}">
-                <a16:creationId xmlns:a16="http://schemas.microsoft.com/office/drawing/2014/main" id="{0B41C563-86AE-EF40-A171-A1435A87F990}"/>
+                <a16:creationId xmlns:a16="http://schemas.microsoft.com/office/drawing/2014/main" id="{864B5079-9440-9847-903F-FAD5DEC53ECB}"/>
               </a:ext>
             </a:extLst>
           </p:cNvPr>
@@ -4142,42 +6024,38 @@
         </p:nvSpPr>
         <p:spPr>
           <a:xfrm>
-            <a:off x="686834" y="1153572"/>
-            <a:ext cx="3200400" cy="4461163"/>
+            <a:off x="1271588" y="662401"/>
+            <a:ext cx="10055721" cy="556800"/>
           </a:xfrm>
         </p:spPr>
         <p:txBody>
-          <a:bodyPr>
-            <a:normAutofit/>
+          <a:bodyPr anchor="t">
+            <a:noAutofit/>
           </a:bodyPr>
           <a:lstStyle/>
           <a:p>
             <a:r>
-              <a:rPr lang="en-US">
-                <a:solidFill>
-                  <a:srgbClr val="FFFFFF"/>
-                </a:solidFill>
-              </a:rPr>
-              <a:t>Agenda</a:t>
+              <a:rPr lang="en-US" sz="3600" b="1" dirty="0"/>
+              <a:t>Capture and parse VPC flow logs</a:t>
             </a:r>
           </a:p>
         </p:txBody>
       </p:sp>
-      <p:sp>
-        <p:nvSpPr>
-          <p:cNvPr id="21" name="Arc 20">
-            <a:extLst>
-              <a:ext uri="{FF2B5EF4-FFF2-40B4-BE49-F238E27FC236}">
-                <a16:creationId xmlns:a16="http://schemas.microsoft.com/office/drawing/2014/main" id="{081E4A58-353D-44AE-B2FC-2A74E2E400F7}"/>
+      <p:grpSp>
+        <p:nvGrpSpPr>
+          <p:cNvPr id="10" name="Group 9">
+            <a:extLst>
+              <a:ext uri="{FF2B5EF4-FFF2-40B4-BE49-F238E27FC236}">
+                <a16:creationId xmlns:a16="http://schemas.microsoft.com/office/drawing/2014/main" id="{AA39BAE7-7EB8-4E22-BCBB-F00F514DB7EA}"/>
               </a:ext>
               <a:ext uri="{C183D7F6-B498-43B3-948B-1728B52AA6E4}">
                 <adec:decorative xmlns:adec="http://schemas.microsoft.com/office/drawing/2017/decorative" val="1"/>
               </a:ext>
             </a:extLst>
           </p:cNvPr>
-          <p:cNvSpPr>
-            <a:spLocks noGrp="1" noRot="1" noChangeAspect="1" noMove="1" noResize="1" noEditPoints="1" noAdjustHandles="1" noChangeArrowheads="1" noChangeShapeType="1" noTextEdit="1"/>
-          </p:cNvSpPr>
+          <p:cNvGrpSpPr>
+            <a:grpSpLocks noGrp="1" noUngrp="1" noRot="1" noChangeAspect="1" noMove="1" noResize="1"/>
+          </p:cNvGrpSpPr>
           <p:nvPr>
             <p:extLst>
               <p:ext uri="{386F3935-93C4-4BCD-93E2-E3B085C9AB24}">
@@ -4185,51 +6063,983 @@
               </p:ext>
             </p:extLst>
           </p:nvPr>
-        </p:nvSpPr>
-        <p:spPr>
-          <a:xfrm flipV="1">
-            <a:off x="7550402" y="2455479"/>
-            <a:ext cx="4083433" cy="4083433"/>
+        </p:nvGrpSpPr>
+        <p:grpSpPr>
+          <a:xfrm>
+            <a:off x="0" y="0"/>
+            <a:ext cx="885825" cy="6858000"/>
+            <a:chOff x="0" y="0"/>
+            <a:chExt cx="885825" cy="6858000"/>
           </a:xfrm>
-          <a:prstGeom prst="arc">
-            <a:avLst/>
-          </a:prstGeom>
-          <a:ln w="127000" cap="rnd">
+        </p:grpSpPr>
+        <p:sp>
+          <p:nvSpPr>
+            <p:cNvPr id="11" name="Freeform 6">
+              <a:extLst>
+                <a:ext uri="{FF2B5EF4-FFF2-40B4-BE49-F238E27FC236}">
+                  <a16:creationId xmlns:a16="http://schemas.microsoft.com/office/drawing/2014/main" id="{CE476A00-9FF6-4B98-9E5C-7A22D8F59C4A}"/>
+                </a:ext>
+                <a:ext uri="{C183D7F6-B498-43B3-948B-1728B52AA6E4}">
+                  <adec:decorative xmlns:adec="http://schemas.microsoft.com/office/drawing/2017/decorative" val="1"/>
+                </a:ext>
+              </a:extLst>
+            </p:cNvPr>
+            <p:cNvSpPr/>
+            <p:nvPr>
+              <p:extLst>
+                <p:ext uri="{386F3935-93C4-4BCD-93E2-E3B085C9AB24}">
+                  <p16:designElem xmlns:p16="http://schemas.microsoft.com/office/powerpoint/2015/main" val="1"/>
+                </p:ext>
+              </p:extLst>
+            </p:nvPr>
+          </p:nvSpPr>
+          <p:spPr bwMode="auto">
+            <a:xfrm>
+              <a:off x="0" y="0"/>
+              <a:ext cx="885825" cy="6858000"/>
+            </a:xfrm>
+            <a:custGeom>
+              <a:avLst/>
+              <a:gdLst/>
+              <a:ahLst/>
+              <a:cxnLst/>
+              <a:rect l="0" t="0" r="r" b="b"/>
+              <a:pathLst>
+                <a:path w="558" h="4320">
+                  <a:moveTo>
+                    <a:pt x="0" y="0"/>
+                  </a:moveTo>
+                  <a:lnTo>
+                    <a:pt x="447" y="0"/>
+                  </a:lnTo>
+                  <a:lnTo>
+                    <a:pt x="448" y="43"/>
+                  </a:lnTo>
+                  <a:lnTo>
+                    <a:pt x="453" y="81"/>
+                  </a:lnTo>
+                  <a:lnTo>
+                    <a:pt x="460" y="114"/>
+                  </a:lnTo>
+                  <a:lnTo>
+                    <a:pt x="469" y="143"/>
+                  </a:lnTo>
+                  <a:lnTo>
+                    <a:pt x="479" y="169"/>
+                  </a:lnTo>
+                  <a:lnTo>
+                    <a:pt x="491" y="192"/>
+                  </a:lnTo>
+                  <a:lnTo>
+                    <a:pt x="503" y="216"/>
+                  </a:lnTo>
+                  <a:lnTo>
+                    <a:pt x="515" y="240"/>
+                  </a:lnTo>
+                  <a:lnTo>
+                    <a:pt x="525" y="263"/>
+                  </a:lnTo>
+                  <a:lnTo>
+                    <a:pt x="535" y="289"/>
+                  </a:lnTo>
+                  <a:lnTo>
+                    <a:pt x="545" y="318"/>
+                  </a:lnTo>
+                  <a:lnTo>
+                    <a:pt x="552" y="351"/>
+                  </a:lnTo>
+                  <a:lnTo>
+                    <a:pt x="556" y="389"/>
+                  </a:lnTo>
+                  <a:lnTo>
+                    <a:pt x="558" y="432"/>
+                  </a:lnTo>
+                  <a:lnTo>
+                    <a:pt x="556" y="475"/>
+                  </a:lnTo>
+                  <a:lnTo>
+                    <a:pt x="552" y="513"/>
+                  </a:lnTo>
+                  <a:lnTo>
+                    <a:pt x="545" y="546"/>
+                  </a:lnTo>
+                  <a:lnTo>
+                    <a:pt x="535" y="575"/>
+                  </a:lnTo>
+                  <a:lnTo>
+                    <a:pt x="525" y="601"/>
+                  </a:lnTo>
+                  <a:lnTo>
+                    <a:pt x="515" y="624"/>
+                  </a:lnTo>
+                  <a:lnTo>
+                    <a:pt x="503" y="648"/>
+                  </a:lnTo>
+                  <a:lnTo>
+                    <a:pt x="491" y="672"/>
+                  </a:lnTo>
+                  <a:lnTo>
+                    <a:pt x="479" y="695"/>
+                  </a:lnTo>
+                  <a:lnTo>
+                    <a:pt x="469" y="721"/>
+                  </a:lnTo>
+                  <a:lnTo>
+                    <a:pt x="460" y="750"/>
+                  </a:lnTo>
+                  <a:lnTo>
+                    <a:pt x="453" y="783"/>
+                  </a:lnTo>
+                  <a:lnTo>
+                    <a:pt x="448" y="821"/>
+                  </a:lnTo>
+                  <a:lnTo>
+                    <a:pt x="447" y="864"/>
+                  </a:lnTo>
+                  <a:lnTo>
+                    <a:pt x="448" y="907"/>
+                  </a:lnTo>
+                  <a:lnTo>
+                    <a:pt x="453" y="945"/>
+                  </a:lnTo>
+                  <a:lnTo>
+                    <a:pt x="460" y="978"/>
+                  </a:lnTo>
+                  <a:lnTo>
+                    <a:pt x="469" y="1007"/>
+                  </a:lnTo>
+                  <a:lnTo>
+                    <a:pt x="479" y="1033"/>
+                  </a:lnTo>
+                  <a:lnTo>
+                    <a:pt x="491" y="1056"/>
+                  </a:lnTo>
+                  <a:lnTo>
+                    <a:pt x="503" y="1080"/>
+                  </a:lnTo>
+                  <a:lnTo>
+                    <a:pt x="515" y="1104"/>
+                  </a:lnTo>
+                  <a:lnTo>
+                    <a:pt x="525" y="1127"/>
+                  </a:lnTo>
+                  <a:lnTo>
+                    <a:pt x="535" y="1153"/>
+                  </a:lnTo>
+                  <a:lnTo>
+                    <a:pt x="545" y="1182"/>
+                  </a:lnTo>
+                  <a:lnTo>
+                    <a:pt x="552" y="1215"/>
+                  </a:lnTo>
+                  <a:lnTo>
+                    <a:pt x="556" y="1253"/>
+                  </a:lnTo>
+                  <a:lnTo>
+                    <a:pt x="558" y="1296"/>
+                  </a:lnTo>
+                  <a:lnTo>
+                    <a:pt x="556" y="1339"/>
+                  </a:lnTo>
+                  <a:lnTo>
+                    <a:pt x="552" y="1377"/>
+                  </a:lnTo>
+                  <a:lnTo>
+                    <a:pt x="545" y="1410"/>
+                  </a:lnTo>
+                  <a:lnTo>
+                    <a:pt x="535" y="1439"/>
+                  </a:lnTo>
+                  <a:lnTo>
+                    <a:pt x="525" y="1465"/>
+                  </a:lnTo>
+                  <a:lnTo>
+                    <a:pt x="515" y="1488"/>
+                  </a:lnTo>
+                  <a:lnTo>
+                    <a:pt x="503" y="1512"/>
+                  </a:lnTo>
+                  <a:lnTo>
+                    <a:pt x="491" y="1536"/>
+                  </a:lnTo>
+                  <a:lnTo>
+                    <a:pt x="479" y="1559"/>
+                  </a:lnTo>
+                  <a:lnTo>
+                    <a:pt x="469" y="1585"/>
+                  </a:lnTo>
+                  <a:lnTo>
+                    <a:pt x="460" y="1614"/>
+                  </a:lnTo>
+                  <a:lnTo>
+                    <a:pt x="453" y="1647"/>
+                  </a:lnTo>
+                  <a:lnTo>
+                    <a:pt x="448" y="1685"/>
+                  </a:lnTo>
+                  <a:lnTo>
+                    <a:pt x="447" y="1728"/>
+                  </a:lnTo>
+                  <a:lnTo>
+                    <a:pt x="448" y="1771"/>
+                  </a:lnTo>
+                  <a:lnTo>
+                    <a:pt x="453" y="1809"/>
+                  </a:lnTo>
+                  <a:lnTo>
+                    <a:pt x="460" y="1842"/>
+                  </a:lnTo>
+                  <a:lnTo>
+                    <a:pt x="469" y="1871"/>
+                  </a:lnTo>
+                  <a:lnTo>
+                    <a:pt x="479" y="1897"/>
+                  </a:lnTo>
+                  <a:lnTo>
+                    <a:pt x="491" y="1920"/>
+                  </a:lnTo>
+                  <a:lnTo>
+                    <a:pt x="503" y="1944"/>
+                  </a:lnTo>
+                  <a:lnTo>
+                    <a:pt x="515" y="1968"/>
+                  </a:lnTo>
+                  <a:lnTo>
+                    <a:pt x="525" y="1991"/>
+                  </a:lnTo>
+                  <a:lnTo>
+                    <a:pt x="535" y="2017"/>
+                  </a:lnTo>
+                  <a:lnTo>
+                    <a:pt x="545" y="2046"/>
+                  </a:lnTo>
+                  <a:lnTo>
+                    <a:pt x="552" y="2079"/>
+                  </a:lnTo>
+                  <a:lnTo>
+                    <a:pt x="556" y="2117"/>
+                  </a:lnTo>
+                  <a:lnTo>
+                    <a:pt x="558" y="2159"/>
+                  </a:lnTo>
+                  <a:lnTo>
+                    <a:pt x="556" y="2203"/>
+                  </a:lnTo>
+                  <a:lnTo>
+                    <a:pt x="552" y="2241"/>
+                  </a:lnTo>
+                  <a:lnTo>
+                    <a:pt x="545" y="2274"/>
+                  </a:lnTo>
+                  <a:lnTo>
+                    <a:pt x="535" y="2303"/>
+                  </a:lnTo>
+                  <a:lnTo>
+                    <a:pt x="525" y="2329"/>
+                  </a:lnTo>
+                  <a:lnTo>
+                    <a:pt x="515" y="2352"/>
+                  </a:lnTo>
+                  <a:lnTo>
+                    <a:pt x="503" y="2376"/>
+                  </a:lnTo>
+                  <a:lnTo>
+                    <a:pt x="491" y="2400"/>
+                  </a:lnTo>
+                  <a:lnTo>
+                    <a:pt x="479" y="2423"/>
+                  </a:lnTo>
+                  <a:lnTo>
+                    <a:pt x="469" y="2449"/>
+                  </a:lnTo>
+                  <a:lnTo>
+                    <a:pt x="460" y="2478"/>
+                  </a:lnTo>
+                  <a:lnTo>
+                    <a:pt x="453" y="2511"/>
+                  </a:lnTo>
+                  <a:lnTo>
+                    <a:pt x="448" y="2549"/>
+                  </a:lnTo>
+                  <a:lnTo>
+                    <a:pt x="447" y="2592"/>
+                  </a:lnTo>
+                  <a:lnTo>
+                    <a:pt x="448" y="2635"/>
+                  </a:lnTo>
+                  <a:lnTo>
+                    <a:pt x="453" y="2673"/>
+                  </a:lnTo>
+                  <a:lnTo>
+                    <a:pt x="460" y="2706"/>
+                  </a:lnTo>
+                  <a:lnTo>
+                    <a:pt x="469" y="2735"/>
+                  </a:lnTo>
+                  <a:lnTo>
+                    <a:pt x="479" y="2761"/>
+                  </a:lnTo>
+                  <a:lnTo>
+                    <a:pt x="491" y="2784"/>
+                  </a:lnTo>
+                  <a:lnTo>
+                    <a:pt x="515" y="2832"/>
+                  </a:lnTo>
+                  <a:lnTo>
+                    <a:pt x="525" y="2855"/>
+                  </a:lnTo>
+                  <a:lnTo>
+                    <a:pt x="535" y="2881"/>
+                  </a:lnTo>
+                  <a:lnTo>
+                    <a:pt x="545" y="2910"/>
+                  </a:lnTo>
+                  <a:lnTo>
+                    <a:pt x="552" y="2943"/>
+                  </a:lnTo>
+                  <a:lnTo>
+                    <a:pt x="556" y="2981"/>
+                  </a:lnTo>
+                  <a:lnTo>
+                    <a:pt x="558" y="3024"/>
+                  </a:lnTo>
+                  <a:lnTo>
+                    <a:pt x="556" y="3067"/>
+                  </a:lnTo>
+                  <a:lnTo>
+                    <a:pt x="552" y="3105"/>
+                  </a:lnTo>
+                  <a:lnTo>
+                    <a:pt x="545" y="3138"/>
+                  </a:lnTo>
+                  <a:lnTo>
+                    <a:pt x="535" y="3167"/>
+                  </a:lnTo>
+                  <a:lnTo>
+                    <a:pt x="525" y="3193"/>
+                  </a:lnTo>
+                  <a:lnTo>
+                    <a:pt x="515" y="3216"/>
+                  </a:lnTo>
+                  <a:lnTo>
+                    <a:pt x="503" y="3240"/>
+                  </a:lnTo>
+                  <a:lnTo>
+                    <a:pt x="491" y="3264"/>
+                  </a:lnTo>
+                  <a:lnTo>
+                    <a:pt x="479" y="3287"/>
+                  </a:lnTo>
+                  <a:lnTo>
+                    <a:pt x="469" y="3313"/>
+                  </a:lnTo>
+                  <a:lnTo>
+                    <a:pt x="460" y="3342"/>
+                  </a:lnTo>
+                  <a:lnTo>
+                    <a:pt x="453" y="3375"/>
+                  </a:lnTo>
+                  <a:lnTo>
+                    <a:pt x="448" y="3413"/>
+                  </a:lnTo>
+                  <a:lnTo>
+                    <a:pt x="447" y="3456"/>
+                  </a:lnTo>
+                  <a:lnTo>
+                    <a:pt x="448" y="3499"/>
+                  </a:lnTo>
+                  <a:lnTo>
+                    <a:pt x="453" y="3537"/>
+                  </a:lnTo>
+                  <a:lnTo>
+                    <a:pt x="460" y="3570"/>
+                  </a:lnTo>
+                  <a:lnTo>
+                    <a:pt x="469" y="3599"/>
+                  </a:lnTo>
+                  <a:lnTo>
+                    <a:pt x="479" y="3625"/>
+                  </a:lnTo>
+                  <a:lnTo>
+                    <a:pt x="491" y="3648"/>
+                  </a:lnTo>
+                  <a:lnTo>
+                    <a:pt x="503" y="3672"/>
+                  </a:lnTo>
+                  <a:lnTo>
+                    <a:pt x="515" y="3696"/>
+                  </a:lnTo>
+                  <a:lnTo>
+                    <a:pt x="525" y="3719"/>
+                  </a:lnTo>
+                  <a:lnTo>
+                    <a:pt x="535" y="3745"/>
+                  </a:lnTo>
+                  <a:lnTo>
+                    <a:pt x="545" y="3774"/>
+                  </a:lnTo>
+                  <a:lnTo>
+                    <a:pt x="552" y="3807"/>
+                  </a:lnTo>
+                  <a:lnTo>
+                    <a:pt x="556" y="3845"/>
+                  </a:lnTo>
+                  <a:lnTo>
+                    <a:pt x="558" y="3888"/>
+                  </a:lnTo>
+                  <a:lnTo>
+                    <a:pt x="556" y="3931"/>
+                  </a:lnTo>
+                  <a:lnTo>
+                    <a:pt x="552" y="3969"/>
+                  </a:lnTo>
+                  <a:lnTo>
+                    <a:pt x="545" y="4002"/>
+                  </a:lnTo>
+                  <a:lnTo>
+                    <a:pt x="535" y="4031"/>
+                  </a:lnTo>
+                  <a:lnTo>
+                    <a:pt x="525" y="4057"/>
+                  </a:lnTo>
+                  <a:lnTo>
+                    <a:pt x="515" y="4080"/>
+                  </a:lnTo>
+                  <a:lnTo>
+                    <a:pt x="503" y="4104"/>
+                  </a:lnTo>
+                  <a:lnTo>
+                    <a:pt x="491" y="4128"/>
+                  </a:lnTo>
+                  <a:lnTo>
+                    <a:pt x="479" y="4151"/>
+                  </a:lnTo>
+                  <a:lnTo>
+                    <a:pt x="469" y="4177"/>
+                  </a:lnTo>
+                  <a:lnTo>
+                    <a:pt x="460" y="4206"/>
+                  </a:lnTo>
+                  <a:lnTo>
+                    <a:pt x="453" y="4239"/>
+                  </a:lnTo>
+                  <a:lnTo>
+                    <a:pt x="448" y="4277"/>
+                  </a:lnTo>
+                  <a:lnTo>
+                    <a:pt x="447" y="4320"/>
+                  </a:lnTo>
+                  <a:lnTo>
+                    <a:pt x="0" y="4320"/>
+                  </a:lnTo>
+                  <a:lnTo>
+                    <a:pt x="0" y="0"/>
+                  </a:lnTo>
+                  <a:close/>
+                </a:path>
+              </a:pathLst>
+            </a:custGeom>
             <a:solidFill>
-              <a:schemeClr val="accent4"/>
+              <a:srgbClr val="FFFFFF"/>
             </a:solidFill>
-            <a:prstDash val="dash"/>
-          </a:ln>
-        </p:spPr>
-        <p:style>
-          <a:lnRef idx="1">
-            <a:schemeClr val="accent1"/>
-          </a:lnRef>
-          <a:fillRef idx="0">
-            <a:schemeClr val="accent1"/>
-          </a:fillRef>
-          <a:effectRef idx="0">
-            <a:schemeClr val="accent1"/>
-          </a:effectRef>
-          <a:fontRef idx="minor">
-            <a:schemeClr val="tx1"/>
-          </a:fontRef>
-        </p:style>
-        <p:txBody>
-          <a:bodyPr rtlCol="0" anchor="ctr"/>
-          <a:lstStyle/>
-          <a:p>
-            <a:pPr algn="ctr"/>
-            <a:endParaRPr lang="en-US" dirty="0"/>
-          </a:p>
-        </p:txBody>
-      </p:sp>
+            <a:ln w="0">
+              <a:noFill/>
+              <a:prstDash val="solid"/>
+              <a:round/>
+              <a:headEnd/>
+              <a:tailEnd/>
+            </a:ln>
+          </p:spPr>
+        </p:sp>
+        <p:sp>
+          <p:nvSpPr>
+            <p:cNvPr id="12" name="Freeform 6">
+              <a:extLst>
+                <a:ext uri="{FF2B5EF4-FFF2-40B4-BE49-F238E27FC236}">
+                  <a16:creationId xmlns:a16="http://schemas.microsoft.com/office/drawing/2014/main" id="{8F0632CB-5E59-4727-9C88-4537512D563B}"/>
+                </a:ext>
+                <a:ext uri="{C183D7F6-B498-43B3-948B-1728B52AA6E4}">
+                  <adec:decorative xmlns:adec="http://schemas.microsoft.com/office/drawing/2017/decorative" val="1"/>
+                </a:ext>
+              </a:extLst>
+            </p:cNvPr>
+            <p:cNvSpPr/>
+            <p:nvPr>
+              <p:extLst>
+                <p:ext uri="{386F3935-93C4-4BCD-93E2-E3B085C9AB24}">
+                  <p16:designElem xmlns:p16="http://schemas.microsoft.com/office/powerpoint/2015/main" val="1"/>
+                </p:ext>
+              </p:extLst>
+            </p:nvPr>
+          </p:nvSpPr>
+          <p:spPr bwMode="auto">
+            <a:xfrm>
+              <a:off x="0" y="0"/>
+              <a:ext cx="885825" cy="6858000"/>
+            </a:xfrm>
+            <a:custGeom>
+              <a:avLst/>
+              <a:gdLst/>
+              <a:ahLst/>
+              <a:cxnLst/>
+              <a:rect l="0" t="0" r="r" b="b"/>
+              <a:pathLst>
+                <a:path w="558" h="4320">
+                  <a:moveTo>
+                    <a:pt x="0" y="0"/>
+                  </a:moveTo>
+                  <a:lnTo>
+                    <a:pt x="447" y="0"/>
+                  </a:lnTo>
+                  <a:lnTo>
+                    <a:pt x="448" y="43"/>
+                  </a:lnTo>
+                  <a:lnTo>
+                    <a:pt x="453" y="81"/>
+                  </a:lnTo>
+                  <a:lnTo>
+                    <a:pt x="460" y="114"/>
+                  </a:lnTo>
+                  <a:lnTo>
+                    <a:pt x="469" y="143"/>
+                  </a:lnTo>
+                  <a:lnTo>
+                    <a:pt x="479" y="169"/>
+                  </a:lnTo>
+                  <a:lnTo>
+                    <a:pt x="491" y="192"/>
+                  </a:lnTo>
+                  <a:lnTo>
+                    <a:pt x="503" y="216"/>
+                  </a:lnTo>
+                  <a:lnTo>
+                    <a:pt x="515" y="240"/>
+                  </a:lnTo>
+                  <a:lnTo>
+                    <a:pt x="525" y="263"/>
+                  </a:lnTo>
+                  <a:lnTo>
+                    <a:pt x="535" y="289"/>
+                  </a:lnTo>
+                  <a:lnTo>
+                    <a:pt x="545" y="318"/>
+                  </a:lnTo>
+                  <a:lnTo>
+                    <a:pt x="552" y="351"/>
+                  </a:lnTo>
+                  <a:lnTo>
+                    <a:pt x="556" y="389"/>
+                  </a:lnTo>
+                  <a:lnTo>
+                    <a:pt x="558" y="432"/>
+                  </a:lnTo>
+                  <a:lnTo>
+                    <a:pt x="556" y="475"/>
+                  </a:lnTo>
+                  <a:lnTo>
+                    <a:pt x="552" y="513"/>
+                  </a:lnTo>
+                  <a:lnTo>
+                    <a:pt x="545" y="546"/>
+                  </a:lnTo>
+                  <a:lnTo>
+                    <a:pt x="535" y="575"/>
+                  </a:lnTo>
+                  <a:lnTo>
+                    <a:pt x="525" y="601"/>
+                  </a:lnTo>
+                  <a:lnTo>
+                    <a:pt x="515" y="624"/>
+                  </a:lnTo>
+                  <a:lnTo>
+                    <a:pt x="503" y="648"/>
+                  </a:lnTo>
+                  <a:lnTo>
+                    <a:pt x="491" y="672"/>
+                  </a:lnTo>
+                  <a:lnTo>
+                    <a:pt x="479" y="695"/>
+                  </a:lnTo>
+                  <a:lnTo>
+                    <a:pt x="469" y="721"/>
+                  </a:lnTo>
+                  <a:lnTo>
+                    <a:pt x="460" y="750"/>
+                  </a:lnTo>
+                  <a:lnTo>
+                    <a:pt x="453" y="783"/>
+                  </a:lnTo>
+                  <a:lnTo>
+                    <a:pt x="448" y="821"/>
+                  </a:lnTo>
+                  <a:lnTo>
+                    <a:pt x="447" y="864"/>
+                  </a:lnTo>
+                  <a:lnTo>
+                    <a:pt x="448" y="907"/>
+                  </a:lnTo>
+                  <a:lnTo>
+                    <a:pt x="453" y="945"/>
+                  </a:lnTo>
+                  <a:lnTo>
+                    <a:pt x="460" y="978"/>
+                  </a:lnTo>
+                  <a:lnTo>
+                    <a:pt x="469" y="1007"/>
+                  </a:lnTo>
+                  <a:lnTo>
+                    <a:pt x="479" y="1033"/>
+                  </a:lnTo>
+                  <a:lnTo>
+                    <a:pt x="491" y="1056"/>
+                  </a:lnTo>
+                  <a:lnTo>
+                    <a:pt x="503" y="1080"/>
+                  </a:lnTo>
+                  <a:lnTo>
+                    <a:pt x="515" y="1104"/>
+                  </a:lnTo>
+                  <a:lnTo>
+                    <a:pt x="525" y="1127"/>
+                  </a:lnTo>
+                  <a:lnTo>
+                    <a:pt x="535" y="1153"/>
+                  </a:lnTo>
+                  <a:lnTo>
+                    <a:pt x="545" y="1182"/>
+                  </a:lnTo>
+                  <a:lnTo>
+                    <a:pt x="552" y="1215"/>
+                  </a:lnTo>
+                  <a:lnTo>
+                    <a:pt x="556" y="1253"/>
+                  </a:lnTo>
+                  <a:lnTo>
+                    <a:pt x="558" y="1296"/>
+                  </a:lnTo>
+                  <a:lnTo>
+                    <a:pt x="556" y="1339"/>
+                  </a:lnTo>
+                  <a:lnTo>
+                    <a:pt x="552" y="1377"/>
+                  </a:lnTo>
+                  <a:lnTo>
+                    <a:pt x="545" y="1410"/>
+                  </a:lnTo>
+                  <a:lnTo>
+                    <a:pt x="535" y="1439"/>
+                  </a:lnTo>
+                  <a:lnTo>
+                    <a:pt x="525" y="1465"/>
+                  </a:lnTo>
+                  <a:lnTo>
+                    <a:pt x="515" y="1488"/>
+                  </a:lnTo>
+                  <a:lnTo>
+                    <a:pt x="503" y="1512"/>
+                  </a:lnTo>
+                  <a:lnTo>
+                    <a:pt x="491" y="1536"/>
+                  </a:lnTo>
+                  <a:lnTo>
+                    <a:pt x="479" y="1559"/>
+                  </a:lnTo>
+                  <a:lnTo>
+                    <a:pt x="469" y="1585"/>
+                  </a:lnTo>
+                  <a:lnTo>
+                    <a:pt x="460" y="1614"/>
+                  </a:lnTo>
+                  <a:lnTo>
+                    <a:pt x="453" y="1647"/>
+                  </a:lnTo>
+                  <a:lnTo>
+                    <a:pt x="448" y="1685"/>
+                  </a:lnTo>
+                  <a:lnTo>
+                    <a:pt x="447" y="1728"/>
+                  </a:lnTo>
+                  <a:lnTo>
+                    <a:pt x="448" y="1771"/>
+                  </a:lnTo>
+                  <a:lnTo>
+                    <a:pt x="453" y="1809"/>
+                  </a:lnTo>
+                  <a:lnTo>
+                    <a:pt x="460" y="1842"/>
+                  </a:lnTo>
+                  <a:lnTo>
+                    <a:pt x="469" y="1871"/>
+                  </a:lnTo>
+                  <a:lnTo>
+                    <a:pt x="479" y="1897"/>
+                  </a:lnTo>
+                  <a:lnTo>
+                    <a:pt x="491" y="1920"/>
+                  </a:lnTo>
+                  <a:lnTo>
+                    <a:pt x="503" y="1944"/>
+                  </a:lnTo>
+                  <a:lnTo>
+                    <a:pt x="515" y="1968"/>
+                  </a:lnTo>
+                  <a:lnTo>
+                    <a:pt x="525" y="1991"/>
+                  </a:lnTo>
+                  <a:lnTo>
+                    <a:pt x="535" y="2017"/>
+                  </a:lnTo>
+                  <a:lnTo>
+                    <a:pt x="545" y="2046"/>
+                  </a:lnTo>
+                  <a:lnTo>
+                    <a:pt x="552" y="2079"/>
+                  </a:lnTo>
+                  <a:lnTo>
+                    <a:pt x="556" y="2117"/>
+                  </a:lnTo>
+                  <a:lnTo>
+                    <a:pt x="558" y="2159"/>
+                  </a:lnTo>
+                  <a:lnTo>
+                    <a:pt x="556" y="2203"/>
+                  </a:lnTo>
+                  <a:lnTo>
+                    <a:pt x="552" y="2241"/>
+                  </a:lnTo>
+                  <a:lnTo>
+                    <a:pt x="545" y="2274"/>
+                  </a:lnTo>
+                  <a:lnTo>
+                    <a:pt x="535" y="2303"/>
+                  </a:lnTo>
+                  <a:lnTo>
+                    <a:pt x="525" y="2329"/>
+                  </a:lnTo>
+                  <a:lnTo>
+                    <a:pt x="515" y="2352"/>
+                  </a:lnTo>
+                  <a:lnTo>
+                    <a:pt x="503" y="2376"/>
+                  </a:lnTo>
+                  <a:lnTo>
+                    <a:pt x="491" y="2400"/>
+                  </a:lnTo>
+                  <a:lnTo>
+                    <a:pt x="479" y="2423"/>
+                  </a:lnTo>
+                  <a:lnTo>
+                    <a:pt x="469" y="2449"/>
+                  </a:lnTo>
+                  <a:lnTo>
+                    <a:pt x="460" y="2478"/>
+                  </a:lnTo>
+                  <a:lnTo>
+                    <a:pt x="453" y="2511"/>
+                  </a:lnTo>
+                  <a:lnTo>
+                    <a:pt x="448" y="2549"/>
+                  </a:lnTo>
+                  <a:lnTo>
+                    <a:pt x="447" y="2592"/>
+                  </a:lnTo>
+                  <a:lnTo>
+                    <a:pt x="448" y="2635"/>
+                  </a:lnTo>
+                  <a:lnTo>
+                    <a:pt x="453" y="2673"/>
+                  </a:lnTo>
+                  <a:lnTo>
+                    <a:pt x="460" y="2706"/>
+                  </a:lnTo>
+                  <a:lnTo>
+                    <a:pt x="469" y="2735"/>
+                  </a:lnTo>
+                  <a:lnTo>
+                    <a:pt x="479" y="2761"/>
+                  </a:lnTo>
+                  <a:lnTo>
+                    <a:pt x="491" y="2784"/>
+                  </a:lnTo>
+                  <a:lnTo>
+                    <a:pt x="515" y="2832"/>
+                  </a:lnTo>
+                  <a:lnTo>
+                    <a:pt x="525" y="2855"/>
+                  </a:lnTo>
+                  <a:lnTo>
+                    <a:pt x="535" y="2881"/>
+                  </a:lnTo>
+                  <a:lnTo>
+                    <a:pt x="545" y="2910"/>
+                  </a:lnTo>
+                  <a:lnTo>
+                    <a:pt x="552" y="2943"/>
+                  </a:lnTo>
+                  <a:lnTo>
+                    <a:pt x="556" y="2981"/>
+                  </a:lnTo>
+                  <a:lnTo>
+                    <a:pt x="558" y="3024"/>
+                  </a:lnTo>
+                  <a:lnTo>
+                    <a:pt x="556" y="3067"/>
+                  </a:lnTo>
+                  <a:lnTo>
+                    <a:pt x="552" y="3105"/>
+                  </a:lnTo>
+                  <a:lnTo>
+                    <a:pt x="545" y="3138"/>
+                  </a:lnTo>
+                  <a:lnTo>
+                    <a:pt x="535" y="3167"/>
+                  </a:lnTo>
+                  <a:lnTo>
+                    <a:pt x="525" y="3193"/>
+                  </a:lnTo>
+                  <a:lnTo>
+                    <a:pt x="515" y="3216"/>
+                  </a:lnTo>
+                  <a:lnTo>
+                    <a:pt x="503" y="3240"/>
+                  </a:lnTo>
+                  <a:lnTo>
+                    <a:pt x="491" y="3264"/>
+                  </a:lnTo>
+                  <a:lnTo>
+                    <a:pt x="479" y="3287"/>
+                  </a:lnTo>
+                  <a:lnTo>
+                    <a:pt x="469" y="3313"/>
+                  </a:lnTo>
+                  <a:lnTo>
+                    <a:pt x="460" y="3342"/>
+                  </a:lnTo>
+                  <a:lnTo>
+                    <a:pt x="453" y="3375"/>
+                  </a:lnTo>
+                  <a:lnTo>
+                    <a:pt x="448" y="3413"/>
+                  </a:lnTo>
+                  <a:lnTo>
+                    <a:pt x="447" y="3456"/>
+                  </a:lnTo>
+                  <a:lnTo>
+                    <a:pt x="448" y="3499"/>
+                  </a:lnTo>
+                  <a:lnTo>
+                    <a:pt x="453" y="3537"/>
+                  </a:lnTo>
+                  <a:lnTo>
+                    <a:pt x="460" y="3570"/>
+                  </a:lnTo>
+                  <a:lnTo>
+                    <a:pt x="469" y="3599"/>
+                  </a:lnTo>
+                  <a:lnTo>
+                    <a:pt x="479" y="3625"/>
+                  </a:lnTo>
+                  <a:lnTo>
+                    <a:pt x="491" y="3648"/>
+                  </a:lnTo>
+                  <a:lnTo>
+                    <a:pt x="503" y="3672"/>
+                  </a:lnTo>
+                  <a:lnTo>
+                    <a:pt x="515" y="3696"/>
+                  </a:lnTo>
+                  <a:lnTo>
+                    <a:pt x="525" y="3719"/>
+                  </a:lnTo>
+                  <a:lnTo>
+                    <a:pt x="535" y="3745"/>
+                  </a:lnTo>
+                  <a:lnTo>
+                    <a:pt x="545" y="3774"/>
+                  </a:lnTo>
+                  <a:lnTo>
+                    <a:pt x="552" y="3807"/>
+                  </a:lnTo>
+                  <a:lnTo>
+                    <a:pt x="556" y="3845"/>
+                  </a:lnTo>
+                  <a:lnTo>
+                    <a:pt x="558" y="3888"/>
+                  </a:lnTo>
+                  <a:lnTo>
+                    <a:pt x="556" y="3931"/>
+                  </a:lnTo>
+                  <a:lnTo>
+                    <a:pt x="552" y="3969"/>
+                  </a:lnTo>
+                  <a:lnTo>
+                    <a:pt x="545" y="4002"/>
+                  </a:lnTo>
+                  <a:lnTo>
+                    <a:pt x="535" y="4031"/>
+                  </a:lnTo>
+                  <a:lnTo>
+                    <a:pt x="525" y="4057"/>
+                  </a:lnTo>
+                  <a:lnTo>
+                    <a:pt x="515" y="4080"/>
+                  </a:lnTo>
+                  <a:lnTo>
+                    <a:pt x="503" y="4104"/>
+                  </a:lnTo>
+                  <a:lnTo>
+                    <a:pt x="491" y="4128"/>
+                  </a:lnTo>
+                  <a:lnTo>
+                    <a:pt x="479" y="4151"/>
+                  </a:lnTo>
+                  <a:lnTo>
+                    <a:pt x="469" y="4177"/>
+                  </a:lnTo>
+                  <a:lnTo>
+                    <a:pt x="460" y="4206"/>
+                  </a:lnTo>
+                  <a:lnTo>
+                    <a:pt x="453" y="4239"/>
+                  </a:lnTo>
+                  <a:lnTo>
+                    <a:pt x="448" y="4277"/>
+                  </a:lnTo>
+                  <a:lnTo>
+                    <a:pt x="447" y="4320"/>
+                  </a:lnTo>
+                  <a:lnTo>
+                    <a:pt x="0" y="4320"/>
+                  </a:lnTo>
+                  <a:lnTo>
+                    <a:pt x="0" y="0"/>
+                  </a:lnTo>
+                  <a:close/>
+                </a:path>
+              </a:pathLst>
+            </a:custGeom>
+            <a:solidFill>
+              <a:schemeClr val="accent1">
+                <a:lumMod val="50000"/>
+                <a:alpha val="25000"/>
+              </a:schemeClr>
+            </a:solidFill>
+            <a:ln w="0">
+              <a:noFill/>
+              <a:prstDash val="solid"/>
+              <a:round/>
+              <a:headEnd/>
+              <a:tailEnd/>
+            </a:ln>
+          </p:spPr>
+        </p:sp>
+      </p:grpSp>
       <p:sp>
         <p:nvSpPr>
           <p:cNvPr id="3" name="Content Placeholder 2">
             <a:extLst>
               <a:ext uri="{FF2B5EF4-FFF2-40B4-BE49-F238E27FC236}">
-                <a16:creationId xmlns:a16="http://schemas.microsoft.com/office/drawing/2014/main" id="{FADDB78F-FF7D-1F45-B462-56853B742040}"/>
+                <a16:creationId xmlns:a16="http://schemas.microsoft.com/office/drawing/2014/main" id="{5550F63A-FF86-B640-8528-EB1BACA537E4}"/>
               </a:ext>
             </a:extLst>
           </p:cNvPr>
@@ -4242,36 +7052,1287 @@
         </p:nvSpPr>
         <p:spPr>
           <a:xfrm>
-            <a:off x="4447308" y="591344"/>
-            <a:ext cx="6906491" cy="5585619"/>
+            <a:off x="1251678" y="2286001"/>
+            <a:ext cx="10089112" cy="3909599"/>
           </a:xfrm>
         </p:spPr>
         <p:txBody>
-          <a:bodyPr anchor="ctr">
+          <a:bodyPr>
             <a:normAutofit/>
           </a:bodyPr>
           <a:lstStyle/>
           <a:p>
+            <a:endParaRPr lang="en-US" sz="2000" dirty="0">
+              <a:solidFill>
+                <a:schemeClr val="tx1">
+                  <a:alpha val="60000"/>
+                </a:schemeClr>
+              </a:solidFill>
+            </a:endParaRPr>
+          </a:p>
+          <a:p>
+            <a:endParaRPr lang="en-US" sz="2000" dirty="0">
+              <a:solidFill>
+                <a:schemeClr val="tx1">
+                  <a:alpha val="60000"/>
+                </a:schemeClr>
+              </a:solidFill>
+            </a:endParaRPr>
+          </a:p>
+          <a:p>
+            <a:endParaRPr lang="en-US" sz="2000" dirty="0">
+              <a:solidFill>
+                <a:schemeClr val="tx1">
+                  <a:alpha val="60000"/>
+                </a:schemeClr>
+              </a:solidFill>
+            </a:endParaRPr>
+          </a:p>
+          <a:p>
+            <a:pPr marL="0" indent="0">
+              <a:buNone/>
+            </a:pPr>
+            <a:endParaRPr lang="en-US" sz="2000" dirty="0">
+              <a:solidFill>
+                <a:schemeClr val="tx1">
+                  <a:alpha val="60000"/>
+                </a:schemeClr>
+              </a:solidFill>
+            </a:endParaRPr>
+          </a:p>
+          <a:p>
+            <a:endParaRPr lang="en-US" sz="2000" dirty="0">
+              <a:solidFill>
+                <a:schemeClr val="tx1">
+                  <a:alpha val="60000"/>
+                </a:schemeClr>
+              </a:solidFill>
+            </a:endParaRPr>
+          </a:p>
+          <a:p>
+            <a:endParaRPr lang="en-US" sz="2000" dirty="0">
+              <a:solidFill>
+                <a:schemeClr val="tx1">
+                  <a:alpha val="60000"/>
+                </a:schemeClr>
+              </a:solidFill>
+            </a:endParaRPr>
+          </a:p>
+          <a:p>
+            <a:endParaRPr lang="en-US" sz="2000" dirty="0">
+              <a:solidFill>
+                <a:schemeClr val="tx1">
+                  <a:alpha val="60000"/>
+                </a:schemeClr>
+              </a:solidFill>
+            </a:endParaRPr>
+          </a:p>
+        </p:txBody>
+      </p:sp>
+      <p:sp>
+        <p:nvSpPr>
+          <p:cNvPr id="4" name="TextBox 3">
+            <a:extLst>
+              <a:ext uri="{FF2B5EF4-FFF2-40B4-BE49-F238E27FC236}">
+                <a16:creationId xmlns:a16="http://schemas.microsoft.com/office/drawing/2014/main" id="{8F71EF2D-4D3B-DC4E-96A0-C6BC6F10178B}"/>
+              </a:ext>
+            </a:extLst>
+          </p:cNvPr>
+          <p:cNvSpPr txBox="1"/>
+          <p:nvPr/>
+        </p:nvSpPr>
+        <p:spPr>
+          <a:xfrm>
+            <a:off x="1117600" y="2286001"/>
+            <a:ext cx="8926286" cy="2031325"/>
+          </a:xfrm>
+          <a:prstGeom prst="rect">
+            <a:avLst/>
+          </a:prstGeom>
+          <a:noFill/>
+        </p:spPr>
+        <p:txBody>
+          <a:bodyPr wrap="square" rtlCol="0">
+            <a:spAutoFit/>
+          </a:bodyPr>
+          <a:lstStyle/>
+          <a:p>
+            <a:pPr marL="285750" indent="-285750">
+              <a:buFont typeface="Arial" panose="020B0604020202020204" pitchFamily="34" charset="0"/>
+              <a:buChar char="•"/>
+            </a:pPr>
             <a:r>
-              <a:rPr lang="en-US"/>
-              <a:t>Meetup Purpose</a:t>
+              <a:rPr lang="en-US" dirty="0"/>
+              <a:t>Capture IP traffic going through your interfaces to assist with network troubleshooting or for security analysis.</a:t>
             </a:r>
           </a:p>
           <a:p>
-            <a:endParaRPr lang="en-US"/>
-          </a:p>
-          <a:p>
+            <a:pPr marL="285750" indent="-285750">
+              <a:buFont typeface="Arial" panose="020B0604020202020204" pitchFamily="34" charset="0"/>
+              <a:buChar char="•"/>
+            </a:pPr>
+            <a:endParaRPr lang="en-US" dirty="0"/>
+          </a:p>
+          <a:p>
+            <a:pPr marL="285750" indent="-285750">
+              <a:buFont typeface="Arial" panose="020B0604020202020204" pitchFamily="34" charset="0"/>
+              <a:buChar char="•"/>
+            </a:pPr>
             <a:r>
-              <a:rPr lang="en-US"/>
-              <a:t> Overview of how to use the BOTO3 API to automate common tasks and interact programmatically with AWS from your Python REPL.</a:t>
+              <a:rPr lang="en-US" dirty="0"/>
+              <a:t>VPC Flow Logs, Subnet Flow Logs, Elastic Network Interface Flow Logs</a:t>
             </a:r>
+          </a:p>
+          <a:p>
+            <a:pPr marL="285750" indent="-285750">
+              <a:buFont typeface="Arial" panose="020B0604020202020204" pitchFamily="34" charset="0"/>
+              <a:buChar char="•"/>
+            </a:pPr>
+            <a:endParaRPr lang="en-US" dirty="0"/>
+          </a:p>
+          <a:p>
+            <a:pPr marL="285750" indent="-285750">
+              <a:buFont typeface="Arial" panose="020B0604020202020204" pitchFamily="34" charset="0"/>
+              <a:buChar char="•"/>
+            </a:pPr>
+            <a:r>
+              <a:rPr lang="en-US" dirty="0"/>
+              <a:t>Download file with process and search</a:t>
+            </a:r>
+          </a:p>
+          <a:p>
+            <a:endParaRPr lang="en-US" dirty="0"/>
           </a:p>
         </p:txBody>
       </p:sp>
     </p:spTree>
     <p:extLst>
       <p:ext uri="{BB962C8B-B14F-4D97-AF65-F5344CB8AC3E}">
-        <p14:creationId xmlns:p14="http://schemas.microsoft.com/office/powerpoint/2010/main" val="36719276"/>
+        <p14:creationId xmlns:p14="http://schemas.microsoft.com/office/powerpoint/2010/main" val="3979151209"/>
+      </p:ext>
+    </p:extLst>
+  </p:cSld>
+  <p:clrMapOvr>
+    <a:masterClrMapping/>
+  </p:clrMapOvr>
+</p:sld>
+</file>
+
+<file path=ppt/slides/slide4.xml><?xml version="1.0" encoding="utf-8"?>
+<p:sld xmlns:a="http://schemas.openxmlformats.org/drawingml/2006/main" xmlns:r="http://schemas.openxmlformats.org/officeDocument/2006/relationships" xmlns:p="http://schemas.openxmlformats.org/presentationml/2006/main">
+  <p:cSld>
+    <p:spTree>
+      <p:nvGrpSpPr>
+        <p:cNvPr id="1" name=""/>
+        <p:cNvGrpSpPr/>
+        <p:nvPr/>
+      </p:nvGrpSpPr>
+      <p:grpSpPr>
+        <a:xfrm>
+          <a:off x="0" y="0"/>
+          <a:ext cx="0" cy="0"/>
+          <a:chOff x="0" y="0"/>
+          <a:chExt cx="0" cy="0"/>
+        </a:xfrm>
+      </p:grpSpPr>
+      <p:sp>
+        <p:nvSpPr>
+          <p:cNvPr id="2" name="Title 1">
+            <a:extLst>
+              <a:ext uri="{FF2B5EF4-FFF2-40B4-BE49-F238E27FC236}">
+                <a16:creationId xmlns:a16="http://schemas.microsoft.com/office/drawing/2014/main" id="{864B5079-9440-9847-903F-FAD5DEC53ECB}"/>
+              </a:ext>
+            </a:extLst>
+          </p:cNvPr>
+          <p:cNvSpPr>
+            <a:spLocks noGrp="1"/>
+          </p:cNvSpPr>
+          <p:nvPr>
+            <p:ph type="title"/>
+          </p:nvPr>
+        </p:nvSpPr>
+        <p:spPr>
+          <a:xfrm>
+            <a:off x="518552" y="643482"/>
+            <a:ext cx="10055721" cy="556800"/>
+          </a:xfrm>
+        </p:spPr>
+        <p:txBody>
+          <a:bodyPr anchor="t">
+            <a:noAutofit/>
+          </a:bodyPr>
+          <a:lstStyle/>
+          <a:p>
+            <a:r>
+              <a:rPr lang="en-US" sz="3600" b="1" dirty="0"/>
+              <a:t>Simple Code to download flow log from S3</a:t>
+            </a:r>
+          </a:p>
+        </p:txBody>
+      </p:sp>
+      <p:sp>
+        <p:nvSpPr>
+          <p:cNvPr id="3" name="Content Placeholder 2">
+            <a:extLst>
+              <a:ext uri="{FF2B5EF4-FFF2-40B4-BE49-F238E27FC236}">
+                <a16:creationId xmlns:a16="http://schemas.microsoft.com/office/drawing/2014/main" id="{5550F63A-FF86-B640-8528-EB1BACA537E4}"/>
+              </a:ext>
+            </a:extLst>
+          </p:cNvPr>
+          <p:cNvSpPr>
+            <a:spLocks noGrp="1"/>
+          </p:cNvSpPr>
+          <p:nvPr>
+            <p:ph idx="1"/>
+          </p:nvPr>
+        </p:nvSpPr>
+        <p:spPr>
+          <a:xfrm>
+            <a:off x="1251678" y="2286001"/>
+            <a:ext cx="10089112" cy="3909599"/>
+          </a:xfrm>
+        </p:spPr>
+        <p:txBody>
+          <a:bodyPr>
+            <a:normAutofit/>
+          </a:bodyPr>
+          <a:lstStyle/>
+          <a:p>
+            <a:endParaRPr lang="en-US" sz="2000">
+              <a:solidFill>
+                <a:schemeClr val="tx1">
+                  <a:alpha val="60000"/>
+                </a:schemeClr>
+              </a:solidFill>
+            </a:endParaRPr>
+          </a:p>
+          <a:p>
+            <a:endParaRPr lang="en-US" sz="2000">
+              <a:solidFill>
+                <a:schemeClr val="tx1">
+                  <a:alpha val="60000"/>
+                </a:schemeClr>
+              </a:solidFill>
+            </a:endParaRPr>
+          </a:p>
+          <a:p>
+            <a:endParaRPr lang="en-US" sz="2000">
+              <a:solidFill>
+                <a:schemeClr val="tx1">
+                  <a:alpha val="60000"/>
+                </a:schemeClr>
+              </a:solidFill>
+            </a:endParaRPr>
+          </a:p>
+          <a:p>
+            <a:pPr marL="0" indent="0">
+              <a:buNone/>
+            </a:pPr>
+            <a:endParaRPr lang="en-US" sz="2000">
+              <a:solidFill>
+                <a:schemeClr val="tx1">
+                  <a:alpha val="60000"/>
+                </a:schemeClr>
+              </a:solidFill>
+            </a:endParaRPr>
+          </a:p>
+          <a:p>
+            <a:endParaRPr lang="en-US" sz="2000">
+              <a:solidFill>
+                <a:schemeClr val="tx1">
+                  <a:alpha val="60000"/>
+                </a:schemeClr>
+              </a:solidFill>
+            </a:endParaRPr>
+          </a:p>
+          <a:p>
+            <a:endParaRPr lang="en-US" sz="2000">
+              <a:solidFill>
+                <a:schemeClr val="tx1">
+                  <a:alpha val="60000"/>
+                </a:schemeClr>
+              </a:solidFill>
+            </a:endParaRPr>
+          </a:p>
+          <a:p>
+            <a:endParaRPr lang="en-US" sz="2000" dirty="0">
+              <a:solidFill>
+                <a:schemeClr val="tx1">
+                  <a:alpha val="60000"/>
+                </a:schemeClr>
+              </a:solidFill>
+            </a:endParaRPr>
+          </a:p>
+        </p:txBody>
+      </p:sp>
+      <p:pic>
+        <p:nvPicPr>
+          <p:cNvPr id="7" name="Picture 6" descr="Text&#10;&#10;Description automatically generated">
+            <a:extLst>
+              <a:ext uri="{FF2B5EF4-FFF2-40B4-BE49-F238E27FC236}">
+                <a16:creationId xmlns:a16="http://schemas.microsoft.com/office/drawing/2014/main" id="{CB58A1E0-C2B2-5E48-ABFA-5C2875C7A36F}"/>
+              </a:ext>
+            </a:extLst>
+          </p:cNvPr>
+          <p:cNvPicPr>
+            <a:picLocks noChangeAspect="1"/>
+          </p:cNvPicPr>
+          <p:nvPr/>
+        </p:nvPicPr>
+        <p:blipFill>
+          <a:blip r:embed="rId2"/>
+          <a:stretch>
+            <a:fillRect/>
+          </a:stretch>
+        </p:blipFill>
+        <p:spPr>
+          <a:xfrm>
+            <a:off x="895350" y="1816100"/>
+            <a:ext cx="10401300" cy="3225800"/>
+          </a:xfrm>
+          <a:prstGeom prst="rect">
+            <a:avLst/>
+          </a:prstGeom>
+        </p:spPr>
+      </p:pic>
+    </p:spTree>
+    <p:extLst>
+      <p:ext uri="{BB962C8B-B14F-4D97-AF65-F5344CB8AC3E}">
+        <p14:creationId xmlns:p14="http://schemas.microsoft.com/office/powerpoint/2010/main" val="234803249"/>
+      </p:ext>
+    </p:extLst>
+  </p:cSld>
+  <p:clrMapOvr>
+    <a:masterClrMapping/>
+  </p:clrMapOvr>
+</p:sld>
+</file>
+
+<file path=ppt/slides/slide5.xml><?xml version="1.0" encoding="utf-8"?>
+<p:sld xmlns:a="http://schemas.openxmlformats.org/drawingml/2006/main" xmlns:r="http://schemas.openxmlformats.org/officeDocument/2006/relationships" xmlns:p="http://schemas.openxmlformats.org/presentationml/2006/main">
+  <p:cSld>
+    <p:spTree>
+      <p:nvGrpSpPr>
+        <p:cNvPr id="1" name=""/>
+        <p:cNvGrpSpPr/>
+        <p:nvPr/>
+      </p:nvGrpSpPr>
+      <p:grpSpPr>
+        <a:xfrm>
+          <a:off x="0" y="0"/>
+          <a:ext cx="0" cy="0"/>
+          <a:chOff x="0" y="0"/>
+          <a:chExt cx="0" cy="0"/>
+        </a:xfrm>
+      </p:grpSpPr>
+      <p:sp>
+        <p:nvSpPr>
+          <p:cNvPr id="2" name="Title 1">
+            <a:extLst>
+              <a:ext uri="{FF2B5EF4-FFF2-40B4-BE49-F238E27FC236}">
+                <a16:creationId xmlns:a16="http://schemas.microsoft.com/office/drawing/2014/main" id="{864B5079-9440-9847-903F-FAD5DEC53ECB}"/>
+              </a:ext>
+            </a:extLst>
+          </p:cNvPr>
+          <p:cNvSpPr>
+            <a:spLocks noGrp="1"/>
+          </p:cNvSpPr>
+          <p:nvPr>
+            <p:ph type="title"/>
+          </p:nvPr>
+        </p:nvSpPr>
+        <p:spPr>
+          <a:xfrm>
+            <a:off x="298076" y="105600"/>
+            <a:ext cx="10055721" cy="556800"/>
+          </a:xfrm>
+        </p:spPr>
+        <p:txBody>
+          <a:bodyPr anchor="t">
+            <a:noAutofit/>
+          </a:bodyPr>
+          <a:lstStyle/>
+          <a:p>
+            <a:r>
+              <a:rPr lang="en-US" sz="3600" b="1" dirty="0"/>
+              <a:t>Raw log after extracting</a:t>
+            </a:r>
+          </a:p>
+        </p:txBody>
+      </p:sp>
+      <p:sp>
+        <p:nvSpPr>
+          <p:cNvPr id="3" name="Content Placeholder 2">
+            <a:extLst>
+              <a:ext uri="{FF2B5EF4-FFF2-40B4-BE49-F238E27FC236}">
+                <a16:creationId xmlns:a16="http://schemas.microsoft.com/office/drawing/2014/main" id="{5550F63A-FF86-B640-8528-EB1BACA537E4}"/>
+              </a:ext>
+            </a:extLst>
+          </p:cNvPr>
+          <p:cNvSpPr>
+            <a:spLocks noGrp="1"/>
+          </p:cNvSpPr>
+          <p:nvPr>
+            <p:ph idx="1"/>
+          </p:nvPr>
+        </p:nvSpPr>
+        <p:spPr>
+          <a:xfrm>
+            <a:off x="1251678" y="2286001"/>
+            <a:ext cx="10089112" cy="3909599"/>
+          </a:xfrm>
+        </p:spPr>
+        <p:txBody>
+          <a:bodyPr>
+            <a:normAutofit/>
+          </a:bodyPr>
+          <a:lstStyle/>
+          <a:p>
+            <a:endParaRPr lang="en-US" sz="2000">
+              <a:solidFill>
+                <a:schemeClr val="tx1">
+                  <a:alpha val="60000"/>
+                </a:schemeClr>
+              </a:solidFill>
+            </a:endParaRPr>
+          </a:p>
+          <a:p>
+            <a:endParaRPr lang="en-US" sz="2000">
+              <a:solidFill>
+                <a:schemeClr val="tx1">
+                  <a:alpha val="60000"/>
+                </a:schemeClr>
+              </a:solidFill>
+            </a:endParaRPr>
+          </a:p>
+          <a:p>
+            <a:endParaRPr lang="en-US" sz="2000">
+              <a:solidFill>
+                <a:schemeClr val="tx1">
+                  <a:alpha val="60000"/>
+                </a:schemeClr>
+              </a:solidFill>
+            </a:endParaRPr>
+          </a:p>
+          <a:p>
+            <a:pPr marL="0" indent="0">
+              <a:buNone/>
+            </a:pPr>
+            <a:endParaRPr lang="en-US" sz="2000">
+              <a:solidFill>
+                <a:schemeClr val="tx1">
+                  <a:alpha val="60000"/>
+                </a:schemeClr>
+              </a:solidFill>
+            </a:endParaRPr>
+          </a:p>
+          <a:p>
+            <a:endParaRPr lang="en-US" sz="2000">
+              <a:solidFill>
+                <a:schemeClr val="tx1">
+                  <a:alpha val="60000"/>
+                </a:schemeClr>
+              </a:solidFill>
+            </a:endParaRPr>
+          </a:p>
+          <a:p>
+            <a:endParaRPr lang="en-US" sz="2000">
+              <a:solidFill>
+                <a:schemeClr val="tx1">
+                  <a:alpha val="60000"/>
+                </a:schemeClr>
+              </a:solidFill>
+            </a:endParaRPr>
+          </a:p>
+          <a:p>
+            <a:endParaRPr lang="en-US" sz="2000" dirty="0">
+              <a:solidFill>
+                <a:schemeClr val="tx1">
+                  <a:alpha val="60000"/>
+                </a:schemeClr>
+              </a:solidFill>
+            </a:endParaRPr>
+          </a:p>
+        </p:txBody>
+      </p:sp>
+      <p:sp>
+        <p:nvSpPr>
+          <p:cNvPr id="4" name="TextBox 3">
+            <a:extLst>
+              <a:ext uri="{FF2B5EF4-FFF2-40B4-BE49-F238E27FC236}">
+                <a16:creationId xmlns:a16="http://schemas.microsoft.com/office/drawing/2014/main" id="{8F71EF2D-4D3B-DC4E-96A0-C6BC6F10178B}"/>
+              </a:ext>
+            </a:extLst>
+          </p:cNvPr>
+          <p:cNvSpPr txBox="1"/>
+          <p:nvPr/>
+        </p:nvSpPr>
+        <p:spPr>
+          <a:xfrm>
+            <a:off x="1117600" y="2286001"/>
+            <a:ext cx="7532914" cy="646331"/>
+          </a:xfrm>
+          <a:prstGeom prst="rect">
+            <a:avLst/>
+          </a:prstGeom>
+          <a:noFill/>
+        </p:spPr>
+        <p:txBody>
+          <a:bodyPr wrap="square" rtlCol="0">
+            <a:spAutoFit/>
+          </a:bodyPr>
+          <a:lstStyle/>
+          <a:p>
+            <a:endParaRPr lang="en-US"/>
+          </a:p>
+          <a:p>
+            <a:endParaRPr lang="en-US" dirty="0"/>
+          </a:p>
+        </p:txBody>
+      </p:sp>
+      <p:pic>
+        <p:nvPicPr>
+          <p:cNvPr id="6" name="Picture 5" descr="Text&#10;&#10;Description automatically generated">
+            <a:extLst>
+              <a:ext uri="{FF2B5EF4-FFF2-40B4-BE49-F238E27FC236}">
+                <a16:creationId xmlns:a16="http://schemas.microsoft.com/office/drawing/2014/main" id="{64BC4462-930A-3747-BA8F-0CD616137460}"/>
+              </a:ext>
+            </a:extLst>
+          </p:cNvPr>
+          <p:cNvPicPr>
+            <a:picLocks noChangeAspect="1"/>
+          </p:cNvPicPr>
+          <p:nvPr/>
+        </p:nvPicPr>
+        <p:blipFill>
+          <a:blip r:embed="rId2"/>
+          <a:stretch>
+            <a:fillRect/>
+          </a:stretch>
+        </p:blipFill>
+        <p:spPr>
+          <a:xfrm>
+            <a:off x="800100" y="822777"/>
+            <a:ext cx="10274300" cy="5593976"/>
+          </a:xfrm>
+          <a:prstGeom prst="rect">
+            <a:avLst/>
+          </a:prstGeom>
+        </p:spPr>
+      </p:pic>
+    </p:spTree>
+    <p:extLst>
+      <p:ext uri="{BB962C8B-B14F-4D97-AF65-F5344CB8AC3E}">
+        <p14:creationId xmlns:p14="http://schemas.microsoft.com/office/powerpoint/2010/main" val="1112603920"/>
+      </p:ext>
+    </p:extLst>
+  </p:cSld>
+  <p:clrMapOvr>
+    <a:masterClrMapping/>
+  </p:clrMapOvr>
+</p:sld>
+</file>
+
+<file path=ppt/slides/slide6.xml><?xml version="1.0" encoding="utf-8"?>
+<p:sld xmlns:a="http://schemas.openxmlformats.org/drawingml/2006/main" xmlns:r="http://schemas.openxmlformats.org/officeDocument/2006/relationships" xmlns:p="http://schemas.openxmlformats.org/presentationml/2006/main">
+  <p:cSld>
+    <p:spTree>
+      <p:nvGrpSpPr>
+        <p:cNvPr id="1" name=""/>
+        <p:cNvGrpSpPr/>
+        <p:nvPr/>
+      </p:nvGrpSpPr>
+      <p:grpSpPr>
+        <a:xfrm>
+          <a:off x="0" y="0"/>
+          <a:ext cx="0" cy="0"/>
+          <a:chOff x="0" y="0"/>
+          <a:chExt cx="0" cy="0"/>
+        </a:xfrm>
+      </p:grpSpPr>
+      <p:sp>
+        <p:nvSpPr>
+          <p:cNvPr id="2" name="Title 1">
+            <a:extLst>
+              <a:ext uri="{FF2B5EF4-FFF2-40B4-BE49-F238E27FC236}">
+                <a16:creationId xmlns:a16="http://schemas.microsoft.com/office/drawing/2014/main" id="{864B5079-9440-9847-903F-FAD5DEC53ECB}"/>
+              </a:ext>
+            </a:extLst>
+          </p:cNvPr>
+          <p:cNvSpPr>
+            <a:spLocks noGrp="1"/>
+          </p:cNvSpPr>
+          <p:nvPr>
+            <p:ph type="title"/>
+          </p:nvPr>
+        </p:nvSpPr>
+        <p:spPr>
+          <a:xfrm>
+            <a:off x="733706" y="661412"/>
+            <a:ext cx="10055721" cy="556800"/>
+          </a:xfrm>
+        </p:spPr>
+        <p:txBody>
+          <a:bodyPr anchor="t">
+            <a:noAutofit/>
+          </a:bodyPr>
+          <a:lstStyle/>
+          <a:p>
+            <a:r>
+              <a:rPr lang="en-US" sz="3600" b="1" dirty="0"/>
+              <a:t>Extract IP Addresses and Write to DynamoDB</a:t>
+            </a:r>
+          </a:p>
+        </p:txBody>
+      </p:sp>
+      <p:sp>
+        <p:nvSpPr>
+          <p:cNvPr id="3" name="Content Placeholder 2">
+            <a:extLst>
+              <a:ext uri="{FF2B5EF4-FFF2-40B4-BE49-F238E27FC236}">
+                <a16:creationId xmlns:a16="http://schemas.microsoft.com/office/drawing/2014/main" id="{5550F63A-FF86-B640-8528-EB1BACA537E4}"/>
+              </a:ext>
+            </a:extLst>
+          </p:cNvPr>
+          <p:cNvSpPr>
+            <a:spLocks noGrp="1"/>
+          </p:cNvSpPr>
+          <p:nvPr>
+            <p:ph idx="1"/>
+          </p:nvPr>
+        </p:nvSpPr>
+        <p:spPr>
+          <a:xfrm>
+            <a:off x="1251678" y="2286001"/>
+            <a:ext cx="10089112" cy="3909599"/>
+          </a:xfrm>
+        </p:spPr>
+        <p:txBody>
+          <a:bodyPr>
+            <a:normAutofit/>
+          </a:bodyPr>
+          <a:lstStyle/>
+          <a:p>
+            <a:endParaRPr lang="en-US" sz="2000" dirty="0">
+              <a:solidFill>
+                <a:schemeClr val="tx1">
+                  <a:alpha val="60000"/>
+                </a:schemeClr>
+              </a:solidFill>
+            </a:endParaRPr>
+          </a:p>
+          <a:p>
+            <a:endParaRPr lang="en-US" sz="2000" dirty="0">
+              <a:solidFill>
+                <a:schemeClr val="tx1">
+                  <a:alpha val="60000"/>
+                </a:schemeClr>
+              </a:solidFill>
+            </a:endParaRPr>
+          </a:p>
+          <a:p>
+            <a:endParaRPr lang="en-US" sz="2000" dirty="0">
+              <a:solidFill>
+                <a:schemeClr val="tx1">
+                  <a:alpha val="60000"/>
+                </a:schemeClr>
+              </a:solidFill>
+            </a:endParaRPr>
+          </a:p>
+          <a:p>
+            <a:pPr marL="0" indent="0">
+              <a:buNone/>
+            </a:pPr>
+            <a:endParaRPr lang="en-US" sz="2000" dirty="0">
+              <a:solidFill>
+                <a:schemeClr val="tx1">
+                  <a:alpha val="60000"/>
+                </a:schemeClr>
+              </a:solidFill>
+            </a:endParaRPr>
+          </a:p>
+          <a:p>
+            <a:endParaRPr lang="en-US" sz="2000" dirty="0">
+              <a:solidFill>
+                <a:schemeClr val="tx1">
+                  <a:alpha val="60000"/>
+                </a:schemeClr>
+              </a:solidFill>
+            </a:endParaRPr>
+          </a:p>
+          <a:p>
+            <a:endParaRPr lang="en-US" sz="2000" dirty="0">
+              <a:solidFill>
+                <a:schemeClr val="tx1">
+                  <a:alpha val="60000"/>
+                </a:schemeClr>
+              </a:solidFill>
+            </a:endParaRPr>
+          </a:p>
+          <a:p>
+            <a:endParaRPr lang="en-US" sz="2000" dirty="0">
+              <a:solidFill>
+                <a:schemeClr val="tx1">
+                  <a:alpha val="60000"/>
+                </a:schemeClr>
+              </a:solidFill>
+            </a:endParaRPr>
+          </a:p>
+        </p:txBody>
+      </p:sp>
+      <p:sp>
+        <p:nvSpPr>
+          <p:cNvPr id="4" name="TextBox 3">
+            <a:extLst>
+              <a:ext uri="{FF2B5EF4-FFF2-40B4-BE49-F238E27FC236}">
+                <a16:creationId xmlns:a16="http://schemas.microsoft.com/office/drawing/2014/main" id="{8F71EF2D-4D3B-DC4E-96A0-C6BC6F10178B}"/>
+              </a:ext>
+            </a:extLst>
+          </p:cNvPr>
+          <p:cNvSpPr txBox="1"/>
+          <p:nvPr/>
+        </p:nvSpPr>
+        <p:spPr>
+          <a:xfrm>
+            <a:off x="1117600" y="2286001"/>
+            <a:ext cx="7532914" cy="646331"/>
+          </a:xfrm>
+          <a:prstGeom prst="rect">
+            <a:avLst/>
+          </a:prstGeom>
+          <a:noFill/>
+        </p:spPr>
+        <p:txBody>
+          <a:bodyPr wrap="square" rtlCol="0">
+            <a:spAutoFit/>
+          </a:bodyPr>
+          <a:lstStyle/>
+          <a:p>
+            <a:endParaRPr lang="en-US" dirty="0"/>
+          </a:p>
+          <a:p>
+            <a:endParaRPr lang="en-US" dirty="0"/>
+          </a:p>
+        </p:txBody>
+      </p:sp>
+      <p:sp>
+        <p:nvSpPr>
+          <p:cNvPr id="5" name="TextBox 4">
+            <a:extLst>
+              <a:ext uri="{FF2B5EF4-FFF2-40B4-BE49-F238E27FC236}">
+                <a16:creationId xmlns:a16="http://schemas.microsoft.com/office/drawing/2014/main" id="{CEE0B7BC-5F40-E246-84F2-A82F1EA70348}"/>
+              </a:ext>
+            </a:extLst>
+          </p:cNvPr>
+          <p:cNvSpPr txBox="1"/>
+          <p:nvPr/>
+        </p:nvSpPr>
+        <p:spPr>
+          <a:xfrm>
+            <a:off x="1117599" y="1551766"/>
+            <a:ext cx="9671827" cy="4643834"/>
+          </a:xfrm>
+          <a:prstGeom prst="rect">
+            <a:avLst/>
+          </a:prstGeom>
+          <a:noFill/>
+        </p:spPr>
+        <p:txBody>
+          <a:bodyPr wrap="square" rtlCol="0">
+            <a:spAutoFit/>
+          </a:bodyPr>
+          <a:lstStyle/>
+          <a:p>
+            <a:endParaRPr lang="en-US" dirty="0"/>
+          </a:p>
+        </p:txBody>
+      </p:sp>
+      <p:pic>
+        <p:nvPicPr>
+          <p:cNvPr id="7" name="Picture 6" descr="Text&#10;&#10;Description automatically generated">
+            <a:extLst>
+              <a:ext uri="{FF2B5EF4-FFF2-40B4-BE49-F238E27FC236}">
+                <a16:creationId xmlns:a16="http://schemas.microsoft.com/office/drawing/2014/main" id="{5FCF6050-9F9A-3843-BF02-119D0D087667}"/>
+              </a:ext>
+            </a:extLst>
+          </p:cNvPr>
+          <p:cNvPicPr>
+            <a:picLocks noChangeAspect="1"/>
+          </p:cNvPicPr>
+          <p:nvPr/>
+        </p:nvPicPr>
+        <p:blipFill>
+          <a:blip r:embed="rId2"/>
+          <a:stretch>
+            <a:fillRect/>
+          </a:stretch>
+        </p:blipFill>
+        <p:spPr>
+          <a:xfrm>
+            <a:off x="733706" y="1809012"/>
+            <a:ext cx="9559073" cy="3497222"/>
+          </a:xfrm>
+          <a:prstGeom prst="rect">
+            <a:avLst/>
+          </a:prstGeom>
+        </p:spPr>
+      </p:pic>
+    </p:spTree>
+    <p:extLst>
+      <p:ext uri="{BB962C8B-B14F-4D97-AF65-F5344CB8AC3E}">
+        <p14:creationId xmlns:p14="http://schemas.microsoft.com/office/powerpoint/2010/main" val="109022524"/>
+      </p:ext>
+    </p:extLst>
+  </p:cSld>
+  <p:clrMapOvr>
+    <a:masterClrMapping/>
+  </p:clrMapOvr>
+</p:sld>
+</file>
+
+<file path=ppt/slides/slide7.xml><?xml version="1.0" encoding="utf-8"?>
+<p:sld xmlns:a="http://schemas.openxmlformats.org/drawingml/2006/main" xmlns:r="http://schemas.openxmlformats.org/officeDocument/2006/relationships" xmlns:p="http://schemas.openxmlformats.org/presentationml/2006/main">
+  <p:cSld>
+    <p:spTree>
+      <p:nvGrpSpPr>
+        <p:cNvPr id="1" name=""/>
+        <p:cNvGrpSpPr/>
+        <p:nvPr/>
+      </p:nvGrpSpPr>
+      <p:grpSpPr>
+        <a:xfrm>
+          <a:off x="0" y="0"/>
+          <a:ext cx="0" cy="0"/>
+          <a:chOff x="0" y="0"/>
+          <a:chExt cx="0" cy="0"/>
+        </a:xfrm>
+      </p:grpSpPr>
+      <p:sp>
+        <p:nvSpPr>
+          <p:cNvPr id="2" name="Title 1">
+            <a:extLst>
+              <a:ext uri="{FF2B5EF4-FFF2-40B4-BE49-F238E27FC236}">
+                <a16:creationId xmlns:a16="http://schemas.microsoft.com/office/drawing/2014/main" id="{864B5079-9440-9847-903F-FAD5DEC53ECB}"/>
+              </a:ext>
+            </a:extLst>
+          </p:cNvPr>
+          <p:cNvSpPr>
+            <a:spLocks noGrp="1"/>
+          </p:cNvSpPr>
+          <p:nvPr>
+            <p:ph type="title"/>
+          </p:nvPr>
+        </p:nvSpPr>
+        <p:spPr>
+          <a:xfrm>
+            <a:off x="733706" y="661412"/>
+            <a:ext cx="10055721" cy="556800"/>
+          </a:xfrm>
+        </p:spPr>
+        <p:txBody>
+          <a:bodyPr anchor="t">
+            <a:noAutofit/>
+          </a:bodyPr>
+          <a:lstStyle/>
+          <a:p>
+            <a:r>
+              <a:rPr lang="en-US" sz="3600" b="1" dirty="0"/>
+              <a:t>Extract IP Addresses and Write to DynamoDB</a:t>
+            </a:r>
+          </a:p>
+        </p:txBody>
+      </p:sp>
+      <p:sp>
+        <p:nvSpPr>
+          <p:cNvPr id="3" name="Content Placeholder 2">
+            <a:extLst>
+              <a:ext uri="{FF2B5EF4-FFF2-40B4-BE49-F238E27FC236}">
+                <a16:creationId xmlns:a16="http://schemas.microsoft.com/office/drawing/2014/main" id="{5550F63A-FF86-B640-8528-EB1BACA537E4}"/>
+              </a:ext>
+            </a:extLst>
+          </p:cNvPr>
+          <p:cNvSpPr>
+            <a:spLocks noGrp="1"/>
+          </p:cNvSpPr>
+          <p:nvPr>
+            <p:ph idx="1"/>
+          </p:nvPr>
+        </p:nvSpPr>
+        <p:spPr>
+          <a:xfrm>
+            <a:off x="1251678" y="2286001"/>
+            <a:ext cx="10089112" cy="3909599"/>
+          </a:xfrm>
+        </p:spPr>
+        <p:txBody>
+          <a:bodyPr>
+            <a:normAutofit/>
+          </a:bodyPr>
+          <a:lstStyle/>
+          <a:p>
+            <a:endParaRPr lang="en-US" sz="2000" dirty="0">
+              <a:solidFill>
+                <a:schemeClr val="tx1">
+                  <a:alpha val="60000"/>
+                </a:schemeClr>
+              </a:solidFill>
+            </a:endParaRPr>
+          </a:p>
+          <a:p>
+            <a:endParaRPr lang="en-US" sz="2000" dirty="0">
+              <a:solidFill>
+                <a:schemeClr val="tx1">
+                  <a:alpha val="60000"/>
+                </a:schemeClr>
+              </a:solidFill>
+            </a:endParaRPr>
+          </a:p>
+          <a:p>
+            <a:endParaRPr lang="en-US" sz="2000" dirty="0">
+              <a:solidFill>
+                <a:schemeClr val="tx1">
+                  <a:alpha val="60000"/>
+                </a:schemeClr>
+              </a:solidFill>
+            </a:endParaRPr>
+          </a:p>
+          <a:p>
+            <a:pPr marL="0" indent="0">
+              <a:buNone/>
+            </a:pPr>
+            <a:endParaRPr lang="en-US" sz="2000" dirty="0">
+              <a:solidFill>
+                <a:schemeClr val="tx1">
+                  <a:alpha val="60000"/>
+                </a:schemeClr>
+              </a:solidFill>
+            </a:endParaRPr>
+          </a:p>
+          <a:p>
+            <a:endParaRPr lang="en-US" sz="2000" dirty="0">
+              <a:solidFill>
+                <a:schemeClr val="tx1">
+                  <a:alpha val="60000"/>
+                </a:schemeClr>
+              </a:solidFill>
+            </a:endParaRPr>
+          </a:p>
+          <a:p>
+            <a:endParaRPr lang="en-US" sz="2000" dirty="0">
+              <a:solidFill>
+                <a:schemeClr val="tx1">
+                  <a:alpha val="60000"/>
+                </a:schemeClr>
+              </a:solidFill>
+            </a:endParaRPr>
+          </a:p>
+          <a:p>
+            <a:endParaRPr lang="en-US" sz="2000" dirty="0">
+              <a:solidFill>
+                <a:schemeClr val="tx1">
+                  <a:alpha val="60000"/>
+                </a:schemeClr>
+              </a:solidFill>
+            </a:endParaRPr>
+          </a:p>
+        </p:txBody>
+      </p:sp>
+      <p:sp>
+        <p:nvSpPr>
+          <p:cNvPr id="4" name="TextBox 3">
+            <a:extLst>
+              <a:ext uri="{FF2B5EF4-FFF2-40B4-BE49-F238E27FC236}">
+                <a16:creationId xmlns:a16="http://schemas.microsoft.com/office/drawing/2014/main" id="{8F71EF2D-4D3B-DC4E-96A0-C6BC6F10178B}"/>
+              </a:ext>
+            </a:extLst>
+          </p:cNvPr>
+          <p:cNvSpPr txBox="1"/>
+          <p:nvPr/>
+        </p:nvSpPr>
+        <p:spPr>
+          <a:xfrm>
+            <a:off x="1117600" y="2286001"/>
+            <a:ext cx="7532914" cy="646331"/>
+          </a:xfrm>
+          <a:prstGeom prst="rect">
+            <a:avLst/>
+          </a:prstGeom>
+          <a:noFill/>
+        </p:spPr>
+        <p:txBody>
+          <a:bodyPr wrap="square" rtlCol="0">
+            <a:spAutoFit/>
+          </a:bodyPr>
+          <a:lstStyle/>
+          <a:p>
+            <a:endParaRPr lang="en-US" dirty="0"/>
+          </a:p>
+          <a:p>
+            <a:endParaRPr lang="en-US" dirty="0"/>
+          </a:p>
+        </p:txBody>
+      </p:sp>
+      <p:sp>
+        <p:nvSpPr>
+          <p:cNvPr id="5" name="TextBox 4">
+            <a:extLst>
+              <a:ext uri="{FF2B5EF4-FFF2-40B4-BE49-F238E27FC236}">
+                <a16:creationId xmlns:a16="http://schemas.microsoft.com/office/drawing/2014/main" id="{CEE0B7BC-5F40-E246-84F2-A82F1EA70348}"/>
+              </a:ext>
+            </a:extLst>
+          </p:cNvPr>
+          <p:cNvSpPr txBox="1"/>
+          <p:nvPr/>
+        </p:nvSpPr>
+        <p:spPr>
+          <a:xfrm>
+            <a:off x="1117599" y="1551766"/>
+            <a:ext cx="9671827" cy="4643834"/>
+          </a:xfrm>
+          <a:prstGeom prst="rect">
+            <a:avLst/>
+          </a:prstGeom>
+          <a:noFill/>
+        </p:spPr>
+        <p:txBody>
+          <a:bodyPr wrap="square" rtlCol="0">
+            <a:spAutoFit/>
+          </a:bodyPr>
+          <a:lstStyle/>
+          <a:p>
+            <a:endParaRPr lang="en-US" dirty="0"/>
+          </a:p>
+        </p:txBody>
+      </p:sp>
+      <p:pic>
+        <p:nvPicPr>
+          <p:cNvPr id="8" name="Picture 7" descr="Graphical user interface, text, application&#10;&#10;Description automatically generated">
+            <a:extLst>
+              <a:ext uri="{FF2B5EF4-FFF2-40B4-BE49-F238E27FC236}">
+                <a16:creationId xmlns:a16="http://schemas.microsoft.com/office/drawing/2014/main" id="{78E5A8B6-DBCC-E248-B566-253F6917AB0A}"/>
+              </a:ext>
+            </a:extLst>
+          </p:cNvPr>
+          <p:cNvPicPr>
+            <a:picLocks noChangeAspect="1"/>
+          </p:cNvPicPr>
+          <p:nvPr/>
+        </p:nvPicPr>
+        <p:blipFill>
+          <a:blip r:embed="rId2"/>
+          <a:stretch>
+            <a:fillRect/>
+          </a:stretch>
+        </p:blipFill>
+        <p:spPr>
+          <a:xfrm>
+            <a:off x="1117598" y="1741847"/>
+            <a:ext cx="5529765" cy="4367643"/>
+          </a:xfrm>
+          <a:prstGeom prst="rect">
+            <a:avLst/>
+          </a:prstGeom>
+        </p:spPr>
+      </p:pic>
+    </p:spTree>
+    <p:extLst>
+      <p:ext uri="{BB962C8B-B14F-4D97-AF65-F5344CB8AC3E}">
+        <p14:creationId xmlns:p14="http://schemas.microsoft.com/office/powerpoint/2010/main" val="372798116"/>
+      </p:ext>
+    </p:extLst>
+  </p:cSld>
+  <p:clrMapOvr>
+    <a:masterClrMapping/>
+  </p:clrMapOvr>
+</p:sld>
+</file>
+
+<file path=ppt/slides/slide8.xml><?xml version="1.0" encoding="utf-8"?>
+<p:sld xmlns:a="http://schemas.openxmlformats.org/drawingml/2006/main" xmlns:r="http://schemas.openxmlformats.org/officeDocument/2006/relationships" xmlns:p="http://schemas.openxmlformats.org/presentationml/2006/main">
+  <p:cSld>
+    <p:spTree>
+      <p:nvGrpSpPr>
+        <p:cNvPr id="1" name=""/>
+        <p:cNvGrpSpPr/>
+        <p:nvPr/>
+      </p:nvGrpSpPr>
+      <p:grpSpPr>
+        <a:xfrm>
+          <a:off x="0" y="0"/>
+          <a:ext cx="0" cy="0"/>
+          <a:chOff x="0" y="0"/>
+          <a:chExt cx="0" cy="0"/>
+        </a:xfrm>
+      </p:grpSpPr>
+      <p:sp>
+        <p:nvSpPr>
+          <p:cNvPr id="2" name="Title 1">
+            <a:extLst>
+              <a:ext uri="{FF2B5EF4-FFF2-40B4-BE49-F238E27FC236}">
+                <a16:creationId xmlns:a16="http://schemas.microsoft.com/office/drawing/2014/main" id="{864B5079-9440-9847-903F-FAD5DEC53ECB}"/>
+              </a:ext>
+            </a:extLst>
+          </p:cNvPr>
+          <p:cNvSpPr>
+            <a:spLocks noGrp="1"/>
+          </p:cNvSpPr>
+          <p:nvPr>
+            <p:ph type="title"/>
+          </p:nvPr>
+        </p:nvSpPr>
+        <p:spPr>
+          <a:xfrm>
+            <a:off x="733706" y="661412"/>
+            <a:ext cx="10055721" cy="556800"/>
+          </a:xfrm>
+        </p:spPr>
+        <p:txBody>
+          <a:bodyPr anchor="t">
+            <a:noAutofit/>
+          </a:bodyPr>
+          <a:lstStyle/>
+          <a:p>
+            <a:r>
+              <a:rPr lang="en-US" sz="3600" b="1" dirty="0"/>
+              <a:t>Create Process to Scan Logs Continuously</a:t>
+            </a:r>
+          </a:p>
+        </p:txBody>
+      </p:sp>
+      <p:sp>
+        <p:nvSpPr>
+          <p:cNvPr id="3" name="Content Placeholder 2">
+            <a:extLst>
+              <a:ext uri="{FF2B5EF4-FFF2-40B4-BE49-F238E27FC236}">
+                <a16:creationId xmlns:a16="http://schemas.microsoft.com/office/drawing/2014/main" id="{5550F63A-FF86-B640-8528-EB1BACA537E4}"/>
+              </a:ext>
+            </a:extLst>
+          </p:cNvPr>
+          <p:cNvSpPr>
+            <a:spLocks noGrp="1"/>
+          </p:cNvSpPr>
+          <p:nvPr>
+            <p:ph idx="1"/>
+          </p:nvPr>
+        </p:nvSpPr>
+        <p:spPr>
+          <a:xfrm>
+            <a:off x="1251678" y="2286001"/>
+            <a:ext cx="10089112" cy="3909599"/>
+          </a:xfrm>
+        </p:spPr>
+        <p:txBody>
+          <a:bodyPr>
+            <a:normAutofit/>
+          </a:bodyPr>
+          <a:lstStyle/>
+          <a:p>
+            <a:endParaRPr lang="en-US" sz="2000" dirty="0">
+              <a:solidFill>
+                <a:schemeClr val="tx1">
+                  <a:alpha val="60000"/>
+                </a:schemeClr>
+              </a:solidFill>
+            </a:endParaRPr>
+          </a:p>
+          <a:p>
+            <a:endParaRPr lang="en-US" sz="2000" dirty="0">
+              <a:solidFill>
+                <a:schemeClr val="tx1">
+                  <a:alpha val="60000"/>
+                </a:schemeClr>
+              </a:solidFill>
+            </a:endParaRPr>
+          </a:p>
+          <a:p>
+            <a:endParaRPr lang="en-US" sz="2000" dirty="0">
+              <a:solidFill>
+                <a:schemeClr val="tx1">
+                  <a:alpha val="60000"/>
+                </a:schemeClr>
+              </a:solidFill>
+            </a:endParaRPr>
+          </a:p>
+          <a:p>
+            <a:pPr marL="0" indent="0">
+              <a:buNone/>
+            </a:pPr>
+            <a:endParaRPr lang="en-US" sz="2000" dirty="0">
+              <a:solidFill>
+                <a:schemeClr val="tx1">
+                  <a:alpha val="60000"/>
+                </a:schemeClr>
+              </a:solidFill>
+            </a:endParaRPr>
+          </a:p>
+          <a:p>
+            <a:endParaRPr lang="en-US" sz="2000" dirty="0">
+              <a:solidFill>
+                <a:schemeClr val="tx1">
+                  <a:alpha val="60000"/>
+                </a:schemeClr>
+              </a:solidFill>
+            </a:endParaRPr>
+          </a:p>
+          <a:p>
+            <a:endParaRPr lang="en-US" sz="2000" dirty="0">
+              <a:solidFill>
+                <a:schemeClr val="tx1">
+                  <a:alpha val="60000"/>
+                </a:schemeClr>
+              </a:solidFill>
+            </a:endParaRPr>
+          </a:p>
+          <a:p>
+            <a:endParaRPr lang="en-US" sz="2000" dirty="0">
+              <a:solidFill>
+                <a:schemeClr val="tx1">
+                  <a:alpha val="60000"/>
+                </a:schemeClr>
+              </a:solidFill>
+            </a:endParaRPr>
+          </a:p>
+        </p:txBody>
+      </p:sp>
+      <p:sp>
+        <p:nvSpPr>
+          <p:cNvPr id="4" name="TextBox 3">
+            <a:extLst>
+              <a:ext uri="{FF2B5EF4-FFF2-40B4-BE49-F238E27FC236}">
+                <a16:creationId xmlns:a16="http://schemas.microsoft.com/office/drawing/2014/main" id="{8F71EF2D-4D3B-DC4E-96A0-C6BC6F10178B}"/>
+              </a:ext>
+            </a:extLst>
+          </p:cNvPr>
+          <p:cNvSpPr txBox="1"/>
+          <p:nvPr/>
+        </p:nvSpPr>
+        <p:spPr>
+          <a:xfrm>
+            <a:off x="1117600" y="2286001"/>
+            <a:ext cx="7532914" cy="646331"/>
+          </a:xfrm>
+          <a:prstGeom prst="rect">
+            <a:avLst/>
+          </a:prstGeom>
+          <a:noFill/>
+        </p:spPr>
+        <p:txBody>
+          <a:bodyPr wrap="square" rtlCol="0">
+            <a:spAutoFit/>
+          </a:bodyPr>
+          <a:lstStyle/>
+          <a:p>
+            <a:endParaRPr lang="en-US" dirty="0"/>
+          </a:p>
+          <a:p>
+            <a:endParaRPr lang="en-US" dirty="0"/>
+          </a:p>
+        </p:txBody>
+      </p:sp>
+    </p:spTree>
+    <p:extLst>
+      <p:ext uri="{BB962C8B-B14F-4D97-AF65-F5344CB8AC3E}">
+        <p14:creationId xmlns:p14="http://schemas.microsoft.com/office/powerpoint/2010/main" val="2513814558"/>
       </p:ext>
     </p:extLst>
   </p:cSld>
@@ -4574,4 +8635,299 @@
     </a:ext>
   </a:extLst>
 </a:theme>
+</file>
+
+<file path=ppt/theme/theme2.xml><?xml version="1.0" encoding="utf-8"?>
+<a:theme xmlns:a="http://schemas.openxmlformats.org/drawingml/2006/main" name="Office Theme">
+  <a:themeElements>
+    <a:clrScheme name="Office">
+      <a:dk1>
+        <a:sysClr val="windowText" lastClr="000000"/>
+      </a:dk1>
+      <a:lt1>
+        <a:sysClr val="window" lastClr="FFFFFF"/>
+      </a:lt1>
+      <a:dk2>
+        <a:srgbClr val="44546A"/>
+      </a:dk2>
+      <a:lt2>
+        <a:srgbClr val="E7E6E6"/>
+      </a:lt2>
+      <a:accent1>
+        <a:srgbClr val="4472C4"/>
+      </a:accent1>
+      <a:accent2>
+        <a:srgbClr val="ED7D31"/>
+      </a:accent2>
+      <a:accent3>
+        <a:srgbClr val="A5A5A5"/>
+      </a:accent3>
+      <a:accent4>
+        <a:srgbClr val="FFC000"/>
+      </a:accent4>
+      <a:accent5>
+        <a:srgbClr val="5B9BD5"/>
+      </a:accent5>
+      <a:accent6>
+        <a:srgbClr val="70AD47"/>
+      </a:accent6>
+      <a:hlink>
+        <a:srgbClr val="0563C1"/>
+      </a:hlink>
+      <a:folHlink>
+        <a:srgbClr val="954F72"/>
+      </a:folHlink>
+    </a:clrScheme>
+    <a:fontScheme name="Office">
+      <a:majorFont>
+        <a:latin typeface="Calibri Light" panose="020F0302020204030204"/>
+        <a:ea typeface=""/>
+        <a:cs typeface=""/>
+        <a:font script="Jpan" typeface="游ゴシック Light"/>
+        <a:font script="Hang" typeface="맑은 고딕"/>
+        <a:font script="Hans" typeface="等线 Light"/>
+        <a:font script="Hant" typeface="新細明體"/>
+        <a:font script="Arab" typeface="Times New Roman"/>
+        <a:font script="Hebr" typeface="Times New Roman"/>
+        <a:font script="Thai" typeface="Angsana New"/>
+        <a:font script="Ethi" typeface="Nyala"/>
+        <a:font script="Beng" typeface="Vrinda"/>
+        <a:font script="Gujr" typeface="Shruti"/>
+        <a:font script="Khmr" typeface="MoolBoran"/>
+        <a:font script="Knda" typeface="Tunga"/>
+        <a:font script="Guru" typeface="Raavi"/>
+        <a:font script="Cans" typeface="Euphemia"/>
+        <a:font script="Cher" typeface="Plantagenet Cherokee"/>
+        <a:font script="Yiii" typeface="Microsoft Yi Baiti"/>
+        <a:font script="Tibt" typeface="Microsoft Himalaya"/>
+        <a:font script="Thaa" typeface="MV Boli"/>
+        <a:font script="Deva" typeface="Mangal"/>
+        <a:font script="Telu" typeface="Gautami"/>
+        <a:font script="Taml" typeface="Latha"/>
+        <a:font script="Syrc" typeface="Estrangelo Edessa"/>
+        <a:font script="Orya" typeface="Kalinga"/>
+        <a:font script="Mlym" typeface="Kartika"/>
+        <a:font script="Laoo" typeface="DokChampa"/>
+        <a:font script="Sinh" typeface="Iskoola Pota"/>
+        <a:font script="Mong" typeface="Mongolian Baiti"/>
+        <a:font script="Viet" typeface="Times New Roman"/>
+        <a:font script="Uigh" typeface="Microsoft Uighur"/>
+        <a:font script="Geor" typeface="Sylfaen"/>
+        <a:font script="Armn" typeface="Arial"/>
+        <a:font script="Bugi" typeface="Leelawadee UI"/>
+        <a:font script="Bopo" typeface="Microsoft JhengHei"/>
+        <a:font script="Java" typeface="Javanese Text"/>
+        <a:font script="Lisu" typeface="Segoe UI"/>
+        <a:font script="Mymr" typeface="Myanmar Text"/>
+        <a:font script="Nkoo" typeface="Ebrima"/>
+        <a:font script="Olck" typeface="Nirmala UI"/>
+        <a:font script="Osma" typeface="Ebrima"/>
+        <a:font script="Phag" typeface="Phagspa"/>
+        <a:font script="Syrn" typeface="Estrangelo Edessa"/>
+        <a:font script="Syrj" typeface="Estrangelo Edessa"/>
+        <a:font script="Syre" typeface="Estrangelo Edessa"/>
+        <a:font script="Sora" typeface="Nirmala UI"/>
+        <a:font script="Tale" typeface="Microsoft Tai Le"/>
+        <a:font script="Talu" typeface="Microsoft New Tai Lue"/>
+        <a:font script="Tfng" typeface="Ebrima"/>
+      </a:majorFont>
+      <a:minorFont>
+        <a:latin typeface="Calibri" panose="020F0502020204030204"/>
+        <a:ea typeface=""/>
+        <a:cs typeface=""/>
+        <a:font script="Jpan" typeface="游ゴシック"/>
+        <a:font script="Hang" typeface="맑은 고딕"/>
+        <a:font script="Hans" typeface="等线"/>
+        <a:font script="Hant" typeface="新細明體"/>
+        <a:font script="Arab" typeface="Arial"/>
+        <a:font script="Hebr" typeface="Arial"/>
+        <a:font script="Thai" typeface="Cordia New"/>
+        <a:font script="Ethi" typeface="Nyala"/>
+        <a:font script="Beng" typeface="Vrinda"/>
+        <a:font script="Gujr" typeface="Shruti"/>
+        <a:font script="Khmr" typeface="DaunPenh"/>
+        <a:font script="Knda" typeface="Tunga"/>
+        <a:font script="Guru" typeface="Raavi"/>
+        <a:font script="Cans" typeface="Euphemia"/>
+        <a:font script="Cher" typeface="Plantagenet Cherokee"/>
+        <a:font script="Yiii" typeface="Microsoft Yi Baiti"/>
+        <a:font script="Tibt" typeface="Microsoft Himalaya"/>
+        <a:font script="Thaa" typeface="MV Boli"/>
+        <a:font script="Deva" typeface="Mangal"/>
+        <a:font script="Telu" typeface="Gautami"/>
+        <a:font script="Taml" typeface="Latha"/>
+        <a:font script="Syrc" typeface="Estrangelo Edessa"/>
+        <a:font script="Orya" typeface="Kalinga"/>
+        <a:font script="Mlym" typeface="Kartika"/>
+        <a:font script="Laoo" typeface="DokChampa"/>
+        <a:font script="Sinh" typeface="Iskoola Pota"/>
+        <a:font script="Mong" typeface="Mongolian Baiti"/>
+        <a:font script="Viet" typeface="Arial"/>
+        <a:font script="Uigh" typeface="Microsoft Uighur"/>
+        <a:font script="Geor" typeface="Sylfaen"/>
+        <a:font script="Armn" typeface="Arial"/>
+        <a:font script="Bugi" typeface="Leelawadee UI"/>
+        <a:font script="Bopo" typeface="Microsoft JhengHei"/>
+        <a:font script="Java" typeface="Javanese Text"/>
+        <a:font script="Lisu" typeface="Segoe UI"/>
+        <a:font script="Mymr" typeface="Myanmar Text"/>
+        <a:font script="Nkoo" typeface="Ebrima"/>
+        <a:font script="Olck" typeface="Nirmala UI"/>
+        <a:font script="Osma" typeface="Ebrima"/>
+        <a:font script="Phag" typeface="Phagspa"/>
+        <a:font script="Syrn" typeface="Estrangelo Edessa"/>
+        <a:font script="Syrj" typeface="Estrangelo Edessa"/>
+        <a:font script="Syre" typeface="Estrangelo Edessa"/>
+        <a:font script="Sora" typeface="Nirmala UI"/>
+        <a:font script="Tale" typeface="Microsoft Tai Le"/>
+        <a:font script="Talu" typeface="Microsoft New Tai Lue"/>
+        <a:font script="Tfng" typeface="Ebrima"/>
+      </a:minorFont>
+    </a:fontScheme>
+    <a:fmtScheme name="Office">
+      <a:fillStyleLst>
+        <a:solidFill>
+          <a:schemeClr val="phClr"/>
+        </a:solidFill>
+        <a:gradFill rotWithShape="1">
+          <a:gsLst>
+            <a:gs pos="0">
+              <a:schemeClr val="phClr">
+                <a:lumMod val="110000"/>
+                <a:satMod val="105000"/>
+                <a:tint val="67000"/>
+              </a:schemeClr>
+            </a:gs>
+            <a:gs pos="50000">
+              <a:schemeClr val="phClr">
+                <a:lumMod val="105000"/>
+                <a:satMod val="103000"/>
+                <a:tint val="73000"/>
+              </a:schemeClr>
+            </a:gs>
+            <a:gs pos="100000">
+              <a:schemeClr val="phClr">
+                <a:lumMod val="105000"/>
+                <a:satMod val="109000"/>
+                <a:tint val="81000"/>
+              </a:schemeClr>
+            </a:gs>
+          </a:gsLst>
+          <a:lin ang="5400000" scaled="0"/>
+        </a:gradFill>
+        <a:gradFill rotWithShape="1">
+          <a:gsLst>
+            <a:gs pos="0">
+              <a:schemeClr val="phClr">
+                <a:satMod val="103000"/>
+                <a:lumMod val="102000"/>
+                <a:tint val="94000"/>
+              </a:schemeClr>
+            </a:gs>
+            <a:gs pos="50000">
+              <a:schemeClr val="phClr">
+                <a:satMod val="110000"/>
+                <a:lumMod val="100000"/>
+                <a:shade val="100000"/>
+              </a:schemeClr>
+            </a:gs>
+            <a:gs pos="100000">
+              <a:schemeClr val="phClr">
+                <a:lumMod val="99000"/>
+                <a:satMod val="120000"/>
+                <a:shade val="78000"/>
+              </a:schemeClr>
+            </a:gs>
+          </a:gsLst>
+          <a:lin ang="5400000" scaled="0"/>
+        </a:gradFill>
+      </a:fillStyleLst>
+      <a:lnStyleLst>
+        <a:ln w="6350" cap="flat" cmpd="sng" algn="ctr">
+          <a:solidFill>
+            <a:schemeClr val="phClr"/>
+          </a:solidFill>
+          <a:prstDash val="solid"/>
+          <a:miter lim="800000"/>
+        </a:ln>
+        <a:ln w="12700" cap="flat" cmpd="sng" algn="ctr">
+          <a:solidFill>
+            <a:schemeClr val="phClr"/>
+          </a:solidFill>
+          <a:prstDash val="solid"/>
+          <a:miter lim="800000"/>
+        </a:ln>
+        <a:ln w="19050" cap="flat" cmpd="sng" algn="ctr">
+          <a:solidFill>
+            <a:schemeClr val="phClr"/>
+          </a:solidFill>
+          <a:prstDash val="solid"/>
+          <a:miter lim="800000"/>
+        </a:ln>
+      </a:lnStyleLst>
+      <a:effectStyleLst>
+        <a:effectStyle>
+          <a:effectLst/>
+        </a:effectStyle>
+        <a:effectStyle>
+          <a:effectLst/>
+        </a:effectStyle>
+        <a:effectStyle>
+          <a:effectLst>
+            <a:outerShdw blurRad="57150" dist="19050" dir="5400000" algn="ctr" rotWithShape="0">
+              <a:srgbClr val="000000">
+                <a:alpha val="63000"/>
+              </a:srgbClr>
+            </a:outerShdw>
+          </a:effectLst>
+        </a:effectStyle>
+      </a:effectStyleLst>
+      <a:bgFillStyleLst>
+        <a:solidFill>
+          <a:schemeClr val="phClr"/>
+        </a:solidFill>
+        <a:solidFill>
+          <a:schemeClr val="phClr">
+            <a:tint val="95000"/>
+            <a:satMod val="170000"/>
+          </a:schemeClr>
+        </a:solidFill>
+        <a:gradFill rotWithShape="1">
+          <a:gsLst>
+            <a:gs pos="0">
+              <a:schemeClr val="phClr">
+                <a:tint val="93000"/>
+                <a:satMod val="150000"/>
+                <a:shade val="98000"/>
+                <a:lumMod val="102000"/>
+              </a:schemeClr>
+            </a:gs>
+            <a:gs pos="50000">
+              <a:schemeClr val="phClr">
+                <a:tint val="98000"/>
+                <a:satMod val="130000"/>
+                <a:shade val="90000"/>
+                <a:lumMod val="103000"/>
+              </a:schemeClr>
+            </a:gs>
+            <a:gs pos="100000">
+              <a:schemeClr val="phClr">
+                <a:shade val="63000"/>
+                <a:satMod val="120000"/>
+              </a:schemeClr>
+            </a:gs>
+          </a:gsLst>
+          <a:lin ang="5400000" scaled="0"/>
+        </a:gradFill>
+      </a:bgFillStyleLst>
+    </a:fmtScheme>
+  </a:themeElements>
+  <a:objectDefaults/>
+  <a:extraClrSchemeLst/>
+  <a:extLst>
+    <a:ext uri="{05A4C25C-085E-4340-85A3-A5531E510DB2}">
+      <thm15:themeFamily xmlns:thm15="http://schemas.microsoft.com/office/thememl/2012/main" name="Office Theme" id="{62F939B6-93AF-4DB8-9C6B-D6C7DFDC589F}" vid="{4A3C46E8-61CC-4603-A589-7422A47A8E4A}"/>
+    </a:ext>
+  </a:extLst>
+</a:theme>
 </file>